--- a/presentation/final/Presentation.pptx
+++ b/presentation/final/Presentation.pptx
@@ -5,10 +5,10 @@
     <p:sldMasterId id="2147483760" r:id="rId1"/>
   </p:sldMasterIdLst>
   <p:notesMasterIdLst>
-    <p:notesMasterId r:id="rId21"/>
+    <p:notesMasterId r:id="rId22"/>
   </p:notesMasterIdLst>
   <p:handoutMasterIdLst>
-    <p:handoutMasterId r:id="rId22"/>
+    <p:handoutMasterId r:id="rId23"/>
   </p:handoutMasterIdLst>
   <p:sldIdLst>
     <p:sldId id="256" r:id="rId2"/>
@@ -18,18 +18,19 @@
     <p:sldId id="270" r:id="rId6"/>
     <p:sldId id="269" r:id="rId7"/>
     <p:sldId id="280" r:id="rId8"/>
-    <p:sldId id="281" r:id="rId9"/>
-    <p:sldId id="267" r:id="rId10"/>
-    <p:sldId id="261" r:id="rId11"/>
-    <p:sldId id="260" r:id="rId12"/>
-    <p:sldId id="264" r:id="rId13"/>
-    <p:sldId id="265" r:id="rId14"/>
-    <p:sldId id="271" r:id="rId15"/>
-    <p:sldId id="272" r:id="rId16"/>
-    <p:sldId id="273" r:id="rId17"/>
-    <p:sldId id="275" r:id="rId18"/>
-    <p:sldId id="276" r:id="rId19"/>
-    <p:sldId id="266" r:id="rId20"/>
+    <p:sldId id="282" r:id="rId9"/>
+    <p:sldId id="281" r:id="rId10"/>
+    <p:sldId id="267" r:id="rId11"/>
+    <p:sldId id="261" r:id="rId12"/>
+    <p:sldId id="260" r:id="rId13"/>
+    <p:sldId id="264" r:id="rId14"/>
+    <p:sldId id="265" r:id="rId15"/>
+    <p:sldId id="271" r:id="rId16"/>
+    <p:sldId id="272" r:id="rId17"/>
+    <p:sldId id="273" r:id="rId18"/>
+    <p:sldId id="275" r:id="rId19"/>
+    <p:sldId id="276" r:id="rId20"/>
+    <p:sldId id="266" r:id="rId21"/>
   </p:sldIdLst>
   <p:sldSz cx="12192000" cy="6858000"/>
   <p:notesSz cx="6858000" cy="9144000"/>
@@ -144,6 +145,7 @@
             <p14:sldId id="270"/>
             <p14:sldId id="269"/>
             <p14:sldId id="280"/>
+            <p14:sldId id="282"/>
             <p14:sldId id="281"/>
             <p14:sldId id="267"/>
             <p14:sldId id="261"/>
@@ -252,7 +254,7 @@
           <a:p>
             <a:fld id="{D62B0C72-8C79-864D-80F1-F34DB3E0F46F}" type="datetimeFigureOut">
               <a:rPr lang="en-US" smtClean="0"/>
-              <a:t>1/6/16</a:t>
+              <a:t>1/7/16</a:t>
             </a:fld>
             <a:endParaRPr lang="en-US"/>
           </a:p>
@@ -417,7 +419,7 @@
           <a:p>
             <a:fld id="{08AE4F11-B940-DA4B-8716-C714FC6D5239}" type="datetimeFigureOut">
               <a:rPr lang="en-US" smtClean="0"/>
-              <a:t>1/6/16</a:t>
+              <a:t>1/7/16</a:t>
             </a:fld>
             <a:endParaRPr lang="en-US"/>
           </a:p>
@@ -854,11 +856,7 @@
           <a:p>
             <a:r>
               <a:rPr lang="en-US" dirty="0" smtClean="0"/>
-              <a:t>K </a:t>
-            </a:r>
-            <a:r>
-              <a:rPr lang="en-US" dirty="0" smtClean="0"/>
-              <a:t>samples</a:t>
+              <a:t>K samples</a:t>
             </a:r>
             <a:r>
               <a:rPr lang="en-US" baseline="0" dirty="0" smtClean="0"/>
@@ -907,7 +905,7 @@
           <a:p>
             <a:fld id="{21B091FB-64E1-6840-B0B9-8BA944C57D1B}" type="slidenum">
               <a:rPr lang="en-US" smtClean="0"/>
-              <a:t>10</a:t>
+              <a:t>11</a:t>
             </a:fld>
             <a:endParaRPr lang="en-US"/>
           </a:p>
@@ -998,11 +996,7 @@
           <a:p>
             <a:r>
               <a:rPr lang="en-US" dirty="0" smtClean="0"/>
-              <a:t>Solve </a:t>
-            </a:r>
-            <a:r>
-              <a:rPr lang="en-US" dirty="0" smtClean="0"/>
-              <a:t>the system</a:t>
+              <a:t>Solve the system</a:t>
             </a:r>
             <a:endParaRPr lang="en-US" dirty="0"/>
           </a:p>
@@ -1025,7 +1019,7 @@
           <a:p>
             <a:fld id="{21B091FB-64E1-6840-B0B9-8BA944C57D1B}" type="slidenum">
               <a:rPr lang="en-US" smtClean="0"/>
-              <a:t>11</a:t>
+              <a:t>12</a:t>
             </a:fld>
             <a:endParaRPr lang="en-US"/>
           </a:p>
@@ -1120,11 +1114,7 @@
             </a:r>
             <a:r>
               <a:rPr lang="en-US" baseline="0" dirty="0" smtClean="0"/>
-              <a:t> </a:t>
-            </a:r>
-            <a:r>
-              <a:rPr lang="en-US" baseline="0" dirty="0" smtClean="0"/>
-              <a:t>the 4 (in this case) </a:t>
+              <a:t> the 4 (in this case) </a:t>
             </a:r>
             <a:endParaRPr lang="en-US" dirty="0"/>
           </a:p>
@@ -1147,7 +1137,7 @@
           <a:p>
             <a:fld id="{21B091FB-64E1-6840-B0B9-8BA944C57D1B}" type="slidenum">
               <a:rPr lang="en-US" smtClean="0"/>
-              <a:t>12</a:t>
+              <a:t>13</a:t>
             </a:fld>
             <a:endParaRPr lang="en-US"/>
           </a:p>
@@ -1254,7 +1244,7 @@
           <a:p>
             <a:fld id="{21B091FB-64E1-6840-B0B9-8BA944C57D1B}" type="slidenum">
               <a:rPr lang="en-US" smtClean="0"/>
-              <a:t>13</a:t>
+              <a:t>14</a:t>
             </a:fld>
             <a:endParaRPr lang="en-US"/>
           </a:p>
@@ -1355,7 +1345,7 @@
           <a:p>
             <a:fld id="{21B091FB-64E1-6840-B0B9-8BA944C57D1B}" type="slidenum">
               <a:rPr lang="en-US" smtClean="0"/>
-              <a:t>14</a:t>
+              <a:t>15</a:t>
             </a:fld>
             <a:endParaRPr lang="en-US"/>
           </a:p>
@@ -1483,7 +1473,7 @@
           <a:p>
             <a:fld id="{21B091FB-64E1-6840-B0B9-8BA944C57D1B}" type="slidenum">
               <a:rPr lang="en-US" smtClean="0"/>
-              <a:t>15</a:t>
+              <a:t>16</a:t>
             </a:fld>
             <a:endParaRPr lang="en-US"/>
           </a:p>
@@ -1589,7 +1579,7 @@
           <a:p>
             <a:fld id="{21B091FB-64E1-6840-B0B9-8BA944C57D1B}" type="slidenum">
               <a:rPr lang="en-US" smtClean="0"/>
-              <a:t>16</a:t>
+              <a:t>17</a:t>
             </a:fld>
             <a:endParaRPr lang="en-US"/>
           </a:p>
@@ -1677,7 +1667,7 @@
           <a:p>
             <a:fld id="{21B091FB-64E1-6840-B0B9-8BA944C57D1B}" type="slidenum">
               <a:rPr lang="en-US" smtClean="0"/>
-              <a:t>17</a:t>
+              <a:t>18</a:t>
             </a:fld>
             <a:endParaRPr lang="en-US"/>
           </a:p>
@@ -1869,7 +1859,7 @@
           <a:p>
             <a:fld id="{21B091FB-64E1-6840-B0B9-8BA944C57D1B}" type="slidenum">
               <a:rPr lang="en-US" smtClean="0"/>
-              <a:t>18</a:t>
+              <a:t>19</a:t>
             </a:fld>
             <a:endParaRPr lang="en-US"/>
           </a:p>
@@ -2018,7 +2008,7 @@
           <a:p>
             <a:fld id="{21B091FB-64E1-6840-B0B9-8BA944C57D1B}" type="slidenum">
               <a:rPr lang="en-US" smtClean="0"/>
-              <a:t>19</a:t>
+              <a:t>20</a:t>
             </a:fld>
             <a:endParaRPr lang="en-US"/>
           </a:p>
@@ -2100,11 +2090,7 @@
             </a:r>
             <a:r>
               <a:rPr lang="en-US" baseline="0" dirty="0" smtClean="0"/>
-              <a:t> </a:t>
-            </a:r>
-            <a:r>
-              <a:rPr lang="en-US" baseline="0" dirty="0" smtClean="0"/>
-              <a:t>expensive methods exist, e.g. Vogel </a:t>
+              <a:t> expensive methods exist, e.g. Vogel </a:t>
             </a:r>
           </a:p>
           <a:p>
@@ -2420,11 +2406,7 @@
           <a:p>
             <a:r>
               <a:rPr lang="en-US" dirty="0" smtClean="0"/>
-              <a:t>Very </a:t>
-            </a:r>
-            <a:r>
-              <a:rPr lang="en-US" dirty="0" smtClean="0"/>
-              <a:t>difficult to solve -&gt; solution l_0</a:t>
+              <a:t>Very difficult to solve -&gt; solution l_0</a:t>
             </a:r>
             <a:r>
               <a:rPr lang="en-US" baseline="0" dirty="0" smtClean="0"/>
@@ -2525,11 +2507,7 @@
           <a:p>
             <a:r>
               <a:rPr lang="en-US" b="0" dirty="0" smtClean="0"/>
-              <a:t>What </a:t>
-            </a:r>
-            <a:r>
-              <a:rPr lang="en-US" b="0" dirty="0" smtClean="0"/>
-              <a:t>is a</a:t>
+              <a:t>What is a</a:t>
             </a:r>
             <a:r>
               <a:rPr lang="en-US" b="1" dirty="0" smtClean="0"/>
@@ -2803,7 +2781,7 @@
           <a:p>
             <a:fld id="{21B091FB-64E1-6840-B0B9-8BA944C57D1B}" type="slidenum">
               <a:rPr lang="en-US" smtClean="0"/>
-              <a:t>8</a:t>
+              <a:t>9</a:t>
             </a:fld>
             <a:endParaRPr lang="en-US"/>
           </a:p>
@@ -2877,11 +2855,7 @@
           <a:p>
             <a:r>
               <a:rPr lang="en-US" dirty="0" smtClean="0"/>
-              <a:t>Which </a:t>
-            </a:r>
-            <a:r>
-              <a:rPr lang="en-US" dirty="0" smtClean="0"/>
-              <a:t>can be solved </a:t>
+              <a:t>Which can be solved </a:t>
             </a:r>
             <a:r>
               <a:rPr lang="en-US" dirty="0" smtClean="0">
@@ -2897,15 +2871,7 @@
           <a:p>
             <a:r>
               <a:rPr lang="en-US" baseline="0" dirty="0" smtClean="0"/>
-              <a:t>Mass (Newton) and </a:t>
-            </a:r>
-            <a:r>
-              <a:rPr lang="en-US" baseline="0" dirty="0" smtClean="0"/>
-              <a:t>friction/drag/viscosity (</a:t>
-            </a:r>
-            <a:r>
-              <a:rPr lang="en-US" baseline="0" dirty="0" smtClean="0"/>
-              <a:t>Stokes)</a:t>
+              <a:t>Mass (Newton) and friction/drag/viscosity (Stokes)</a:t>
             </a:r>
           </a:p>
           <a:p>
@@ -2937,7 +2903,7 @@
           <a:p>
             <a:fld id="{21B091FB-64E1-6840-B0B9-8BA944C57D1B}" type="slidenum">
               <a:rPr lang="en-US" smtClean="0"/>
-              <a:t>9</a:t>
+              <a:t>10</a:t>
             </a:fld>
             <a:endParaRPr lang="en-US"/>
           </a:p>
@@ -3679,7 +3645,7 @@
             <a:fld id="{B61BEF0D-F0BB-DE4B-95CE-6DB70DBA9567}" type="datetimeFigureOut">
               <a:rPr lang="en-US" smtClean="0"/>
               <a:pPr/>
-              <a:t>1/6/16</a:t>
+              <a:t>1/7/16</a:t>
             </a:fld>
             <a:endParaRPr lang="en-US" dirty="0"/>
           </a:p>
@@ -3939,7 +3905,7 @@
             <a:fld id="{B61BEF0D-F0BB-DE4B-95CE-6DB70DBA9567}" type="datetimeFigureOut">
               <a:rPr lang="en-US" smtClean="0"/>
               <a:pPr/>
-              <a:t>1/6/16</a:t>
+              <a:t>1/7/16</a:t>
             </a:fld>
             <a:endParaRPr lang="en-US" dirty="0"/>
           </a:p>
@@ -4255,7 +4221,7 @@
             <a:fld id="{B61BEF0D-F0BB-DE4B-95CE-6DB70DBA9567}" type="datetimeFigureOut">
               <a:rPr lang="en-US" smtClean="0"/>
               <a:pPr/>
-              <a:t>1/6/16</a:t>
+              <a:t>1/7/16</a:t>
             </a:fld>
             <a:endParaRPr lang="en-US" dirty="0"/>
           </a:p>
@@ -4598,7 +4564,7 @@
             <a:fld id="{B61BEF0D-F0BB-DE4B-95CE-6DB70DBA9567}" type="datetimeFigureOut">
               <a:rPr lang="en-US" smtClean="0"/>
               <a:pPr/>
-              <a:t>1/6/16</a:t>
+              <a:t>1/7/16</a:t>
             </a:fld>
             <a:endParaRPr lang="en-US" dirty="0"/>
           </a:p>
@@ -4914,7 +4880,7 @@
             <a:fld id="{B61BEF0D-F0BB-DE4B-95CE-6DB70DBA9567}" type="datetimeFigureOut">
               <a:rPr lang="en-US" smtClean="0"/>
               <a:pPr/>
-              <a:t>1/6/16</a:t>
+              <a:t>1/7/16</a:t>
             </a:fld>
             <a:endParaRPr lang="en-US" dirty="0"/>
           </a:p>
@@ -5309,7 +5275,7 @@
             <a:fld id="{B61BEF0D-F0BB-DE4B-95CE-6DB70DBA9567}" type="datetimeFigureOut">
               <a:rPr lang="en-US" smtClean="0"/>
               <a:pPr/>
-              <a:t>1/6/16</a:t>
+              <a:t>1/7/16</a:t>
             </a:fld>
             <a:endParaRPr lang="en-US" dirty="0"/>
           </a:p>
@@ -5480,7 +5446,7 @@
           <a:p>
             <a:fld id="{55C6B4A9-1611-4792-9094-5F34BCA07E0B}" type="datetimeFigureOut">
               <a:rPr lang="en-US" smtClean="0"/>
-              <a:t>1/6/16</a:t>
+              <a:t>1/7/16</a:t>
             </a:fld>
             <a:endParaRPr lang="en-US" dirty="0"/>
           </a:p>
@@ -5661,7 +5627,7 @@
             <a:fld id="{B61BEF0D-F0BB-DE4B-95CE-6DB70DBA9567}" type="datetimeFigureOut">
               <a:rPr lang="en-US" smtClean="0"/>
               <a:pPr/>
-              <a:t>1/6/16</a:t>
+              <a:t>1/7/16</a:t>
             </a:fld>
             <a:endParaRPr lang="en-US" dirty="0"/>
           </a:p>
@@ -5839,7 +5805,7 @@
             <a:fld id="{B61BEF0D-F0BB-DE4B-95CE-6DB70DBA9567}" type="datetimeFigureOut">
               <a:rPr lang="en-US" smtClean="0"/>
               <a:pPr/>
-              <a:t>1/6/16</a:t>
+              <a:t>1/7/16</a:t>
             </a:fld>
             <a:endParaRPr lang="en-US" dirty="0"/>
           </a:p>
@@ -6095,7 +6061,7 @@
             <a:fld id="{B61BEF0D-F0BB-DE4B-95CE-6DB70DBA9567}" type="datetimeFigureOut">
               <a:rPr lang="en-US" smtClean="0"/>
               <a:pPr/>
-              <a:t>1/6/16</a:t>
+              <a:t>1/7/16</a:t>
             </a:fld>
             <a:endParaRPr lang="en-US" dirty="0"/>
           </a:p>
@@ -6335,7 +6301,7 @@
           <a:p>
             <a:fld id="{EB712588-04B1-427B-82EE-E8DB90309F08}" type="datetimeFigureOut">
               <a:rPr lang="en-US" smtClean="0"/>
-              <a:t>1/6/16</a:t>
+              <a:t>1/7/16</a:t>
             </a:fld>
             <a:endParaRPr lang="en-US" dirty="0"/>
           </a:p>
@@ -6717,7 +6683,7 @@
             <a:fld id="{B61BEF0D-F0BB-DE4B-95CE-6DB70DBA9567}" type="datetimeFigureOut">
               <a:rPr lang="en-US" smtClean="0"/>
               <a:pPr/>
-              <a:t>1/6/16</a:t>
+              <a:t>1/7/16</a:t>
             </a:fld>
             <a:endParaRPr lang="en-US" dirty="0"/>
           </a:p>
@@ -6883,7 +6849,7 @@
             <a:fld id="{B61BEF0D-F0BB-DE4B-95CE-6DB70DBA9567}" type="datetimeFigureOut">
               <a:rPr lang="en-US" smtClean="0"/>
               <a:pPr/>
-              <a:t>1/6/16</a:t>
+              <a:t>1/7/16</a:t>
             </a:fld>
             <a:endParaRPr lang="en-US" dirty="0"/>
           </a:p>
@@ -6987,7 +6953,7 @@
             <a:fld id="{B61BEF0D-F0BB-DE4B-95CE-6DB70DBA9567}" type="datetimeFigureOut">
               <a:rPr lang="en-US" smtClean="0"/>
               <a:pPr/>
-              <a:t>1/6/16</a:t>
+              <a:t>1/7/16</a:t>
             </a:fld>
             <a:endParaRPr lang="en-US" dirty="0"/>
           </a:p>
@@ -7250,7 +7216,7 @@
           <a:p>
             <a:fld id="{42A54C80-263E-416B-A8E0-580EDEADCBDC}" type="datetimeFigureOut">
               <a:rPr lang="en-US" smtClean="0"/>
-              <a:t>1/6/16</a:t>
+              <a:t>1/7/16</a:t>
             </a:fld>
             <a:endParaRPr lang="en-US" dirty="0"/>
           </a:p>
@@ -7514,7 +7480,7 @@
             <a:fld id="{B61BEF0D-F0BB-DE4B-95CE-6DB70DBA9567}" type="datetimeFigureOut">
               <a:rPr lang="en-US" smtClean="0"/>
               <a:pPr/>
-              <a:t>1/6/16</a:t>
+              <a:t>1/7/16</a:t>
             </a:fld>
             <a:endParaRPr lang="en-US" dirty="0"/>
           </a:p>
@@ -8259,7 +8225,7 @@
             <a:fld id="{B61BEF0D-F0BB-DE4B-95CE-6DB70DBA9567}" type="datetimeFigureOut">
               <a:rPr lang="en-US" smtClean="0"/>
               <a:pPr/>
-              <a:t>1/6/16</a:t>
+              <a:t>1/7/16</a:t>
             </a:fld>
             <a:endParaRPr lang="en-US" dirty="0"/>
           </a:p>
@@ -8966,6 +8932,360 @@
           <a:chExt cx="0" cy="0"/>
         </a:xfrm>
       </p:grpSpPr>
+      <p:sp>
+        <p:nvSpPr>
+          <p:cNvPr id="2" name="Title 1"/>
+          <p:cNvSpPr>
+            <a:spLocks noGrp="1"/>
+          </p:cNvSpPr>
+          <p:nvPr>
+            <p:ph type="title"/>
+          </p:nvPr>
+        </p:nvSpPr>
+        <p:spPr>
+          <a:xfrm>
+            <a:off x="677334" y="609600"/>
+            <a:ext cx="8596668" cy="1320800"/>
+          </a:xfrm>
+        </p:spPr>
+        <p:txBody>
+          <a:bodyPr/>
+          <a:lstStyle/>
+          <a:p>
+            <a:r>
+              <a:rPr lang="en-US" dirty="0" smtClean="0"/>
+              <a:t>single particle (linear)</a:t>
+            </a:r>
+            <a:endParaRPr lang="en-US" dirty="0"/>
+          </a:p>
+        </p:txBody>
+      </p:sp>
+      <mc:AlternateContent xmlns:mc="http://schemas.openxmlformats.org/markup-compatibility/2006" xmlns:a14="http://schemas.microsoft.com/office/drawing/2010/main">
+        <mc:Choice Requires="a14">
+          <p:sp>
+            <p:nvSpPr>
+              <p:cNvPr id="3" name="Rectangle 2"/>
+              <p:cNvSpPr/>
+              <p:nvPr/>
+            </p:nvSpPr>
+            <p:spPr>
+              <a:xfrm>
+                <a:off x="677334" y="3034822"/>
+                <a:ext cx="7347824" cy="788357"/>
+              </a:xfrm>
+              <a:prstGeom prst="rect">
+                <a:avLst/>
+              </a:prstGeom>
+            </p:spPr>
+            <p:txBody>
+              <a:bodyPr wrap="square">
+                <a:spAutoFit/>
+              </a:bodyPr>
+              <a:lstStyle/>
+              <a:p>
+                <a14:m>
+                  <m:oMath xmlns:m="http://schemas.openxmlformats.org/officeDocument/2006/math">
+                    <m:sSub>
+                      <m:sSubPr>
+                        <m:ctrlPr>
+                          <a:rPr lang="en-US" sz="4000" b="0" i="1" smtClean="0">
+                            <a:latin typeface="Cambria Math" charset="0"/>
+                          </a:rPr>
+                        </m:ctrlPr>
+                      </m:sSubPr>
+                      <m:e>
+                        <m:r>
+                          <a:rPr lang="nl-NL" sz="4000" b="0" i="1" smtClean="0">
+                            <a:latin typeface="Cambria Math" charset="0"/>
+                          </a:rPr>
+                          <m:t>𝐹</m:t>
+                        </m:r>
+                      </m:e>
+                      <m:sub>
+                        <m:r>
+                          <a:rPr lang="nl-NL" sz="4000" b="0" i="1" smtClean="0">
+                            <a:latin typeface="Cambria Math" charset="0"/>
+                          </a:rPr>
+                          <m:t>𝑖</m:t>
+                        </m:r>
+                      </m:sub>
+                    </m:sSub>
+                  </m:oMath>
+                </a14:m>
+                <a:r>
+                  <a:rPr lang="en-US" sz="4000" dirty="0" smtClean="0"/>
+                  <a:t> = - </a:t>
+                </a:r>
+                <a14:m>
+                  <m:oMath xmlns:m="http://schemas.openxmlformats.org/officeDocument/2006/math">
+                    <m:nary>
+                      <m:naryPr>
+                        <m:chr m:val="∑"/>
+                        <m:supHide m:val="on"/>
+                        <m:ctrlPr>
+                          <a:rPr lang="en-US" sz="4000" i="1" smtClean="0">
+                            <a:latin typeface="Cambria Math" charset="0"/>
+                          </a:rPr>
+                        </m:ctrlPr>
+                      </m:naryPr>
+                      <m:sub>
+                        <m:r>
+                          <m:rPr>
+                            <m:brk m:alnAt="7"/>
+                          </m:rPr>
+                          <a:rPr lang="nl-NL" sz="4000" b="0" i="1" smtClean="0">
+                            <a:latin typeface="Cambria Math" charset="0"/>
+                          </a:rPr>
+                          <m:t>𝑗</m:t>
+                        </m:r>
+                        <m:r>
+                          <a:rPr lang="nl-NL" sz="4000" b="0" i="1" smtClean="0">
+                            <a:latin typeface="Cambria Math" charset="0"/>
+                            <a:ea typeface="Cambria Math" charset="0"/>
+                            <a:cs typeface="Cambria Math" charset="0"/>
+                          </a:rPr>
+                          <m:t>∈</m:t>
+                        </m:r>
+                        <m:sSub>
+                          <m:sSubPr>
+                            <m:ctrlPr>
+                              <a:rPr lang="en-US" sz="4000" b="0" i="1" smtClean="0">
+                                <a:latin typeface="Cambria Math" charset="0"/>
+                                <a:ea typeface="Cambria Math" charset="0"/>
+                                <a:cs typeface="Cambria Math" charset="0"/>
+                              </a:rPr>
+                            </m:ctrlPr>
+                          </m:sSubPr>
+                          <m:e>
+                            <m:r>
+                              <a:rPr lang="nl-NL" sz="4000" b="0" i="1" smtClean="0">
+                                <a:latin typeface="Cambria Math" charset="0"/>
+                                <a:ea typeface="Cambria Math" charset="0"/>
+                                <a:cs typeface="Cambria Math" charset="0"/>
+                              </a:rPr>
+                              <m:t>𝑁</m:t>
+                            </m:r>
+                          </m:e>
+                          <m:sub>
+                            <m:r>
+                              <a:rPr lang="nl-NL" sz="4000" b="0" i="1" smtClean="0">
+                                <a:latin typeface="Cambria Math" charset="0"/>
+                                <a:ea typeface="Cambria Math" charset="0"/>
+                                <a:cs typeface="Cambria Math" charset="0"/>
+                              </a:rPr>
+                              <m:t>𝑖</m:t>
+                            </m:r>
+                          </m:sub>
+                        </m:sSub>
+                      </m:sub>
+                      <m:sup/>
+                      <m:e>
+                        <m:sSub>
+                          <m:sSubPr>
+                            <m:ctrlPr>
+                              <a:rPr lang="en-US" sz="4000" i="1" smtClean="0">
+                                <a:latin typeface="Cambria Math" charset="0"/>
+                              </a:rPr>
+                            </m:ctrlPr>
+                          </m:sSubPr>
+                          <m:e>
+                            <m:r>
+                              <a:rPr lang="nl-NL" sz="4000" b="0" i="1" smtClean="0">
+                                <a:latin typeface="Cambria Math" charset="0"/>
+                              </a:rPr>
+                              <m:t>𝐾</m:t>
+                            </m:r>
+                          </m:e>
+                          <m:sub>
+                            <m:r>
+                              <a:rPr lang="nl-NL" sz="4000" b="0" i="1" smtClean="0">
+                                <a:latin typeface="Cambria Math" charset="0"/>
+                              </a:rPr>
+                              <m:t>𝑖𝑗</m:t>
+                            </m:r>
+                          </m:sub>
+                        </m:sSub>
+                      </m:e>
+                    </m:nary>
+                    <m:sSub>
+                      <m:sSubPr>
+                        <m:ctrlPr>
+                          <a:rPr lang="en-US" sz="4000" i="1">
+                            <a:latin typeface="Cambria Math" charset="0"/>
+                          </a:rPr>
+                        </m:ctrlPr>
+                      </m:sSubPr>
+                      <m:e>
+                        <m:r>
+                          <a:rPr lang="nl-NL" sz="4000" b="0" i="1" smtClean="0">
+                            <a:latin typeface="Cambria Math" charset="0"/>
+                          </a:rPr>
+                          <m:t>(</m:t>
+                        </m:r>
+                        <m:r>
+                          <a:rPr lang="nl-NL" sz="4000" i="1">
+                            <a:latin typeface="Cambria Math" charset="0"/>
+                          </a:rPr>
+                          <m:t>𝑥</m:t>
+                        </m:r>
+                      </m:e>
+                      <m:sub>
+                        <m:r>
+                          <a:rPr lang="nl-NL" sz="4000" i="1">
+                            <a:latin typeface="Cambria Math" charset="0"/>
+                          </a:rPr>
+                          <m:t>𝑖</m:t>
+                        </m:r>
+                      </m:sub>
+                    </m:sSub>
+                    <m:r>
+                      <a:rPr lang="nl-NL" sz="4000" i="1">
+                        <a:latin typeface="Cambria Math" charset="0"/>
+                      </a:rPr>
+                      <m:t> −</m:t>
+                    </m:r>
+                    <m:sSub>
+                      <m:sSubPr>
+                        <m:ctrlPr>
+                          <a:rPr lang="en-US" sz="4000" i="1">
+                            <a:latin typeface="Cambria Math" charset="0"/>
+                          </a:rPr>
+                        </m:ctrlPr>
+                      </m:sSubPr>
+                      <m:e>
+                        <m:r>
+                          <a:rPr lang="nl-NL" sz="4000" i="1">
+                            <a:latin typeface="Cambria Math" charset="0"/>
+                          </a:rPr>
+                          <m:t>𝑥</m:t>
+                        </m:r>
+                      </m:e>
+                      <m:sub>
+                        <m:r>
+                          <a:rPr lang="nl-NL" sz="4000" i="1">
+                            <a:latin typeface="Cambria Math" charset="0"/>
+                          </a:rPr>
+                          <m:t>𝑗</m:t>
+                        </m:r>
+                      </m:sub>
+                    </m:sSub>
+                  </m:oMath>
+                </a14:m>
+                <a:r>
+                  <a:rPr lang="en-US" sz="4000" dirty="0" smtClean="0"/>
+                  <a:t>)</a:t>
+                </a:r>
+                <a:endParaRPr lang="en-US" sz="4000" dirty="0"/>
+              </a:p>
+            </p:txBody>
+          </p:sp>
+        </mc:Choice>
+        <mc:Fallback xmlns="">
+          <p:sp>
+            <p:nvSpPr>
+              <p:cNvPr id="3" name="Rectangle 2"/>
+              <p:cNvSpPr>
+                <a:spLocks noRot="1" noChangeAspect="1" noMove="1" noResize="1" noEditPoints="1" noAdjustHandles="1" noChangeArrowheads="1" noChangeShapeType="1" noTextEdit="1"/>
+              </p:cNvSpPr>
+              <p:nvPr/>
+            </p:nvSpPr>
+            <p:spPr>
+              <a:xfrm>
+                <a:off x="677334" y="3034822"/>
+                <a:ext cx="7347824" cy="788357"/>
+              </a:xfrm>
+              <a:prstGeom prst="rect">
+                <a:avLst/>
+              </a:prstGeom>
+              <a:blipFill rotWithShape="0">
+                <a:blip r:embed="rId3"/>
+                <a:stretch>
+                  <a:fillRect t="-14729" b="-21705"/>
+                </a:stretch>
+              </a:blipFill>
+            </p:spPr>
+            <p:txBody>
+              <a:bodyPr/>
+              <a:lstStyle/>
+              <a:p>
+                <a:r>
+                  <a:rPr lang="en-US">
+                    <a:noFill/>
+                  </a:rPr>
+                  <a:t> </a:t>
+                </a:r>
+              </a:p>
+            </p:txBody>
+          </p:sp>
+        </mc:Fallback>
+      </mc:AlternateContent>
+      <p:sp>
+        <p:nvSpPr>
+          <p:cNvPr id="4" name="TextBox 3"/>
+          <p:cNvSpPr txBox="1"/>
+          <p:nvPr/>
+        </p:nvSpPr>
+        <p:spPr>
+          <a:xfrm>
+            <a:off x="1268720" y="3953926"/>
+            <a:ext cx="5587107" cy="400110"/>
+          </a:xfrm>
+          <a:prstGeom prst="rect">
+            <a:avLst/>
+          </a:prstGeom>
+          <a:noFill/>
+        </p:spPr>
+        <p:txBody>
+          <a:bodyPr wrap="none" rtlCol="0">
+            <a:spAutoFit/>
+          </a:bodyPr>
+          <a:lstStyle/>
+          <a:p>
+            <a:r>
+              <a:rPr lang="en-US" sz="2000" dirty="0" smtClean="0"/>
+              <a:t>Note that we discard Newton’s and Stokes’ law</a:t>
+            </a:r>
+            <a:endParaRPr lang="en-US" sz="2000" dirty="0"/>
+          </a:p>
+        </p:txBody>
+      </p:sp>
+    </p:spTree>
+    <p:extLst>
+      <p:ext uri="{BB962C8B-B14F-4D97-AF65-F5344CB8AC3E}">
+        <p14:creationId xmlns:p14="http://schemas.microsoft.com/office/powerpoint/2010/main" val="1253251298"/>
+      </p:ext>
+    </p:extLst>
+  </p:cSld>
+  <p:clrMapOvr>
+    <a:masterClrMapping/>
+  </p:clrMapOvr>
+  <p:timing>
+    <p:tnLst>
+      <p:par>
+        <p:cTn id="1" dur="indefinite" restart="never" nodeType="tmRoot"/>
+      </p:par>
+    </p:tnLst>
+  </p:timing>
+</p:sld>
+</file>
+
+<file path=ppt/slides/slide11.xml><?xml version="1.0" encoding="utf-8"?>
+<p:sld xmlns:a="http://schemas.openxmlformats.org/drawingml/2006/main" xmlns:r="http://schemas.openxmlformats.org/officeDocument/2006/relationships" xmlns:p="http://schemas.openxmlformats.org/presentationml/2006/main">
+  <p:cSld>
+    <p:spTree>
+      <p:nvGrpSpPr>
+        <p:cNvPr id="1" name=""/>
+        <p:cNvGrpSpPr/>
+        <p:nvPr/>
+      </p:nvGrpSpPr>
+      <p:grpSpPr>
+        <a:xfrm>
+          <a:off x="0" y="0"/>
+          <a:ext cx="0" cy="0"/>
+          <a:chOff x="0" y="0"/>
+          <a:chExt cx="0" cy="0"/>
+        </a:xfrm>
+      </p:grpSpPr>
       <p:grpSp>
         <p:nvGrpSpPr>
           <p:cNvPr id="8" name="Group 7"/>
@@ -12523,7 +12843,7 @@
 </p:sld>
 </file>
 
-<file path=ppt/slides/slide11.xml><?xml version="1.0" encoding="utf-8"?>
+<file path=ppt/slides/slide12.xml><?xml version="1.0" encoding="utf-8"?>
 <p:sld xmlns:a="http://schemas.openxmlformats.org/drawingml/2006/main" xmlns:r="http://schemas.openxmlformats.org/officeDocument/2006/relationships" xmlns:p="http://schemas.openxmlformats.org/presentationml/2006/main">
   <p:cSld>
     <p:spTree>
@@ -16081,3569 +16401,6 @@
     <p:extLst>
       <p:ext uri="{BB962C8B-B14F-4D97-AF65-F5344CB8AC3E}">
         <p14:creationId xmlns:p14="http://schemas.microsoft.com/office/powerpoint/2010/main" val="222601143"/>
-      </p:ext>
-    </p:extLst>
-  </p:cSld>
-  <p:clrMapOvr>
-    <a:masterClrMapping/>
-  </p:clrMapOvr>
-  <p:timing>
-    <p:tnLst>
-      <p:par>
-        <p:cTn id="1" dur="indefinite" restart="never" nodeType="tmRoot"/>
-      </p:par>
-    </p:tnLst>
-  </p:timing>
-</p:sld>
-</file>
-
-<file path=ppt/slides/slide12.xml><?xml version="1.0" encoding="utf-8"?>
-<p:sld xmlns:a="http://schemas.openxmlformats.org/drawingml/2006/main" xmlns:r="http://schemas.openxmlformats.org/officeDocument/2006/relationships" xmlns:p="http://schemas.openxmlformats.org/presentationml/2006/main">
-  <p:cSld>
-    <p:spTree>
-      <p:nvGrpSpPr>
-        <p:cNvPr id="1" name=""/>
-        <p:cNvGrpSpPr/>
-        <p:nvPr/>
-      </p:nvGrpSpPr>
-      <p:grpSpPr>
-        <a:xfrm>
-          <a:off x="0" y="0"/>
-          <a:ext cx="0" cy="0"/>
-          <a:chOff x="0" y="0"/>
-          <a:chExt cx="0" cy="0"/>
-        </a:xfrm>
-      </p:grpSpPr>
-      <p:sp>
-        <p:nvSpPr>
-          <p:cNvPr id="2" name="Oval 1"/>
-          <p:cNvSpPr/>
-          <p:nvPr/>
-        </p:nvSpPr>
-        <p:spPr>
-          <a:xfrm>
-            <a:off x="2548022" y="1981991"/>
-            <a:ext cx="360000" cy="360000"/>
-          </a:xfrm>
-          <a:prstGeom prst="ellipse">
-            <a:avLst/>
-          </a:prstGeom>
-          <a:ln>
-            <a:noFill/>
-          </a:ln>
-        </p:spPr>
-        <p:style>
-          <a:lnRef idx="2">
-            <a:schemeClr val="accent1">
-              <a:shade val="50000"/>
-            </a:schemeClr>
-          </a:lnRef>
-          <a:fillRef idx="1">
-            <a:schemeClr val="accent1"/>
-          </a:fillRef>
-          <a:effectRef idx="0">
-            <a:schemeClr val="accent1"/>
-          </a:effectRef>
-          <a:fontRef idx="minor">
-            <a:schemeClr val="lt1"/>
-          </a:fontRef>
-        </p:style>
-        <p:txBody>
-          <a:bodyPr rtlCol="0" anchor="ctr"/>
-          <a:lstStyle/>
-          <a:p>
-            <a:pPr algn="ctr"/>
-            <a:endParaRPr lang="en-US">
-              <a:ln w="0"/>
-              <a:solidFill>
-                <a:schemeClr val="accent1"/>
-              </a:solidFill>
-              <a:effectLst>
-                <a:outerShdw blurRad="38100" dist="25400" dir="5400000" algn="ctr" rotWithShape="0">
-                  <a:srgbClr val="6E747A">
-                    <a:alpha val="43000"/>
-                  </a:srgbClr>
-                </a:outerShdw>
-              </a:effectLst>
-            </a:endParaRPr>
-          </a:p>
-        </p:txBody>
-      </p:sp>
-      <p:sp>
-        <p:nvSpPr>
-          <p:cNvPr id="3" name="Oval 2"/>
-          <p:cNvSpPr/>
-          <p:nvPr/>
-        </p:nvSpPr>
-        <p:spPr>
-          <a:xfrm>
-            <a:off x="4286363" y="2109270"/>
-            <a:ext cx="360000" cy="360000"/>
-          </a:xfrm>
-          <a:prstGeom prst="ellipse">
-            <a:avLst/>
-          </a:prstGeom>
-          <a:ln>
-            <a:noFill/>
-          </a:ln>
-        </p:spPr>
-        <p:style>
-          <a:lnRef idx="2">
-            <a:schemeClr val="accent1">
-              <a:shade val="50000"/>
-            </a:schemeClr>
-          </a:lnRef>
-          <a:fillRef idx="1">
-            <a:schemeClr val="accent1"/>
-          </a:fillRef>
-          <a:effectRef idx="0">
-            <a:schemeClr val="accent1"/>
-          </a:effectRef>
-          <a:fontRef idx="minor">
-            <a:schemeClr val="lt1"/>
-          </a:fontRef>
-        </p:style>
-        <p:txBody>
-          <a:bodyPr rtlCol="0" anchor="ctr"/>
-          <a:lstStyle/>
-          <a:p>
-            <a:pPr algn="ctr"/>
-            <a:endParaRPr lang="en-US">
-              <a:ln w="0"/>
-              <a:solidFill>
-                <a:schemeClr val="accent1"/>
-              </a:solidFill>
-              <a:effectLst>
-                <a:outerShdw blurRad="38100" dist="25400" dir="5400000" algn="ctr" rotWithShape="0">
-                  <a:srgbClr val="6E747A">
-                    <a:alpha val="43000"/>
-                  </a:srgbClr>
-                </a:outerShdw>
-              </a:effectLst>
-            </a:endParaRPr>
-          </a:p>
-        </p:txBody>
-      </p:sp>
-      <p:sp>
-        <p:nvSpPr>
-          <p:cNvPr id="4" name="Oval 3"/>
-          <p:cNvSpPr/>
-          <p:nvPr/>
-        </p:nvSpPr>
-        <p:spPr>
-          <a:xfrm>
-            <a:off x="5815374" y="2289270"/>
-            <a:ext cx="360000" cy="360000"/>
-          </a:xfrm>
-          <a:prstGeom prst="ellipse">
-            <a:avLst/>
-          </a:prstGeom>
-          <a:ln>
-            <a:noFill/>
-          </a:ln>
-        </p:spPr>
-        <p:style>
-          <a:lnRef idx="2">
-            <a:schemeClr val="accent1">
-              <a:shade val="50000"/>
-            </a:schemeClr>
-          </a:lnRef>
-          <a:fillRef idx="1">
-            <a:schemeClr val="accent1"/>
-          </a:fillRef>
-          <a:effectRef idx="0">
-            <a:schemeClr val="accent1"/>
-          </a:effectRef>
-          <a:fontRef idx="minor">
-            <a:schemeClr val="lt1"/>
-          </a:fontRef>
-        </p:style>
-        <p:txBody>
-          <a:bodyPr rtlCol="0" anchor="ctr"/>
-          <a:lstStyle/>
-          <a:p>
-            <a:pPr algn="ctr"/>
-            <a:endParaRPr lang="en-US">
-              <a:ln w="0"/>
-              <a:solidFill>
-                <a:schemeClr val="accent1"/>
-              </a:solidFill>
-              <a:effectLst>
-                <a:outerShdw blurRad="38100" dist="25400" dir="5400000" algn="ctr" rotWithShape="0">
-                  <a:srgbClr val="6E747A">
-                    <a:alpha val="43000"/>
-                  </a:srgbClr>
-                </a:outerShdw>
-              </a:effectLst>
-            </a:endParaRPr>
-          </a:p>
-        </p:txBody>
-      </p:sp>
-      <p:sp>
-        <p:nvSpPr>
-          <p:cNvPr id="33" name="Oval 32"/>
-          <p:cNvSpPr/>
-          <p:nvPr/>
-        </p:nvSpPr>
-        <p:spPr>
-          <a:xfrm>
-            <a:off x="2058400" y="1564571"/>
-            <a:ext cx="360000" cy="360000"/>
-          </a:xfrm>
-          <a:prstGeom prst="ellipse">
-            <a:avLst/>
-          </a:prstGeom>
-          <a:noFill/>
-          <a:ln>
-            <a:noFill/>
-          </a:ln>
-        </p:spPr>
-        <p:style>
-          <a:lnRef idx="2">
-            <a:schemeClr val="accent1">
-              <a:shade val="50000"/>
-            </a:schemeClr>
-          </a:lnRef>
-          <a:fillRef idx="1">
-            <a:schemeClr val="accent1"/>
-          </a:fillRef>
-          <a:effectRef idx="0">
-            <a:schemeClr val="accent1"/>
-          </a:effectRef>
-          <a:fontRef idx="minor">
-            <a:schemeClr val="lt1"/>
-          </a:fontRef>
-        </p:style>
-        <p:txBody>
-          <a:bodyPr rtlCol="0" anchor="ctr"/>
-          <a:lstStyle/>
-          <a:p>
-            <a:pPr algn="ctr"/>
-            <a:endParaRPr lang="en-US"/>
-          </a:p>
-        </p:txBody>
-      </p:sp>
-      <p:sp>
-        <p:nvSpPr>
-          <p:cNvPr id="34" name="Oval 33"/>
-          <p:cNvSpPr/>
-          <p:nvPr/>
-        </p:nvSpPr>
-        <p:spPr>
-          <a:xfrm>
-            <a:off x="3498400" y="1564571"/>
-            <a:ext cx="360000" cy="360000"/>
-          </a:xfrm>
-          <a:prstGeom prst="ellipse">
-            <a:avLst/>
-          </a:prstGeom>
-          <a:noFill/>
-          <a:ln>
-            <a:noFill/>
-          </a:ln>
-        </p:spPr>
-        <p:style>
-          <a:lnRef idx="2">
-            <a:schemeClr val="accent1">
-              <a:shade val="50000"/>
-            </a:schemeClr>
-          </a:lnRef>
-          <a:fillRef idx="1">
-            <a:schemeClr val="accent1"/>
-          </a:fillRef>
-          <a:effectRef idx="0">
-            <a:schemeClr val="accent1"/>
-          </a:effectRef>
-          <a:fontRef idx="minor">
-            <a:schemeClr val="lt1"/>
-          </a:fontRef>
-        </p:style>
-        <p:txBody>
-          <a:bodyPr rtlCol="0" anchor="ctr"/>
-          <a:lstStyle/>
-          <a:p>
-            <a:pPr algn="ctr"/>
-            <a:endParaRPr lang="en-US"/>
-          </a:p>
-        </p:txBody>
-      </p:sp>
-      <p:sp>
-        <p:nvSpPr>
-          <p:cNvPr id="35" name="Oval 34"/>
-          <p:cNvSpPr/>
-          <p:nvPr/>
-        </p:nvSpPr>
-        <p:spPr>
-          <a:xfrm>
-            <a:off x="4938400" y="1564571"/>
-            <a:ext cx="360000" cy="360000"/>
-          </a:xfrm>
-          <a:prstGeom prst="ellipse">
-            <a:avLst/>
-          </a:prstGeom>
-          <a:noFill/>
-          <a:ln>
-            <a:noFill/>
-          </a:ln>
-        </p:spPr>
-        <p:style>
-          <a:lnRef idx="2">
-            <a:schemeClr val="accent1">
-              <a:shade val="50000"/>
-            </a:schemeClr>
-          </a:lnRef>
-          <a:fillRef idx="1">
-            <a:schemeClr val="accent1"/>
-          </a:fillRef>
-          <a:effectRef idx="0">
-            <a:schemeClr val="accent1"/>
-          </a:effectRef>
-          <a:fontRef idx="minor">
-            <a:schemeClr val="lt1"/>
-          </a:fontRef>
-        </p:style>
-        <p:txBody>
-          <a:bodyPr rtlCol="0" anchor="ctr"/>
-          <a:lstStyle/>
-          <a:p>
-            <a:pPr algn="ctr"/>
-            <a:endParaRPr lang="en-US"/>
-          </a:p>
-        </p:txBody>
-      </p:sp>
-      <p:sp>
-        <p:nvSpPr>
-          <p:cNvPr id="32" name="Oval 31"/>
-          <p:cNvSpPr/>
-          <p:nvPr/>
-        </p:nvSpPr>
-        <p:spPr>
-          <a:xfrm rot="5400000">
-            <a:off x="6378400" y="1564571"/>
-            <a:ext cx="360000" cy="360000"/>
-          </a:xfrm>
-          <a:prstGeom prst="ellipse">
-            <a:avLst/>
-          </a:prstGeom>
-          <a:noFill/>
-          <a:ln>
-            <a:noFill/>
-          </a:ln>
-        </p:spPr>
-        <p:style>
-          <a:lnRef idx="2">
-            <a:schemeClr val="accent1">
-              <a:shade val="50000"/>
-            </a:schemeClr>
-          </a:lnRef>
-          <a:fillRef idx="1">
-            <a:schemeClr val="accent1"/>
-          </a:fillRef>
-          <a:effectRef idx="0">
-            <a:schemeClr val="accent1"/>
-          </a:effectRef>
-          <a:fontRef idx="minor">
-            <a:schemeClr val="lt1"/>
-          </a:fontRef>
-        </p:style>
-        <p:txBody>
-          <a:bodyPr rtlCol="0" anchor="ctr"/>
-          <a:lstStyle/>
-          <a:p>
-            <a:pPr algn="ctr"/>
-            <a:endParaRPr lang="en-US"/>
-          </a:p>
-        </p:txBody>
-      </p:sp>
-      <p:cxnSp>
-        <p:nvCxnSpPr>
-          <p:cNvPr id="403" name="Straight Connector 402"/>
-          <p:cNvCxnSpPr>
-            <a:stCxn id="33" idx="5"/>
-            <a:endCxn id="2" idx="1"/>
-          </p:cNvCxnSpPr>
-          <p:nvPr/>
-        </p:nvCxnSpPr>
-        <p:spPr>
-          <a:xfrm>
-            <a:off x="2365679" y="1871850"/>
-            <a:ext cx="235064" cy="162862"/>
-          </a:xfrm>
-          <a:prstGeom prst="line">
-            <a:avLst/>
-          </a:prstGeom>
-          <a:ln>
-            <a:solidFill>
-              <a:schemeClr val="accent2"/>
-            </a:solidFill>
-          </a:ln>
-        </p:spPr>
-        <p:style>
-          <a:lnRef idx="1">
-            <a:schemeClr val="accent1"/>
-          </a:lnRef>
-          <a:fillRef idx="0">
-            <a:schemeClr val="accent1"/>
-          </a:fillRef>
-          <a:effectRef idx="0">
-            <a:schemeClr val="accent1"/>
-          </a:effectRef>
-          <a:fontRef idx="minor">
-            <a:schemeClr val="tx1"/>
-          </a:fontRef>
-        </p:style>
-      </p:cxnSp>
-      <p:cxnSp>
-        <p:nvCxnSpPr>
-          <p:cNvPr id="861" name="Straight Connector 860"/>
-          <p:cNvCxnSpPr>
-            <a:stCxn id="34" idx="3"/>
-            <a:endCxn id="2" idx="7"/>
-          </p:cNvCxnSpPr>
-          <p:nvPr/>
-        </p:nvCxnSpPr>
-        <p:spPr>
-          <a:xfrm flipH="1">
-            <a:off x="2855301" y="1871850"/>
-            <a:ext cx="695820" cy="162862"/>
-          </a:xfrm>
-          <a:prstGeom prst="line">
-            <a:avLst/>
-          </a:prstGeom>
-          <a:ln>
-            <a:solidFill>
-              <a:schemeClr val="accent2"/>
-            </a:solidFill>
-          </a:ln>
-        </p:spPr>
-        <p:style>
-          <a:lnRef idx="1">
-            <a:schemeClr val="accent1"/>
-          </a:lnRef>
-          <a:fillRef idx="0">
-            <a:schemeClr val="accent1"/>
-          </a:fillRef>
-          <a:effectRef idx="0">
-            <a:schemeClr val="accent1"/>
-          </a:effectRef>
-          <a:fontRef idx="minor">
-            <a:schemeClr val="tx1"/>
-          </a:fontRef>
-        </p:style>
-      </p:cxnSp>
-      <p:cxnSp>
-        <p:nvCxnSpPr>
-          <p:cNvPr id="864" name="Straight Connector 863"/>
-          <p:cNvCxnSpPr>
-            <a:stCxn id="34" idx="5"/>
-            <a:endCxn id="3" idx="1"/>
-          </p:cNvCxnSpPr>
-          <p:nvPr/>
-        </p:nvCxnSpPr>
-        <p:spPr>
-          <a:xfrm>
-            <a:off x="3805679" y="1871850"/>
-            <a:ext cx="533405" cy="290141"/>
-          </a:xfrm>
-          <a:prstGeom prst="line">
-            <a:avLst/>
-          </a:prstGeom>
-          <a:ln>
-            <a:solidFill>
-              <a:schemeClr val="accent2"/>
-            </a:solidFill>
-          </a:ln>
-        </p:spPr>
-        <p:style>
-          <a:lnRef idx="1">
-            <a:schemeClr val="accent1"/>
-          </a:lnRef>
-          <a:fillRef idx="0">
-            <a:schemeClr val="accent1"/>
-          </a:fillRef>
-          <a:effectRef idx="0">
-            <a:schemeClr val="accent1"/>
-          </a:effectRef>
-          <a:fontRef idx="minor">
-            <a:schemeClr val="tx1"/>
-          </a:fontRef>
-        </p:style>
-      </p:cxnSp>
-      <p:cxnSp>
-        <p:nvCxnSpPr>
-          <p:cNvPr id="867" name="Straight Connector 866"/>
-          <p:cNvCxnSpPr>
-            <a:stCxn id="2" idx="6"/>
-            <a:endCxn id="3" idx="2"/>
-          </p:cNvCxnSpPr>
-          <p:nvPr/>
-        </p:nvCxnSpPr>
-        <p:spPr>
-          <a:xfrm>
-            <a:off x="2908022" y="2161991"/>
-            <a:ext cx="1378341" cy="127279"/>
-          </a:xfrm>
-          <a:prstGeom prst="line">
-            <a:avLst/>
-          </a:prstGeom>
-          <a:ln w="19050">
-            <a:solidFill>
-              <a:schemeClr val="accent5"/>
-            </a:solidFill>
-            <a:prstDash val="lgDash"/>
-          </a:ln>
-        </p:spPr>
-        <p:style>
-          <a:lnRef idx="1">
-            <a:schemeClr val="accent1"/>
-          </a:lnRef>
-          <a:fillRef idx="0">
-            <a:schemeClr val="accent1"/>
-          </a:fillRef>
-          <a:effectRef idx="0">
-            <a:schemeClr val="accent1"/>
-          </a:effectRef>
-          <a:fontRef idx="minor">
-            <a:schemeClr val="tx1"/>
-          </a:fontRef>
-        </p:style>
-      </p:cxnSp>
-      <p:cxnSp>
-        <p:nvCxnSpPr>
-          <p:cNvPr id="870" name="Straight Connector 869"/>
-          <p:cNvCxnSpPr>
-            <a:stCxn id="3" idx="6"/>
-            <a:endCxn id="4" idx="2"/>
-          </p:cNvCxnSpPr>
-          <p:nvPr/>
-        </p:nvCxnSpPr>
-        <p:spPr>
-          <a:xfrm>
-            <a:off x="4646363" y="2289270"/>
-            <a:ext cx="1169011" cy="180000"/>
-          </a:xfrm>
-          <a:prstGeom prst="line">
-            <a:avLst/>
-          </a:prstGeom>
-          <a:ln>
-            <a:solidFill>
-              <a:schemeClr val="accent2"/>
-            </a:solidFill>
-          </a:ln>
-        </p:spPr>
-        <p:style>
-          <a:lnRef idx="1">
-            <a:schemeClr val="accent1"/>
-          </a:lnRef>
-          <a:fillRef idx="0">
-            <a:schemeClr val="accent1"/>
-          </a:fillRef>
-          <a:effectRef idx="0">
-            <a:schemeClr val="accent1"/>
-          </a:effectRef>
-          <a:fontRef idx="minor">
-            <a:schemeClr val="tx1"/>
-          </a:fontRef>
-        </p:style>
-      </p:cxnSp>
-      <p:cxnSp>
-        <p:nvCxnSpPr>
-          <p:cNvPr id="873" name="Straight Connector 872"/>
-          <p:cNvCxnSpPr>
-            <a:stCxn id="35" idx="3"/>
-            <a:endCxn id="3" idx="7"/>
-          </p:cNvCxnSpPr>
-          <p:nvPr/>
-        </p:nvCxnSpPr>
-        <p:spPr>
-          <a:xfrm flipH="1">
-            <a:off x="4593642" y="1871850"/>
-            <a:ext cx="397479" cy="290141"/>
-          </a:xfrm>
-          <a:prstGeom prst="line">
-            <a:avLst/>
-          </a:prstGeom>
-          <a:ln>
-            <a:solidFill>
-              <a:schemeClr val="accent2"/>
-            </a:solidFill>
-          </a:ln>
-        </p:spPr>
-        <p:style>
-          <a:lnRef idx="1">
-            <a:schemeClr val="accent1"/>
-          </a:lnRef>
-          <a:fillRef idx="0">
-            <a:schemeClr val="accent1"/>
-          </a:fillRef>
-          <a:effectRef idx="0">
-            <a:schemeClr val="accent1"/>
-          </a:effectRef>
-          <a:fontRef idx="minor">
-            <a:schemeClr val="tx1"/>
-          </a:fontRef>
-        </p:style>
-      </p:cxnSp>
-      <p:cxnSp>
-        <p:nvCxnSpPr>
-          <p:cNvPr id="877" name="Straight Connector 876"/>
-          <p:cNvCxnSpPr>
-            <a:stCxn id="35" idx="5"/>
-            <a:endCxn id="4" idx="1"/>
-          </p:cNvCxnSpPr>
-          <p:nvPr/>
-        </p:nvCxnSpPr>
-        <p:spPr>
-          <a:xfrm>
-            <a:off x="5245679" y="1871850"/>
-            <a:ext cx="622416" cy="470141"/>
-          </a:xfrm>
-          <a:prstGeom prst="line">
-            <a:avLst/>
-          </a:prstGeom>
-          <a:ln>
-            <a:solidFill>
-              <a:schemeClr val="accent2"/>
-            </a:solidFill>
-          </a:ln>
-        </p:spPr>
-        <p:style>
-          <a:lnRef idx="1">
-            <a:schemeClr val="accent1"/>
-          </a:lnRef>
-          <a:fillRef idx="0">
-            <a:schemeClr val="accent1"/>
-          </a:fillRef>
-          <a:effectRef idx="0">
-            <a:schemeClr val="accent1"/>
-          </a:effectRef>
-          <a:fontRef idx="minor">
-            <a:schemeClr val="tx1"/>
-          </a:fontRef>
-        </p:style>
-      </p:cxnSp>
-      <p:cxnSp>
-        <p:nvCxnSpPr>
-          <p:cNvPr id="880" name="Straight Connector 879"/>
-          <p:cNvCxnSpPr>
-            <a:stCxn id="4" idx="7"/>
-            <a:endCxn id="32" idx="5"/>
-          </p:cNvCxnSpPr>
-          <p:nvPr/>
-        </p:nvCxnSpPr>
-        <p:spPr>
-          <a:xfrm flipV="1">
-            <a:off x="6122653" y="1871850"/>
-            <a:ext cx="308468" cy="470141"/>
-          </a:xfrm>
-          <a:prstGeom prst="line">
-            <a:avLst/>
-          </a:prstGeom>
-          <a:ln>
-            <a:solidFill>
-              <a:schemeClr val="accent2"/>
-            </a:solidFill>
-          </a:ln>
-        </p:spPr>
-        <p:style>
-          <a:lnRef idx="1">
-            <a:schemeClr val="accent1"/>
-          </a:lnRef>
-          <a:fillRef idx="0">
-            <a:schemeClr val="accent1"/>
-          </a:fillRef>
-          <a:effectRef idx="0">
-            <a:schemeClr val="accent1"/>
-          </a:effectRef>
-          <a:fontRef idx="minor">
-            <a:schemeClr val="tx1"/>
-          </a:fontRef>
-        </p:style>
-      </p:cxnSp>
-      <p:sp>
-        <p:nvSpPr>
-          <p:cNvPr id="883" name="Oval 882"/>
-          <p:cNvSpPr/>
-          <p:nvPr/>
-        </p:nvSpPr>
-        <p:spPr>
-          <a:xfrm>
-            <a:off x="2628847" y="3731358"/>
-            <a:ext cx="360000" cy="360000"/>
-          </a:xfrm>
-          <a:prstGeom prst="ellipse">
-            <a:avLst/>
-          </a:prstGeom>
-          <a:ln>
-            <a:noFill/>
-          </a:ln>
-        </p:spPr>
-        <p:style>
-          <a:lnRef idx="2">
-            <a:schemeClr val="accent1">
-              <a:shade val="50000"/>
-            </a:schemeClr>
-          </a:lnRef>
-          <a:fillRef idx="1">
-            <a:schemeClr val="accent1"/>
-          </a:fillRef>
-          <a:effectRef idx="0">
-            <a:schemeClr val="accent1"/>
-          </a:effectRef>
-          <a:fontRef idx="minor">
-            <a:schemeClr val="lt1"/>
-          </a:fontRef>
-        </p:style>
-        <p:txBody>
-          <a:bodyPr rtlCol="0" anchor="ctr"/>
-          <a:lstStyle/>
-          <a:p>
-            <a:pPr algn="ctr"/>
-            <a:endParaRPr lang="en-US"/>
-          </a:p>
-        </p:txBody>
-      </p:sp>
-      <p:sp>
-        <p:nvSpPr>
-          <p:cNvPr id="884" name="Oval 883"/>
-          <p:cNvSpPr/>
-          <p:nvPr/>
-        </p:nvSpPr>
-        <p:spPr>
-          <a:xfrm>
-            <a:off x="4268492" y="3606167"/>
-            <a:ext cx="360000" cy="360000"/>
-          </a:xfrm>
-          <a:prstGeom prst="ellipse">
-            <a:avLst/>
-          </a:prstGeom>
-          <a:ln>
-            <a:noFill/>
-          </a:ln>
-        </p:spPr>
-        <p:style>
-          <a:lnRef idx="2">
-            <a:schemeClr val="accent1">
-              <a:shade val="50000"/>
-            </a:schemeClr>
-          </a:lnRef>
-          <a:fillRef idx="1">
-            <a:schemeClr val="accent1"/>
-          </a:fillRef>
-          <a:effectRef idx="0">
-            <a:schemeClr val="accent1"/>
-          </a:effectRef>
-          <a:fontRef idx="minor">
-            <a:schemeClr val="lt1"/>
-          </a:fontRef>
-        </p:style>
-        <p:txBody>
-          <a:bodyPr rtlCol="0" anchor="ctr"/>
-          <a:lstStyle/>
-          <a:p>
-            <a:pPr algn="ctr"/>
-            <a:endParaRPr lang="en-US"/>
-          </a:p>
-        </p:txBody>
-      </p:sp>
-      <p:sp>
-        <p:nvSpPr>
-          <p:cNvPr id="885" name="Oval 884"/>
-          <p:cNvSpPr/>
-          <p:nvPr/>
-        </p:nvSpPr>
-        <p:spPr>
-          <a:xfrm>
-            <a:off x="5904382" y="3731358"/>
-            <a:ext cx="360000" cy="360000"/>
-          </a:xfrm>
-          <a:prstGeom prst="ellipse">
-            <a:avLst/>
-          </a:prstGeom>
-          <a:ln>
-            <a:noFill/>
-          </a:ln>
-        </p:spPr>
-        <p:style>
-          <a:lnRef idx="2">
-            <a:schemeClr val="accent1">
-              <a:shade val="50000"/>
-            </a:schemeClr>
-          </a:lnRef>
-          <a:fillRef idx="1">
-            <a:schemeClr val="accent1"/>
-          </a:fillRef>
-          <a:effectRef idx="0">
-            <a:schemeClr val="accent1"/>
-          </a:effectRef>
-          <a:fontRef idx="minor">
-            <a:schemeClr val="lt1"/>
-          </a:fontRef>
-        </p:style>
-        <p:txBody>
-          <a:bodyPr rtlCol="0" anchor="ctr"/>
-          <a:lstStyle/>
-          <a:p>
-            <a:pPr algn="ctr"/>
-            <a:endParaRPr lang="en-US"/>
-          </a:p>
-        </p:txBody>
-      </p:sp>
-      <p:sp>
-        <p:nvSpPr>
-          <p:cNvPr id="886" name="Oval 885"/>
-          <p:cNvSpPr/>
-          <p:nvPr/>
-        </p:nvSpPr>
-        <p:spPr>
-          <a:xfrm>
-            <a:off x="2060743" y="3011358"/>
-            <a:ext cx="360000" cy="360000"/>
-          </a:xfrm>
-          <a:prstGeom prst="ellipse">
-            <a:avLst/>
-          </a:prstGeom>
-          <a:noFill/>
-          <a:ln>
-            <a:noFill/>
-          </a:ln>
-        </p:spPr>
-        <p:style>
-          <a:lnRef idx="2">
-            <a:schemeClr val="accent1">
-              <a:shade val="50000"/>
-            </a:schemeClr>
-          </a:lnRef>
-          <a:fillRef idx="1">
-            <a:schemeClr val="accent1"/>
-          </a:fillRef>
-          <a:effectRef idx="0">
-            <a:schemeClr val="accent1"/>
-          </a:effectRef>
-          <a:fontRef idx="minor">
-            <a:schemeClr val="lt1"/>
-          </a:fontRef>
-        </p:style>
-        <p:txBody>
-          <a:bodyPr rtlCol="0" anchor="ctr"/>
-          <a:lstStyle/>
-          <a:p>
-            <a:pPr algn="ctr"/>
-            <a:endParaRPr lang="en-US"/>
-          </a:p>
-        </p:txBody>
-      </p:sp>
-      <p:sp>
-        <p:nvSpPr>
-          <p:cNvPr id="887" name="Oval 886"/>
-          <p:cNvSpPr/>
-          <p:nvPr/>
-        </p:nvSpPr>
-        <p:spPr>
-          <a:xfrm>
-            <a:off x="3500743" y="2829270"/>
-            <a:ext cx="360000" cy="360000"/>
-          </a:xfrm>
-          <a:prstGeom prst="ellipse">
-            <a:avLst/>
-          </a:prstGeom>
-          <a:ln>
-            <a:noFill/>
-          </a:ln>
-        </p:spPr>
-        <p:style>
-          <a:lnRef idx="2">
-            <a:schemeClr val="accent1">
-              <a:shade val="50000"/>
-            </a:schemeClr>
-          </a:lnRef>
-          <a:fillRef idx="1">
-            <a:schemeClr val="accent1"/>
-          </a:fillRef>
-          <a:effectRef idx="0">
-            <a:schemeClr val="accent1"/>
-          </a:effectRef>
-          <a:fontRef idx="minor">
-            <a:schemeClr val="lt1"/>
-          </a:fontRef>
-        </p:style>
-        <p:txBody>
-          <a:bodyPr rtlCol="0" anchor="ctr"/>
-          <a:lstStyle/>
-          <a:p>
-            <a:pPr algn="ctr"/>
-            <a:endParaRPr lang="en-US"/>
-          </a:p>
-        </p:txBody>
-      </p:sp>
-      <p:sp>
-        <p:nvSpPr>
-          <p:cNvPr id="888" name="Oval 887"/>
-          <p:cNvSpPr/>
-          <p:nvPr/>
-        </p:nvSpPr>
-        <p:spPr>
-          <a:xfrm>
-            <a:off x="5068022" y="2920314"/>
-            <a:ext cx="360000" cy="360000"/>
-          </a:xfrm>
-          <a:prstGeom prst="ellipse">
-            <a:avLst/>
-          </a:prstGeom>
-          <a:ln>
-            <a:noFill/>
-          </a:ln>
-        </p:spPr>
-        <p:style>
-          <a:lnRef idx="2">
-            <a:schemeClr val="accent1">
-              <a:shade val="50000"/>
-            </a:schemeClr>
-          </a:lnRef>
-          <a:fillRef idx="1">
-            <a:schemeClr val="accent1"/>
-          </a:fillRef>
-          <a:effectRef idx="0">
-            <a:schemeClr val="accent1"/>
-          </a:effectRef>
-          <a:fontRef idx="minor">
-            <a:schemeClr val="lt1"/>
-          </a:fontRef>
-        </p:style>
-        <p:txBody>
-          <a:bodyPr rtlCol="0" anchor="ctr"/>
-          <a:lstStyle/>
-          <a:p>
-            <a:pPr algn="ctr"/>
-            <a:endParaRPr lang="en-US"/>
-          </a:p>
-        </p:txBody>
-      </p:sp>
-      <p:sp>
-        <p:nvSpPr>
-          <p:cNvPr id="889" name="Oval 888"/>
-          <p:cNvSpPr/>
-          <p:nvPr/>
-        </p:nvSpPr>
-        <p:spPr>
-          <a:xfrm rot="5400000">
-            <a:off x="6380743" y="3011358"/>
-            <a:ext cx="360000" cy="360000"/>
-          </a:xfrm>
-          <a:prstGeom prst="ellipse">
-            <a:avLst/>
-          </a:prstGeom>
-          <a:noFill/>
-          <a:ln>
-            <a:noFill/>
-          </a:ln>
-        </p:spPr>
-        <p:style>
-          <a:lnRef idx="2">
-            <a:schemeClr val="accent1">
-              <a:shade val="50000"/>
-            </a:schemeClr>
-          </a:lnRef>
-          <a:fillRef idx="1">
-            <a:schemeClr val="accent1"/>
-          </a:fillRef>
-          <a:effectRef idx="0">
-            <a:schemeClr val="accent1"/>
-          </a:effectRef>
-          <a:fontRef idx="minor">
-            <a:schemeClr val="lt1"/>
-          </a:fontRef>
-        </p:style>
-        <p:txBody>
-          <a:bodyPr rtlCol="0" anchor="ctr"/>
-          <a:lstStyle/>
-          <a:p>
-            <a:pPr algn="ctr"/>
-            <a:endParaRPr lang="en-US"/>
-          </a:p>
-        </p:txBody>
-      </p:sp>
-      <p:cxnSp>
-        <p:nvCxnSpPr>
-          <p:cNvPr id="890" name="Straight Connector 889"/>
-          <p:cNvCxnSpPr>
-            <a:stCxn id="886" idx="5"/>
-            <a:endCxn id="883" idx="1"/>
-          </p:cNvCxnSpPr>
-          <p:nvPr/>
-        </p:nvCxnSpPr>
-        <p:spPr>
-          <a:xfrm>
-            <a:off x="2368022" y="3318637"/>
-            <a:ext cx="313546" cy="465442"/>
-          </a:xfrm>
-          <a:prstGeom prst="line">
-            <a:avLst/>
-          </a:prstGeom>
-          <a:ln>
-            <a:solidFill>
-              <a:schemeClr val="accent2"/>
-            </a:solidFill>
-          </a:ln>
-        </p:spPr>
-        <p:style>
-          <a:lnRef idx="1">
-            <a:schemeClr val="accent1"/>
-          </a:lnRef>
-          <a:fillRef idx="0">
-            <a:schemeClr val="accent1"/>
-          </a:fillRef>
-          <a:effectRef idx="0">
-            <a:schemeClr val="accent1"/>
-          </a:effectRef>
-          <a:fontRef idx="minor">
-            <a:schemeClr val="tx1"/>
-          </a:fontRef>
-        </p:style>
-      </p:cxnSp>
-      <p:cxnSp>
-        <p:nvCxnSpPr>
-          <p:cNvPr id="891" name="Straight Connector 890"/>
-          <p:cNvCxnSpPr>
-            <a:stCxn id="887" idx="3"/>
-            <a:endCxn id="883" idx="7"/>
-          </p:cNvCxnSpPr>
-          <p:nvPr/>
-        </p:nvCxnSpPr>
-        <p:spPr>
-          <a:xfrm flipH="1">
-            <a:off x="2936126" y="3136549"/>
-            <a:ext cx="617338" cy="647530"/>
-          </a:xfrm>
-          <a:prstGeom prst="line">
-            <a:avLst/>
-          </a:prstGeom>
-          <a:ln>
-            <a:solidFill>
-              <a:schemeClr val="accent2"/>
-            </a:solidFill>
-          </a:ln>
-        </p:spPr>
-        <p:style>
-          <a:lnRef idx="1">
-            <a:schemeClr val="accent1"/>
-          </a:lnRef>
-          <a:fillRef idx="0">
-            <a:schemeClr val="accent1"/>
-          </a:fillRef>
-          <a:effectRef idx="0">
-            <a:schemeClr val="accent1"/>
-          </a:effectRef>
-          <a:fontRef idx="minor">
-            <a:schemeClr val="tx1"/>
-          </a:fontRef>
-        </p:style>
-      </p:cxnSp>
-      <p:cxnSp>
-        <p:nvCxnSpPr>
-          <p:cNvPr id="892" name="Straight Connector 891"/>
-          <p:cNvCxnSpPr>
-            <a:stCxn id="887" idx="5"/>
-            <a:endCxn id="884" idx="1"/>
-          </p:cNvCxnSpPr>
-          <p:nvPr/>
-        </p:nvCxnSpPr>
-        <p:spPr>
-          <a:xfrm>
-            <a:off x="3808022" y="3136549"/>
-            <a:ext cx="513191" cy="522339"/>
-          </a:xfrm>
-          <a:prstGeom prst="line">
-            <a:avLst/>
-          </a:prstGeom>
-          <a:ln>
-            <a:solidFill>
-              <a:schemeClr val="accent2"/>
-            </a:solidFill>
-          </a:ln>
-        </p:spPr>
-        <p:style>
-          <a:lnRef idx="1">
-            <a:schemeClr val="accent1"/>
-          </a:lnRef>
-          <a:fillRef idx="0">
-            <a:schemeClr val="accent1"/>
-          </a:fillRef>
-          <a:effectRef idx="0">
-            <a:schemeClr val="accent1"/>
-          </a:effectRef>
-          <a:fontRef idx="minor">
-            <a:schemeClr val="tx1"/>
-          </a:fontRef>
-        </p:style>
-      </p:cxnSp>
-      <p:cxnSp>
-        <p:nvCxnSpPr>
-          <p:cNvPr id="893" name="Straight Connector 892"/>
-          <p:cNvCxnSpPr>
-            <a:stCxn id="883" idx="6"/>
-            <a:endCxn id="884" idx="2"/>
-          </p:cNvCxnSpPr>
-          <p:nvPr/>
-        </p:nvCxnSpPr>
-        <p:spPr>
-          <a:xfrm flipV="1">
-            <a:off x="2988847" y="3786167"/>
-            <a:ext cx="1279645" cy="125191"/>
-          </a:xfrm>
-          <a:prstGeom prst="line">
-            <a:avLst/>
-          </a:prstGeom>
-          <a:ln w="19050">
-            <a:solidFill>
-              <a:schemeClr val="accent5"/>
-            </a:solidFill>
-            <a:prstDash val="lgDash"/>
-          </a:ln>
-        </p:spPr>
-        <p:style>
-          <a:lnRef idx="1">
-            <a:schemeClr val="accent1"/>
-          </a:lnRef>
-          <a:fillRef idx="0">
-            <a:schemeClr val="accent1"/>
-          </a:fillRef>
-          <a:effectRef idx="0">
-            <a:schemeClr val="accent1"/>
-          </a:effectRef>
-          <a:fontRef idx="minor">
-            <a:schemeClr val="tx1"/>
-          </a:fontRef>
-        </p:style>
-      </p:cxnSp>
-      <p:cxnSp>
-        <p:nvCxnSpPr>
-          <p:cNvPr id="894" name="Straight Connector 893"/>
-          <p:cNvCxnSpPr>
-            <a:stCxn id="884" idx="6"/>
-            <a:endCxn id="885" idx="2"/>
-          </p:cNvCxnSpPr>
-          <p:nvPr/>
-        </p:nvCxnSpPr>
-        <p:spPr>
-          <a:xfrm>
-            <a:off x="4628492" y="3786167"/>
-            <a:ext cx="1275890" cy="125191"/>
-          </a:xfrm>
-          <a:prstGeom prst="line">
-            <a:avLst/>
-          </a:prstGeom>
-          <a:ln>
-            <a:solidFill>
-              <a:schemeClr val="accent2"/>
-            </a:solidFill>
-          </a:ln>
-        </p:spPr>
-        <p:style>
-          <a:lnRef idx="1">
-            <a:schemeClr val="accent1"/>
-          </a:lnRef>
-          <a:fillRef idx="0">
-            <a:schemeClr val="accent1"/>
-          </a:fillRef>
-          <a:effectRef idx="0">
-            <a:schemeClr val="accent1"/>
-          </a:effectRef>
-          <a:fontRef idx="minor">
-            <a:schemeClr val="tx1"/>
-          </a:fontRef>
-        </p:style>
-      </p:cxnSp>
-      <p:cxnSp>
-        <p:nvCxnSpPr>
-          <p:cNvPr id="895" name="Straight Connector 894"/>
-          <p:cNvCxnSpPr>
-            <a:stCxn id="888" idx="3"/>
-            <a:endCxn id="884" idx="7"/>
-          </p:cNvCxnSpPr>
-          <p:nvPr/>
-        </p:nvCxnSpPr>
-        <p:spPr>
-          <a:xfrm flipH="1">
-            <a:off x="4575771" y="3227593"/>
-            <a:ext cx="544972" cy="431295"/>
-          </a:xfrm>
-          <a:prstGeom prst="line">
-            <a:avLst/>
-          </a:prstGeom>
-          <a:ln>
-            <a:solidFill>
-              <a:schemeClr val="accent2"/>
-            </a:solidFill>
-          </a:ln>
-        </p:spPr>
-        <p:style>
-          <a:lnRef idx="1">
-            <a:schemeClr val="accent1"/>
-          </a:lnRef>
-          <a:fillRef idx="0">
-            <a:schemeClr val="accent1"/>
-          </a:fillRef>
-          <a:effectRef idx="0">
-            <a:schemeClr val="accent1"/>
-          </a:effectRef>
-          <a:fontRef idx="minor">
-            <a:schemeClr val="tx1"/>
-          </a:fontRef>
-        </p:style>
-      </p:cxnSp>
-      <p:cxnSp>
-        <p:nvCxnSpPr>
-          <p:cNvPr id="896" name="Straight Connector 895"/>
-          <p:cNvCxnSpPr>
-            <a:stCxn id="888" idx="5"/>
-            <a:endCxn id="885" idx="1"/>
-          </p:cNvCxnSpPr>
-          <p:nvPr/>
-        </p:nvCxnSpPr>
-        <p:spPr>
-          <a:xfrm>
-            <a:off x="5375301" y="3227593"/>
-            <a:ext cx="581802" cy="556486"/>
-          </a:xfrm>
-          <a:prstGeom prst="line">
-            <a:avLst/>
-          </a:prstGeom>
-          <a:ln>
-            <a:solidFill>
-              <a:schemeClr val="accent2"/>
-            </a:solidFill>
-          </a:ln>
-        </p:spPr>
-        <p:style>
-          <a:lnRef idx="1">
-            <a:schemeClr val="accent1"/>
-          </a:lnRef>
-          <a:fillRef idx="0">
-            <a:schemeClr val="accent1"/>
-          </a:fillRef>
-          <a:effectRef idx="0">
-            <a:schemeClr val="accent1"/>
-          </a:effectRef>
-          <a:fontRef idx="minor">
-            <a:schemeClr val="tx1"/>
-          </a:fontRef>
-        </p:style>
-      </p:cxnSp>
-      <p:cxnSp>
-        <p:nvCxnSpPr>
-          <p:cNvPr id="897" name="Straight Connector 896"/>
-          <p:cNvCxnSpPr>
-            <a:stCxn id="885" idx="7"/>
-            <a:endCxn id="889" idx="5"/>
-          </p:cNvCxnSpPr>
-          <p:nvPr/>
-        </p:nvCxnSpPr>
-        <p:spPr>
-          <a:xfrm flipV="1">
-            <a:off x="6211661" y="3318637"/>
-            <a:ext cx="221803" cy="465442"/>
-          </a:xfrm>
-          <a:prstGeom prst="line">
-            <a:avLst/>
-          </a:prstGeom>
-          <a:ln>
-            <a:solidFill>
-              <a:schemeClr val="accent2"/>
-            </a:solidFill>
-          </a:ln>
-        </p:spPr>
-        <p:style>
-          <a:lnRef idx="1">
-            <a:schemeClr val="accent1"/>
-          </a:lnRef>
-          <a:fillRef idx="0">
-            <a:schemeClr val="accent1"/>
-          </a:fillRef>
-          <a:effectRef idx="0">
-            <a:schemeClr val="accent1"/>
-          </a:effectRef>
-          <a:fontRef idx="minor">
-            <a:schemeClr val="tx1"/>
-          </a:fontRef>
-        </p:style>
-      </p:cxnSp>
-      <p:sp>
-        <p:nvSpPr>
-          <p:cNvPr id="904" name="Oval 903"/>
-          <p:cNvSpPr/>
-          <p:nvPr/>
-        </p:nvSpPr>
-        <p:spPr>
-          <a:xfrm>
-            <a:off x="2548022" y="5379806"/>
-            <a:ext cx="360000" cy="360000"/>
-          </a:xfrm>
-          <a:prstGeom prst="ellipse">
-            <a:avLst/>
-          </a:prstGeom>
-          <a:ln>
-            <a:noFill/>
-          </a:ln>
-        </p:spPr>
-        <p:style>
-          <a:lnRef idx="2">
-            <a:schemeClr val="accent1">
-              <a:shade val="50000"/>
-            </a:schemeClr>
-          </a:lnRef>
-          <a:fillRef idx="1">
-            <a:schemeClr val="accent1"/>
-          </a:fillRef>
-          <a:effectRef idx="0">
-            <a:schemeClr val="accent1"/>
-          </a:effectRef>
-          <a:fontRef idx="minor">
-            <a:schemeClr val="lt1"/>
-          </a:fontRef>
-        </p:style>
-        <p:txBody>
-          <a:bodyPr rtlCol="0" anchor="ctr"/>
-          <a:lstStyle/>
-          <a:p>
-            <a:pPr algn="ctr"/>
-            <a:endParaRPr lang="en-US"/>
-          </a:p>
-        </p:txBody>
-      </p:sp>
-      <p:sp>
-        <p:nvSpPr>
-          <p:cNvPr id="905" name="Oval 904"/>
-          <p:cNvSpPr/>
-          <p:nvPr/>
-        </p:nvSpPr>
-        <p:spPr>
-          <a:xfrm>
-            <a:off x="4233642" y="4959494"/>
-            <a:ext cx="360000" cy="360000"/>
-          </a:xfrm>
-          <a:prstGeom prst="ellipse">
-            <a:avLst/>
-          </a:prstGeom>
-          <a:ln>
-            <a:noFill/>
-          </a:ln>
-        </p:spPr>
-        <p:style>
-          <a:lnRef idx="2">
-            <a:schemeClr val="accent1">
-              <a:shade val="50000"/>
-            </a:schemeClr>
-          </a:lnRef>
-          <a:fillRef idx="1">
-            <a:schemeClr val="accent1"/>
-          </a:fillRef>
-          <a:effectRef idx="0">
-            <a:schemeClr val="accent1"/>
-          </a:effectRef>
-          <a:fontRef idx="minor">
-            <a:schemeClr val="lt1"/>
-          </a:fontRef>
-        </p:style>
-        <p:txBody>
-          <a:bodyPr rtlCol="0" anchor="ctr"/>
-          <a:lstStyle/>
-          <a:p>
-            <a:pPr algn="ctr"/>
-            <a:endParaRPr lang="en-US"/>
-          </a:p>
-        </p:txBody>
-      </p:sp>
-      <p:sp>
-        <p:nvSpPr>
-          <p:cNvPr id="906" name="Oval 905"/>
-          <p:cNvSpPr/>
-          <p:nvPr/>
-        </p:nvSpPr>
-        <p:spPr>
-          <a:xfrm>
-            <a:off x="5918058" y="5266773"/>
-            <a:ext cx="360000" cy="360000"/>
-          </a:xfrm>
-          <a:prstGeom prst="ellipse">
-            <a:avLst/>
-          </a:prstGeom>
-          <a:ln>
-            <a:noFill/>
-          </a:ln>
-        </p:spPr>
-        <p:style>
-          <a:lnRef idx="2">
-            <a:schemeClr val="accent1">
-              <a:shade val="50000"/>
-            </a:schemeClr>
-          </a:lnRef>
-          <a:fillRef idx="1">
-            <a:schemeClr val="accent1"/>
-          </a:fillRef>
-          <a:effectRef idx="0">
-            <a:schemeClr val="accent1"/>
-          </a:effectRef>
-          <a:fontRef idx="minor">
-            <a:schemeClr val="lt1"/>
-          </a:fontRef>
-        </p:style>
-        <p:txBody>
-          <a:bodyPr rtlCol="0" anchor="ctr"/>
-          <a:lstStyle/>
-          <a:p>
-            <a:pPr algn="ctr"/>
-            <a:endParaRPr lang="en-US"/>
-          </a:p>
-        </p:txBody>
-      </p:sp>
-      <p:sp>
-        <p:nvSpPr>
-          <p:cNvPr id="907" name="Oval 906"/>
-          <p:cNvSpPr/>
-          <p:nvPr/>
-        </p:nvSpPr>
-        <p:spPr>
-          <a:xfrm>
-            <a:off x="2062726" y="4453446"/>
-            <a:ext cx="360000" cy="360000"/>
-          </a:xfrm>
-          <a:prstGeom prst="ellipse">
-            <a:avLst/>
-          </a:prstGeom>
-          <a:noFill/>
-          <a:ln>
-            <a:noFill/>
-          </a:ln>
-        </p:spPr>
-        <p:style>
-          <a:lnRef idx="2">
-            <a:schemeClr val="accent1">
-              <a:shade val="50000"/>
-            </a:schemeClr>
-          </a:lnRef>
-          <a:fillRef idx="1">
-            <a:schemeClr val="accent1"/>
-          </a:fillRef>
-          <a:effectRef idx="0">
-            <a:schemeClr val="accent1"/>
-          </a:effectRef>
-          <a:fontRef idx="minor">
-            <a:schemeClr val="lt1"/>
-          </a:fontRef>
-        </p:style>
-        <p:txBody>
-          <a:bodyPr rtlCol="0" anchor="ctr"/>
-          <a:lstStyle/>
-          <a:p>
-            <a:pPr algn="ctr"/>
-            <a:endParaRPr lang="en-US"/>
-          </a:p>
-        </p:txBody>
-      </p:sp>
-      <p:sp>
-        <p:nvSpPr>
-          <p:cNvPr id="908" name="Oval 907"/>
-          <p:cNvSpPr/>
-          <p:nvPr/>
-        </p:nvSpPr>
-        <p:spPr>
-          <a:xfrm>
-            <a:off x="3298591" y="4453446"/>
-            <a:ext cx="360000" cy="360000"/>
-          </a:xfrm>
-          <a:prstGeom prst="ellipse">
-            <a:avLst/>
-          </a:prstGeom>
-          <a:ln>
-            <a:noFill/>
-          </a:ln>
-        </p:spPr>
-        <p:style>
-          <a:lnRef idx="2">
-            <a:schemeClr val="accent1">
-              <a:shade val="50000"/>
-            </a:schemeClr>
-          </a:lnRef>
-          <a:fillRef idx="1">
-            <a:schemeClr val="accent1"/>
-          </a:fillRef>
-          <a:effectRef idx="0">
-            <a:schemeClr val="accent1"/>
-          </a:effectRef>
-          <a:fontRef idx="minor">
-            <a:schemeClr val="lt1"/>
-          </a:fontRef>
-        </p:style>
-        <p:txBody>
-          <a:bodyPr rtlCol="0" anchor="ctr"/>
-          <a:lstStyle/>
-          <a:p>
-            <a:pPr algn="ctr"/>
-            <a:endParaRPr lang="en-US"/>
-          </a:p>
-        </p:txBody>
-      </p:sp>
-      <p:sp>
-        <p:nvSpPr>
-          <p:cNvPr id="909" name="Oval 908"/>
-          <p:cNvSpPr/>
-          <p:nvPr/>
-        </p:nvSpPr>
-        <p:spPr>
-          <a:xfrm>
-            <a:off x="4999008" y="4292215"/>
-            <a:ext cx="360000" cy="360000"/>
-          </a:xfrm>
-          <a:prstGeom prst="ellipse">
-            <a:avLst/>
-          </a:prstGeom>
-          <a:ln>
-            <a:noFill/>
-          </a:ln>
-        </p:spPr>
-        <p:style>
-          <a:lnRef idx="2">
-            <a:schemeClr val="accent1">
-              <a:shade val="50000"/>
-            </a:schemeClr>
-          </a:lnRef>
-          <a:fillRef idx="1">
-            <a:schemeClr val="accent1"/>
-          </a:fillRef>
-          <a:effectRef idx="0">
-            <a:schemeClr val="accent1"/>
-          </a:effectRef>
-          <a:fontRef idx="minor">
-            <a:schemeClr val="lt1"/>
-          </a:fontRef>
-        </p:style>
-        <p:txBody>
-          <a:bodyPr rtlCol="0" anchor="ctr"/>
-          <a:lstStyle/>
-          <a:p>
-            <a:pPr algn="ctr"/>
-            <a:endParaRPr lang="en-US"/>
-          </a:p>
-        </p:txBody>
-      </p:sp>
-      <p:sp>
-        <p:nvSpPr>
-          <p:cNvPr id="910" name="Oval 909"/>
-          <p:cNvSpPr/>
-          <p:nvPr/>
-        </p:nvSpPr>
-        <p:spPr>
-          <a:xfrm rot="5400000">
-            <a:off x="6382726" y="4453446"/>
-            <a:ext cx="360000" cy="360000"/>
-          </a:xfrm>
-          <a:prstGeom prst="ellipse">
-            <a:avLst/>
-          </a:prstGeom>
-          <a:noFill/>
-          <a:ln>
-            <a:noFill/>
-          </a:ln>
-        </p:spPr>
-        <p:style>
-          <a:lnRef idx="2">
-            <a:schemeClr val="accent1">
-              <a:shade val="50000"/>
-            </a:schemeClr>
-          </a:lnRef>
-          <a:fillRef idx="1">
-            <a:schemeClr val="accent1"/>
-          </a:fillRef>
-          <a:effectRef idx="0">
-            <a:schemeClr val="accent1"/>
-          </a:effectRef>
-          <a:fontRef idx="minor">
-            <a:schemeClr val="lt1"/>
-          </a:fontRef>
-        </p:style>
-        <p:txBody>
-          <a:bodyPr rtlCol="0" anchor="ctr"/>
-          <a:lstStyle/>
-          <a:p>
-            <a:pPr algn="ctr"/>
-            <a:endParaRPr lang="en-US"/>
-          </a:p>
-        </p:txBody>
-      </p:sp>
-      <p:cxnSp>
-        <p:nvCxnSpPr>
-          <p:cNvPr id="911" name="Straight Connector 910"/>
-          <p:cNvCxnSpPr>
-            <a:stCxn id="907" idx="5"/>
-            <a:endCxn id="904" idx="1"/>
-          </p:cNvCxnSpPr>
-          <p:nvPr/>
-        </p:nvCxnSpPr>
-        <p:spPr>
-          <a:xfrm>
-            <a:off x="2370005" y="4760725"/>
-            <a:ext cx="230738" cy="671802"/>
-          </a:xfrm>
-          <a:prstGeom prst="line">
-            <a:avLst/>
-          </a:prstGeom>
-          <a:ln>
-            <a:solidFill>
-              <a:schemeClr val="accent2"/>
-            </a:solidFill>
-          </a:ln>
-        </p:spPr>
-        <p:style>
-          <a:lnRef idx="1">
-            <a:schemeClr val="accent1"/>
-          </a:lnRef>
-          <a:fillRef idx="0">
-            <a:schemeClr val="accent1"/>
-          </a:fillRef>
-          <a:effectRef idx="0">
-            <a:schemeClr val="accent1"/>
-          </a:effectRef>
-          <a:fontRef idx="minor">
-            <a:schemeClr val="tx1"/>
-          </a:fontRef>
-        </p:style>
-      </p:cxnSp>
-      <p:cxnSp>
-        <p:nvCxnSpPr>
-          <p:cNvPr id="912" name="Straight Connector 911"/>
-          <p:cNvCxnSpPr>
-            <a:stCxn id="908" idx="3"/>
-            <a:endCxn id="904" idx="7"/>
-          </p:cNvCxnSpPr>
-          <p:nvPr/>
-        </p:nvCxnSpPr>
-        <p:spPr>
-          <a:xfrm flipH="1">
-            <a:off x="2855301" y="4760725"/>
-            <a:ext cx="496011" cy="671802"/>
-          </a:xfrm>
-          <a:prstGeom prst="line">
-            <a:avLst/>
-          </a:prstGeom>
-          <a:ln>
-            <a:solidFill>
-              <a:schemeClr val="accent2"/>
-            </a:solidFill>
-          </a:ln>
-        </p:spPr>
-        <p:style>
-          <a:lnRef idx="1">
-            <a:schemeClr val="accent1"/>
-          </a:lnRef>
-          <a:fillRef idx="0">
-            <a:schemeClr val="accent1"/>
-          </a:fillRef>
-          <a:effectRef idx="0">
-            <a:schemeClr val="accent1"/>
-          </a:effectRef>
-          <a:fontRef idx="minor">
-            <a:schemeClr val="tx1"/>
-          </a:fontRef>
-        </p:style>
-      </p:cxnSp>
-      <p:cxnSp>
-        <p:nvCxnSpPr>
-          <p:cNvPr id="913" name="Straight Connector 912"/>
-          <p:cNvCxnSpPr>
-            <a:stCxn id="908" idx="5"/>
-            <a:endCxn id="905" idx="1"/>
-          </p:cNvCxnSpPr>
-          <p:nvPr/>
-        </p:nvCxnSpPr>
-        <p:spPr>
-          <a:xfrm>
-            <a:off x="3605870" y="4760725"/>
-            <a:ext cx="680493" cy="251490"/>
-          </a:xfrm>
-          <a:prstGeom prst="line">
-            <a:avLst/>
-          </a:prstGeom>
-          <a:ln>
-            <a:solidFill>
-              <a:schemeClr val="accent2"/>
-            </a:solidFill>
-          </a:ln>
-        </p:spPr>
-        <p:style>
-          <a:lnRef idx="1">
-            <a:schemeClr val="accent1"/>
-          </a:lnRef>
-          <a:fillRef idx="0">
-            <a:schemeClr val="accent1"/>
-          </a:fillRef>
-          <a:effectRef idx="0">
-            <a:schemeClr val="accent1"/>
-          </a:effectRef>
-          <a:fontRef idx="minor">
-            <a:schemeClr val="tx1"/>
-          </a:fontRef>
-        </p:style>
-      </p:cxnSp>
-      <p:cxnSp>
-        <p:nvCxnSpPr>
-          <p:cNvPr id="914" name="Straight Connector 913"/>
-          <p:cNvCxnSpPr>
-            <a:stCxn id="904" idx="6"/>
-            <a:endCxn id="905" idx="2"/>
-          </p:cNvCxnSpPr>
-          <p:nvPr/>
-        </p:nvCxnSpPr>
-        <p:spPr>
-          <a:xfrm flipV="1">
-            <a:off x="2908022" y="5139494"/>
-            <a:ext cx="1325620" cy="420312"/>
-          </a:xfrm>
-          <a:prstGeom prst="line">
-            <a:avLst/>
-          </a:prstGeom>
-          <a:ln>
-            <a:solidFill>
-              <a:schemeClr val="accent2"/>
-            </a:solidFill>
-          </a:ln>
-        </p:spPr>
-        <p:style>
-          <a:lnRef idx="1">
-            <a:schemeClr val="accent1"/>
-          </a:lnRef>
-          <a:fillRef idx="0">
-            <a:schemeClr val="accent1"/>
-          </a:fillRef>
-          <a:effectRef idx="0">
-            <a:schemeClr val="accent1"/>
-          </a:effectRef>
-          <a:fontRef idx="minor">
-            <a:schemeClr val="tx1"/>
-          </a:fontRef>
-        </p:style>
-      </p:cxnSp>
-      <p:cxnSp>
-        <p:nvCxnSpPr>
-          <p:cNvPr id="915" name="Straight Connector 914"/>
-          <p:cNvCxnSpPr>
-            <a:stCxn id="905" idx="6"/>
-            <a:endCxn id="906" idx="2"/>
-          </p:cNvCxnSpPr>
-          <p:nvPr/>
-        </p:nvCxnSpPr>
-        <p:spPr>
-          <a:xfrm>
-            <a:off x="4593642" y="5139494"/>
-            <a:ext cx="1324416" cy="307279"/>
-          </a:xfrm>
-          <a:prstGeom prst="line">
-            <a:avLst/>
-          </a:prstGeom>
-          <a:ln w="19050">
-            <a:solidFill>
-              <a:schemeClr val="accent5"/>
-            </a:solidFill>
-            <a:prstDash val="lgDash"/>
-          </a:ln>
-        </p:spPr>
-        <p:style>
-          <a:lnRef idx="1">
-            <a:schemeClr val="accent1"/>
-          </a:lnRef>
-          <a:fillRef idx="0">
-            <a:schemeClr val="accent1"/>
-          </a:fillRef>
-          <a:effectRef idx="0">
-            <a:schemeClr val="accent1"/>
-          </a:effectRef>
-          <a:fontRef idx="minor">
-            <a:schemeClr val="tx1"/>
-          </a:fontRef>
-        </p:style>
-      </p:cxnSp>
-      <p:cxnSp>
-        <p:nvCxnSpPr>
-          <p:cNvPr id="916" name="Straight Connector 915"/>
-          <p:cNvCxnSpPr>
-            <a:stCxn id="909" idx="3"/>
-            <a:endCxn id="905" idx="7"/>
-          </p:cNvCxnSpPr>
-          <p:nvPr/>
-        </p:nvCxnSpPr>
-        <p:spPr>
-          <a:xfrm flipH="1">
-            <a:off x="4540921" y="4599494"/>
-            <a:ext cx="510808" cy="412721"/>
-          </a:xfrm>
-          <a:prstGeom prst="line">
-            <a:avLst/>
-          </a:prstGeom>
-          <a:ln>
-            <a:solidFill>
-              <a:schemeClr val="accent2"/>
-            </a:solidFill>
-          </a:ln>
-        </p:spPr>
-        <p:style>
-          <a:lnRef idx="1">
-            <a:schemeClr val="accent1"/>
-          </a:lnRef>
-          <a:fillRef idx="0">
-            <a:schemeClr val="accent1"/>
-          </a:fillRef>
-          <a:effectRef idx="0">
-            <a:schemeClr val="accent1"/>
-          </a:effectRef>
-          <a:fontRef idx="minor">
-            <a:schemeClr val="tx1"/>
-          </a:fontRef>
-        </p:style>
-      </p:cxnSp>
-      <p:cxnSp>
-        <p:nvCxnSpPr>
-          <p:cNvPr id="917" name="Straight Connector 916"/>
-          <p:cNvCxnSpPr>
-            <a:stCxn id="909" idx="5"/>
-            <a:endCxn id="906" idx="1"/>
-          </p:cNvCxnSpPr>
-          <p:nvPr/>
-        </p:nvCxnSpPr>
-        <p:spPr>
-          <a:xfrm>
-            <a:off x="5306287" y="4599494"/>
-            <a:ext cx="664492" cy="720000"/>
-          </a:xfrm>
-          <a:prstGeom prst="line">
-            <a:avLst/>
-          </a:prstGeom>
-          <a:ln>
-            <a:solidFill>
-              <a:schemeClr val="accent2"/>
-            </a:solidFill>
-          </a:ln>
-        </p:spPr>
-        <p:style>
-          <a:lnRef idx="1">
-            <a:schemeClr val="accent1"/>
-          </a:lnRef>
-          <a:fillRef idx="0">
-            <a:schemeClr val="accent1"/>
-          </a:fillRef>
-          <a:effectRef idx="0">
-            <a:schemeClr val="accent1"/>
-          </a:effectRef>
-          <a:fontRef idx="minor">
-            <a:schemeClr val="tx1"/>
-          </a:fontRef>
-        </p:style>
-      </p:cxnSp>
-      <p:cxnSp>
-        <p:nvCxnSpPr>
-          <p:cNvPr id="918" name="Straight Connector 917"/>
-          <p:cNvCxnSpPr>
-            <a:stCxn id="906" idx="7"/>
-            <a:endCxn id="910" idx="5"/>
-          </p:cNvCxnSpPr>
-          <p:nvPr/>
-        </p:nvCxnSpPr>
-        <p:spPr>
-          <a:xfrm flipV="1">
-            <a:off x="6225337" y="4760725"/>
-            <a:ext cx="210110" cy="558769"/>
-          </a:xfrm>
-          <a:prstGeom prst="line">
-            <a:avLst/>
-          </a:prstGeom>
-          <a:ln>
-            <a:solidFill>
-              <a:schemeClr val="accent2"/>
-            </a:solidFill>
-          </a:ln>
-        </p:spPr>
-        <p:style>
-          <a:lnRef idx="1">
-            <a:schemeClr val="accent1"/>
-          </a:lnRef>
-          <a:fillRef idx="0">
-            <a:schemeClr val="accent1"/>
-          </a:fillRef>
-          <a:effectRef idx="0">
-            <a:schemeClr val="accent1"/>
-          </a:effectRef>
-          <a:fontRef idx="minor">
-            <a:schemeClr val="tx1"/>
-          </a:fontRef>
-        </p:style>
-      </p:cxnSp>
-      <p:sp>
-        <p:nvSpPr>
-          <p:cNvPr id="919" name="Oval 918"/>
-          <p:cNvSpPr/>
-          <p:nvPr/>
-        </p:nvSpPr>
-        <p:spPr>
-          <a:xfrm>
-            <a:off x="2008022" y="5946167"/>
-            <a:ext cx="360000" cy="360000"/>
-          </a:xfrm>
-          <a:prstGeom prst="ellipse">
-            <a:avLst/>
-          </a:prstGeom>
-          <a:noFill/>
-          <a:ln>
-            <a:noFill/>
-          </a:ln>
-        </p:spPr>
-        <p:style>
-          <a:lnRef idx="2">
-            <a:schemeClr val="accent1">
-              <a:shade val="50000"/>
-            </a:schemeClr>
-          </a:lnRef>
-          <a:fillRef idx="1">
-            <a:schemeClr val="accent1"/>
-          </a:fillRef>
-          <a:effectRef idx="0">
-            <a:schemeClr val="accent1"/>
-          </a:effectRef>
-          <a:fontRef idx="minor">
-            <a:schemeClr val="lt1"/>
-          </a:fontRef>
-        </p:style>
-        <p:txBody>
-          <a:bodyPr rtlCol="0" anchor="ctr"/>
-          <a:lstStyle/>
-          <a:p>
-            <a:pPr algn="ctr"/>
-            <a:endParaRPr lang="en-US"/>
-          </a:p>
-        </p:txBody>
-      </p:sp>
-      <p:sp>
-        <p:nvSpPr>
-          <p:cNvPr id="920" name="Oval 919"/>
-          <p:cNvSpPr/>
-          <p:nvPr/>
-        </p:nvSpPr>
-        <p:spPr>
-          <a:xfrm>
-            <a:off x="3448022" y="5946167"/>
-            <a:ext cx="360000" cy="360000"/>
-          </a:xfrm>
-          <a:prstGeom prst="ellipse">
-            <a:avLst/>
-          </a:prstGeom>
-          <a:noFill/>
-          <a:ln>
-            <a:noFill/>
-          </a:ln>
-        </p:spPr>
-        <p:style>
-          <a:lnRef idx="2">
-            <a:schemeClr val="accent1">
-              <a:shade val="50000"/>
-            </a:schemeClr>
-          </a:lnRef>
-          <a:fillRef idx="1">
-            <a:schemeClr val="accent1"/>
-          </a:fillRef>
-          <a:effectRef idx="0">
-            <a:schemeClr val="accent1"/>
-          </a:effectRef>
-          <a:fontRef idx="minor">
-            <a:schemeClr val="lt1"/>
-          </a:fontRef>
-        </p:style>
-        <p:txBody>
-          <a:bodyPr rtlCol="0" anchor="ctr"/>
-          <a:lstStyle/>
-          <a:p>
-            <a:pPr algn="ctr"/>
-            <a:endParaRPr lang="en-US"/>
-          </a:p>
-        </p:txBody>
-      </p:sp>
-      <p:sp>
-        <p:nvSpPr>
-          <p:cNvPr id="921" name="Oval 920"/>
-          <p:cNvSpPr/>
-          <p:nvPr/>
-        </p:nvSpPr>
-        <p:spPr>
-          <a:xfrm>
-            <a:off x="4888022" y="5946167"/>
-            <a:ext cx="360000" cy="360000"/>
-          </a:xfrm>
-          <a:prstGeom prst="ellipse">
-            <a:avLst/>
-          </a:prstGeom>
-          <a:noFill/>
-          <a:ln>
-            <a:noFill/>
-          </a:ln>
-        </p:spPr>
-        <p:style>
-          <a:lnRef idx="2">
-            <a:schemeClr val="accent1">
-              <a:shade val="50000"/>
-            </a:schemeClr>
-          </a:lnRef>
-          <a:fillRef idx="1">
-            <a:schemeClr val="accent1"/>
-          </a:fillRef>
-          <a:effectRef idx="0">
-            <a:schemeClr val="accent1"/>
-          </a:effectRef>
-          <a:fontRef idx="minor">
-            <a:schemeClr val="lt1"/>
-          </a:fontRef>
-        </p:style>
-        <p:txBody>
-          <a:bodyPr rtlCol="0" anchor="ctr"/>
-          <a:lstStyle/>
-          <a:p>
-            <a:pPr algn="ctr"/>
-            <a:endParaRPr lang="en-US"/>
-          </a:p>
-        </p:txBody>
-      </p:sp>
-      <p:sp>
-        <p:nvSpPr>
-          <p:cNvPr id="922" name="Oval 921"/>
-          <p:cNvSpPr/>
-          <p:nvPr/>
-        </p:nvSpPr>
-        <p:spPr>
-          <a:xfrm rot="5400000">
-            <a:off x="6328022" y="5946167"/>
-            <a:ext cx="360000" cy="360000"/>
-          </a:xfrm>
-          <a:prstGeom prst="ellipse">
-            <a:avLst/>
-          </a:prstGeom>
-          <a:noFill/>
-          <a:ln>
-            <a:noFill/>
-          </a:ln>
-        </p:spPr>
-        <p:style>
-          <a:lnRef idx="2">
-            <a:schemeClr val="accent1">
-              <a:shade val="50000"/>
-            </a:schemeClr>
-          </a:lnRef>
-          <a:fillRef idx="1">
-            <a:schemeClr val="accent1"/>
-          </a:fillRef>
-          <a:effectRef idx="0">
-            <a:schemeClr val="accent1"/>
-          </a:effectRef>
-          <a:fontRef idx="minor">
-            <a:schemeClr val="lt1"/>
-          </a:fontRef>
-        </p:style>
-        <p:txBody>
-          <a:bodyPr rtlCol="0" anchor="ctr"/>
-          <a:lstStyle/>
-          <a:p>
-            <a:pPr algn="ctr"/>
-            <a:endParaRPr lang="en-US"/>
-          </a:p>
-        </p:txBody>
-      </p:sp>
-      <p:cxnSp>
-        <p:nvCxnSpPr>
-          <p:cNvPr id="947" name="Straight Connector 946"/>
-          <p:cNvCxnSpPr>
-            <a:stCxn id="906" idx="5"/>
-            <a:endCxn id="922" idx="3"/>
-          </p:cNvCxnSpPr>
-          <p:nvPr/>
-        </p:nvCxnSpPr>
-        <p:spPr>
-          <a:xfrm>
-            <a:off x="6225337" y="5574052"/>
-            <a:ext cx="155406" cy="424836"/>
-          </a:xfrm>
-          <a:prstGeom prst="line">
-            <a:avLst/>
-          </a:prstGeom>
-          <a:ln>
-            <a:solidFill>
-              <a:schemeClr val="accent2"/>
-            </a:solidFill>
-          </a:ln>
-        </p:spPr>
-        <p:style>
-          <a:lnRef idx="1">
-            <a:schemeClr val="accent1"/>
-          </a:lnRef>
-          <a:fillRef idx="0">
-            <a:schemeClr val="accent1"/>
-          </a:fillRef>
-          <a:effectRef idx="0">
-            <a:schemeClr val="accent1"/>
-          </a:effectRef>
-          <a:fontRef idx="minor">
-            <a:schemeClr val="tx1"/>
-          </a:fontRef>
-        </p:style>
-      </p:cxnSp>
-      <p:cxnSp>
-        <p:nvCxnSpPr>
-          <p:cNvPr id="958" name="Straight Connector 957"/>
-          <p:cNvCxnSpPr>
-            <a:stCxn id="921" idx="7"/>
-            <a:endCxn id="906" idx="3"/>
-          </p:cNvCxnSpPr>
-          <p:nvPr/>
-        </p:nvCxnSpPr>
-        <p:spPr>
-          <a:xfrm flipV="1">
-            <a:off x="5195301" y="5574052"/>
-            <a:ext cx="775478" cy="424836"/>
-          </a:xfrm>
-          <a:prstGeom prst="line">
-            <a:avLst/>
-          </a:prstGeom>
-          <a:ln>
-            <a:solidFill>
-              <a:schemeClr val="accent2"/>
-            </a:solidFill>
-          </a:ln>
-        </p:spPr>
-        <p:style>
-          <a:lnRef idx="1">
-            <a:schemeClr val="accent1"/>
-          </a:lnRef>
-          <a:fillRef idx="0">
-            <a:schemeClr val="accent1"/>
-          </a:fillRef>
-          <a:effectRef idx="0">
-            <a:schemeClr val="accent1"/>
-          </a:effectRef>
-          <a:fontRef idx="minor">
-            <a:schemeClr val="tx1"/>
-          </a:fontRef>
-        </p:style>
-      </p:cxnSp>
-      <p:cxnSp>
-        <p:nvCxnSpPr>
-          <p:cNvPr id="961" name="Straight Connector 960"/>
-          <p:cNvCxnSpPr>
-            <a:stCxn id="905" idx="5"/>
-            <a:endCxn id="921" idx="1"/>
-          </p:cNvCxnSpPr>
-          <p:nvPr/>
-        </p:nvCxnSpPr>
-        <p:spPr>
-          <a:xfrm>
-            <a:off x="4540921" y="5266773"/>
-            <a:ext cx="399822" cy="732115"/>
-          </a:xfrm>
-          <a:prstGeom prst="line">
-            <a:avLst/>
-          </a:prstGeom>
-          <a:ln>
-            <a:solidFill>
-              <a:schemeClr val="accent2"/>
-            </a:solidFill>
-          </a:ln>
-        </p:spPr>
-        <p:style>
-          <a:lnRef idx="1">
-            <a:schemeClr val="accent1"/>
-          </a:lnRef>
-          <a:fillRef idx="0">
-            <a:schemeClr val="accent1"/>
-          </a:fillRef>
-          <a:effectRef idx="0">
-            <a:schemeClr val="accent1"/>
-          </a:effectRef>
-          <a:fontRef idx="minor">
-            <a:schemeClr val="tx1"/>
-          </a:fontRef>
-        </p:style>
-      </p:cxnSp>
-      <p:cxnSp>
-        <p:nvCxnSpPr>
-          <p:cNvPr id="964" name="Straight Connector 963"/>
-          <p:cNvCxnSpPr>
-            <a:stCxn id="920" idx="7"/>
-            <a:endCxn id="905" idx="3"/>
-          </p:cNvCxnSpPr>
-          <p:nvPr/>
-        </p:nvCxnSpPr>
-        <p:spPr>
-          <a:xfrm flipV="1">
-            <a:off x="3755301" y="5266773"/>
-            <a:ext cx="531062" cy="732115"/>
-          </a:xfrm>
-          <a:prstGeom prst="line">
-            <a:avLst/>
-          </a:prstGeom>
-          <a:ln>
-            <a:solidFill>
-              <a:schemeClr val="accent2"/>
-            </a:solidFill>
-          </a:ln>
-        </p:spPr>
-        <p:style>
-          <a:lnRef idx="1">
-            <a:schemeClr val="accent1"/>
-          </a:lnRef>
-          <a:fillRef idx="0">
-            <a:schemeClr val="accent1"/>
-          </a:fillRef>
-          <a:effectRef idx="0">
-            <a:schemeClr val="accent1"/>
-          </a:effectRef>
-          <a:fontRef idx="minor">
-            <a:schemeClr val="tx1"/>
-          </a:fontRef>
-        </p:style>
-      </p:cxnSp>
-      <p:cxnSp>
-        <p:nvCxnSpPr>
-          <p:cNvPr id="967" name="Straight Connector 966"/>
-          <p:cNvCxnSpPr>
-            <a:stCxn id="904" idx="5"/>
-            <a:endCxn id="920" idx="1"/>
-          </p:cNvCxnSpPr>
-          <p:nvPr/>
-        </p:nvCxnSpPr>
-        <p:spPr>
-          <a:xfrm>
-            <a:off x="2855301" y="5687085"/>
-            <a:ext cx="645442" cy="311803"/>
-          </a:xfrm>
-          <a:prstGeom prst="line">
-            <a:avLst/>
-          </a:prstGeom>
-          <a:ln>
-            <a:solidFill>
-              <a:schemeClr val="accent2"/>
-            </a:solidFill>
-          </a:ln>
-        </p:spPr>
-        <p:style>
-          <a:lnRef idx="1">
-            <a:schemeClr val="accent1"/>
-          </a:lnRef>
-          <a:fillRef idx="0">
-            <a:schemeClr val="accent1"/>
-          </a:fillRef>
-          <a:effectRef idx="0">
-            <a:schemeClr val="accent1"/>
-          </a:effectRef>
-          <a:fontRef idx="minor">
-            <a:schemeClr val="tx1"/>
-          </a:fontRef>
-        </p:style>
-      </p:cxnSp>
-      <p:cxnSp>
-        <p:nvCxnSpPr>
-          <p:cNvPr id="970" name="Straight Connector 969"/>
-          <p:cNvCxnSpPr>
-            <a:stCxn id="919" idx="7"/>
-            <a:endCxn id="904" idx="3"/>
-          </p:cNvCxnSpPr>
-          <p:nvPr/>
-        </p:nvCxnSpPr>
-        <p:spPr>
-          <a:xfrm flipV="1">
-            <a:off x="2315301" y="5687085"/>
-            <a:ext cx="285442" cy="311803"/>
-          </a:xfrm>
-          <a:prstGeom prst="line">
-            <a:avLst/>
-          </a:prstGeom>
-          <a:ln>
-            <a:solidFill>
-              <a:schemeClr val="accent2"/>
-            </a:solidFill>
-          </a:ln>
-        </p:spPr>
-        <p:style>
-          <a:lnRef idx="1">
-            <a:schemeClr val="accent1"/>
-          </a:lnRef>
-          <a:fillRef idx="0">
-            <a:schemeClr val="accent1"/>
-          </a:fillRef>
-          <a:effectRef idx="0">
-            <a:schemeClr val="accent1"/>
-          </a:effectRef>
-          <a:fontRef idx="minor">
-            <a:schemeClr val="tx1"/>
-          </a:fontRef>
-        </p:style>
-      </p:cxnSp>
-      <p:cxnSp>
-        <p:nvCxnSpPr>
-          <p:cNvPr id="974" name="Straight Connector 973"/>
-          <p:cNvCxnSpPr>
-            <a:stCxn id="909" idx="6"/>
-            <a:endCxn id="910" idx="4"/>
-          </p:cNvCxnSpPr>
-          <p:nvPr/>
-        </p:nvCxnSpPr>
-        <p:spPr>
-          <a:xfrm>
-            <a:off x="5359008" y="4472215"/>
-            <a:ext cx="1023718" cy="161231"/>
-          </a:xfrm>
-          <a:prstGeom prst="line">
-            <a:avLst/>
-          </a:prstGeom>
-          <a:ln>
-            <a:solidFill>
-              <a:schemeClr val="accent2"/>
-            </a:solidFill>
-          </a:ln>
-        </p:spPr>
-        <p:style>
-          <a:lnRef idx="1">
-            <a:schemeClr val="accent1"/>
-          </a:lnRef>
-          <a:fillRef idx="0">
-            <a:schemeClr val="accent1"/>
-          </a:fillRef>
-          <a:effectRef idx="0">
-            <a:schemeClr val="accent1"/>
-          </a:effectRef>
-          <a:fontRef idx="minor">
-            <a:schemeClr val="tx1"/>
-          </a:fontRef>
-        </p:style>
-      </p:cxnSp>
-      <p:cxnSp>
-        <p:nvCxnSpPr>
-          <p:cNvPr id="977" name="Straight Connector 976"/>
-          <p:cNvCxnSpPr>
-            <a:stCxn id="908" idx="6"/>
-            <a:endCxn id="909" idx="2"/>
-          </p:cNvCxnSpPr>
-          <p:nvPr/>
-        </p:nvCxnSpPr>
-        <p:spPr>
-          <a:xfrm flipV="1">
-            <a:off x="3658591" y="4472215"/>
-            <a:ext cx="1340417" cy="161231"/>
-          </a:xfrm>
-          <a:prstGeom prst="line">
-            <a:avLst/>
-          </a:prstGeom>
-          <a:ln w="19050">
-            <a:solidFill>
-              <a:schemeClr val="accent5"/>
-            </a:solidFill>
-            <a:prstDash val="lgDash"/>
-          </a:ln>
-        </p:spPr>
-        <p:style>
-          <a:lnRef idx="1">
-            <a:schemeClr val="accent1"/>
-          </a:lnRef>
-          <a:fillRef idx="0">
-            <a:schemeClr val="accent1"/>
-          </a:fillRef>
-          <a:effectRef idx="0">
-            <a:schemeClr val="accent1"/>
-          </a:effectRef>
-          <a:fontRef idx="minor">
-            <a:schemeClr val="tx1"/>
-          </a:fontRef>
-        </p:style>
-      </p:cxnSp>
-      <p:cxnSp>
-        <p:nvCxnSpPr>
-          <p:cNvPr id="980" name="Straight Connector 979"/>
-          <p:cNvCxnSpPr>
-            <a:stCxn id="907" idx="6"/>
-            <a:endCxn id="908" idx="2"/>
-          </p:cNvCxnSpPr>
-          <p:nvPr/>
-        </p:nvCxnSpPr>
-        <p:spPr>
-          <a:xfrm>
-            <a:off x="2422726" y="4633446"/>
-            <a:ext cx="875865" cy="0"/>
-          </a:xfrm>
-          <a:prstGeom prst="line">
-            <a:avLst/>
-          </a:prstGeom>
-          <a:ln>
-            <a:solidFill>
-              <a:schemeClr val="accent2"/>
-            </a:solidFill>
-          </a:ln>
-        </p:spPr>
-        <p:style>
-          <a:lnRef idx="1">
-            <a:schemeClr val="accent1"/>
-          </a:lnRef>
-          <a:fillRef idx="0">
-            <a:schemeClr val="accent1"/>
-          </a:fillRef>
-          <a:effectRef idx="0">
-            <a:schemeClr val="accent1"/>
-          </a:effectRef>
-          <a:fontRef idx="minor">
-            <a:schemeClr val="tx1"/>
-          </a:fontRef>
-        </p:style>
-      </p:cxnSp>
-      <p:cxnSp>
-        <p:nvCxnSpPr>
-          <p:cNvPr id="984" name="Straight Connector 983"/>
-          <p:cNvCxnSpPr>
-            <a:stCxn id="883" idx="5"/>
-            <a:endCxn id="908" idx="1"/>
-          </p:cNvCxnSpPr>
-          <p:nvPr/>
-        </p:nvCxnSpPr>
-        <p:spPr>
-          <a:xfrm>
-            <a:off x="2936126" y="4038637"/>
-            <a:ext cx="415186" cy="467530"/>
-          </a:xfrm>
-          <a:prstGeom prst="line">
-            <a:avLst/>
-          </a:prstGeom>
-          <a:ln>
-            <a:solidFill>
-              <a:schemeClr val="accent2"/>
-            </a:solidFill>
-          </a:ln>
-        </p:spPr>
-        <p:style>
-          <a:lnRef idx="1">
-            <a:schemeClr val="accent1"/>
-          </a:lnRef>
-          <a:fillRef idx="0">
-            <a:schemeClr val="accent1"/>
-          </a:fillRef>
-          <a:effectRef idx="0">
-            <a:schemeClr val="accent1"/>
-          </a:effectRef>
-          <a:fontRef idx="minor">
-            <a:schemeClr val="tx1"/>
-          </a:fontRef>
-        </p:style>
-      </p:cxnSp>
-      <p:cxnSp>
-        <p:nvCxnSpPr>
-          <p:cNvPr id="987" name="Straight Connector 986"/>
-          <p:cNvCxnSpPr>
-            <a:stCxn id="908" idx="7"/>
-            <a:endCxn id="884" idx="3"/>
-          </p:cNvCxnSpPr>
-          <p:nvPr/>
-        </p:nvCxnSpPr>
-        <p:spPr>
-          <a:xfrm flipV="1">
-            <a:off x="3605870" y="3913446"/>
-            <a:ext cx="715343" cy="592721"/>
-          </a:xfrm>
-          <a:prstGeom prst="line">
-            <a:avLst/>
-          </a:prstGeom>
-          <a:ln>
-            <a:solidFill>
-              <a:schemeClr val="accent2"/>
-            </a:solidFill>
-          </a:ln>
-        </p:spPr>
-        <p:style>
-          <a:lnRef idx="1">
-            <a:schemeClr val="accent1"/>
-          </a:lnRef>
-          <a:fillRef idx="0">
-            <a:schemeClr val="accent1"/>
-          </a:fillRef>
-          <a:effectRef idx="0">
-            <a:schemeClr val="accent1"/>
-          </a:effectRef>
-          <a:fontRef idx="minor">
-            <a:schemeClr val="tx1"/>
-          </a:fontRef>
-        </p:style>
-      </p:cxnSp>
-      <p:cxnSp>
-        <p:nvCxnSpPr>
-          <p:cNvPr id="990" name="Straight Connector 989"/>
-          <p:cNvCxnSpPr>
-            <a:stCxn id="884" idx="5"/>
-            <a:endCxn id="909" idx="1"/>
-          </p:cNvCxnSpPr>
-          <p:nvPr/>
-        </p:nvCxnSpPr>
-        <p:spPr>
-          <a:xfrm>
-            <a:off x="4575771" y="3913446"/>
-            <a:ext cx="475958" cy="431490"/>
-          </a:xfrm>
-          <a:prstGeom prst="line">
-            <a:avLst/>
-          </a:prstGeom>
-          <a:ln>
-            <a:solidFill>
-              <a:schemeClr val="accent2"/>
-            </a:solidFill>
-          </a:ln>
-        </p:spPr>
-        <p:style>
-          <a:lnRef idx="1">
-            <a:schemeClr val="accent1"/>
-          </a:lnRef>
-          <a:fillRef idx="0">
-            <a:schemeClr val="accent1"/>
-          </a:fillRef>
-          <a:effectRef idx="0">
-            <a:schemeClr val="accent1"/>
-          </a:effectRef>
-          <a:fontRef idx="minor">
-            <a:schemeClr val="tx1"/>
-          </a:fontRef>
-        </p:style>
-      </p:cxnSp>
-      <p:cxnSp>
-        <p:nvCxnSpPr>
-          <p:cNvPr id="993" name="Straight Connector 992"/>
-          <p:cNvCxnSpPr>
-            <a:stCxn id="909" idx="7"/>
-            <a:endCxn id="885" idx="3"/>
-          </p:cNvCxnSpPr>
-          <p:nvPr/>
-        </p:nvCxnSpPr>
-        <p:spPr>
-          <a:xfrm flipV="1">
-            <a:off x="5306287" y="4038637"/>
-            <a:ext cx="650816" cy="306299"/>
-          </a:xfrm>
-          <a:prstGeom prst="line">
-            <a:avLst/>
-          </a:prstGeom>
-          <a:ln>
-            <a:solidFill>
-              <a:schemeClr val="accent2"/>
-            </a:solidFill>
-          </a:ln>
-        </p:spPr>
-        <p:style>
-          <a:lnRef idx="1">
-            <a:schemeClr val="accent1"/>
-          </a:lnRef>
-          <a:fillRef idx="0">
-            <a:schemeClr val="accent1"/>
-          </a:fillRef>
-          <a:effectRef idx="0">
-            <a:schemeClr val="accent1"/>
-          </a:effectRef>
-          <a:fontRef idx="minor">
-            <a:schemeClr val="tx1"/>
-          </a:fontRef>
-        </p:style>
-      </p:cxnSp>
-      <p:cxnSp>
-        <p:nvCxnSpPr>
-          <p:cNvPr id="996" name="Straight Connector 995"/>
-          <p:cNvCxnSpPr>
-            <a:stCxn id="885" idx="5"/>
-            <a:endCxn id="910" idx="3"/>
-          </p:cNvCxnSpPr>
-          <p:nvPr/>
-        </p:nvCxnSpPr>
-        <p:spPr>
-          <a:xfrm>
-            <a:off x="6211661" y="4038637"/>
-            <a:ext cx="223786" cy="467530"/>
-          </a:xfrm>
-          <a:prstGeom prst="line">
-            <a:avLst/>
-          </a:prstGeom>
-          <a:ln>
-            <a:solidFill>
-              <a:schemeClr val="accent2"/>
-            </a:solidFill>
-          </a:ln>
-        </p:spPr>
-        <p:style>
-          <a:lnRef idx="1">
-            <a:schemeClr val="accent1"/>
-          </a:lnRef>
-          <a:fillRef idx="0">
-            <a:schemeClr val="accent1"/>
-          </a:fillRef>
-          <a:effectRef idx="0">
-            <a:schemeClr val="accent1"/>
-          </a:effectRef>
-          <a:fontRef idx="minor">
-            <a:schemeClr val="tx1"/>
-          </a:fontRef>
-        </p:style>
-      </p:cxnSp>
-      <p:cxnSp>
-        <p:nvCxnSpPr>
-          <p:cNvPr id="999" name="Straight Connector 998"/>
-          <p:cNvCxnSpPr>
-            <a:stCxn id="883" idx="3"/>
-            <a:endCxn id="907" idx="7"/>
-          </p:cNvCxnSpPr>
-          <p:nvPr/>
-        </p:nvCxnSpPr>
-        <p:spPr>
-          <a:xfrm flipH="1">
-            <a:off x="2370005" y="4038637"/>
-            <a:ext cx="311563" cy="467530"/>
-          </a:xfrm>
-          <a:prstGeom prst="line">
-            <a:avLst/>
-          </a:prstGeom>
-          <a:ln>
-            <a:solidFill>
-              <a:schemeClr val="accent2"/>
-            </a:solidFill>
-          </a:ln>
-        </p:spPr>
-        <p:style>
-          <a:lnRef idx="1">
-            <a:schemeClr val="accent1"/>
-          </a:lnRef>
-          <a:fillRef idx="0">
-            <a:schemeClr val="accent1"/>
-          </a:fillRef>
-          <a:effectRef idx="0">
-            <a:schemeClr val="accent1"/>
-          </a:effectRef>
-          <a:fontRef idx="minor">
-            <a:schemeClr val="tx1"/>
-          </a:fontRef>
-        </p:style>
-      </p:cxnSp>
-      <p:cxnSp>
-        <p:nvCxnSpPr>
-          <p:cNvPr id="1002" name="Straight Connector 1001"/>
-          <p:cNvCxnSpPr>
-            <a:stCxn id="886" idx="6"/>
-            <a:endCxn id="887" idx="2"/>
-          </p:cNvCxnSpPr>
-          <p:nvPr/>
-        </p:nvCxnSpPr>
-        <p:spPr>
-          <a:xfrm flipV="1">
-            <a:off x="2420743" y="3009270"/>
-            <a:ext cx="1080000" cy="182088"/>
-          </a:xfrm>
-          <a:prstGeom prst="line">
-            <a:avLst/>
-          </a:prstGeom>
-          <a:ln>
-            <a:solidFill>
-              <a:schemeClr val="accent2"/>
-            </a:solidFill>
-          </a:ln>
-        </p:spPr>
-        <p:style>
-          <a:lnRef idx="1">
-            <a:schemeClr val="accent1"/>
-          </a:lnRef>
-          <a:fillRef idx="0">
-            <a:schemeClr val="accent1"/>
-          </a:fillRef>
-          <a:effectRef idx="0">
-            <a:schemeClr val="accent1"/>
-          </a:effectRef>
-          <a:fontRef idx="minor">
-            <a:schemeClr val="tx1"/>
-          </a:fontRef>
-        </p:style>
-      </p:cxnSp>
-      <p:cxnSp>
-        <p:nvCxnSpPr>
-          <p:cNvPr id="1005" name="Straight Connector 1004"/>
-          <p:cNvCxnSpPr>
-            <a:stCxn id="887" idx="6"/>
-            <a:endCxn id="888" idx="2"/>
-          </p:cNvCxnSpPr>
-          <p:nvPr/>
-        </p:nvCxnSpPr>
-        <p:spPr>
-          <a:xfrm>
-            <a:off x="3860743" y="3009270"/>
-            <a:ext cx="1207279" cy="91044"/>
-          </a:xfrm>
-          <a:prstGeom prst="line">
-            <a:avLst/>
-          </a:prstGeom>
-          <a:ln>
-            <a:solidFill>
-              <a:schemeClr val="accent2"/>
-            </a:solidFill>
-          </a:ln>
-        </p:spPr>
-        <p:style>
-          <a:lnRef idx="1">
-            <a:schemeClr val="accent1"/>
-          </a:lnRef>
-          <a:fillRef idx="0">
-            <a:schemeClr val="accent1"/>
-          </a:fillRef>
-          <a:effectRef idx="0">
-            <a:schemeClr val="accent1"/>
-          </a:effectRef>
-          <a:fontRef idx="minor">
-            <a:schemeClr val="tx1"/>
-          </a:fontRef>
-        </p:style>
-      </p:cxnSp>
-      <p:cxnSp>
-        <p:nvCxnSpPr>
-          <p:cNvPr id="1008" name="Straight Connector 1007"/>
-          <p:cNvCxnSpPr>
-            <a:stCxn id="888" idx="6"/>
-            <a:endCxn id="889" idx="4"/>
-          </p:cNvCxnSpPr>
-          <p:nvPr/>
-        </p:nvCxnSpPr>
-        <p:spPr>
-          <a:xfrm>
-            <a:off x="5428022" y="3100314"/>
-            <a:ext cx="952721" cy="91044"/>
-          </a:xfrm>
-          <a:prstGeom prst="line">
-            <a:avLst/>
-          </a:prstGeom>
-          <a:ln>
-            <a:solidFill>
-              <a:schemeClr val="accent2"/>
-            </a:solidFill>
-          </a:ln>
-        </p:spPr>
-        <p:style>
-          <a:lnRef idx="1">
-            <a:schemeClr val="accent1"/>
-          </a:lnRef>
-          <a:fillRef idx="0">
-            <a:schemeClr val="accent1"/>
-          </a:fillRef>
-          <a:effectRef idx="0">
-            <a:schemeClr val="accent1"/>
-          </a:effectRef>
-          <a:fontRef idx="minor">
-            <a:schemeClr val="tx1"/>
-          </a:fontRef>
-        </p:style>
-      </p:cxnSp>
-      <p:cxnSp>
-        <p:nvCxnSpPr>
-          <p:cNvPr id="1011" name="Straight Connector 1010"/>
-          <p:cNvCxnSpPr>
-            <a:stCxn id="2" idx="5"/>
-            <a:endCxn id="887" idx="1"/>
-          </p:cNvCxnSpPr>
-          <p:nvPr/>
-        </p:nvCxnSpPr>
-        <p:spPr>
-          <a:xfrm>
-            <a:off x="2855301" y="2289270"/>
-            <a:ext cx="698163" cy="592721"/>
-          </a:xfrm>
-          <a:prstGeom prst="line">
-            <a:avLst/>
-          </a:prstGeom>
-          <a:ln>
-            <a:solidFill>
-              <a:schemeClr val="accent2"/>
-            </a:solidFill>
-          </a:ln>
-        </p:spPr>
-        <p:style>
-          <a:lnRef idx="1">
-            <a:schemeClr val="accent1"/>
-          </a:lnRef>
-          <a:fillRef idx="0">
-            <a:schemeClr val="accent1"/>
-          </a:fillRef>
-          <a:effectRef idx="0">
-            <a:schemeClr val="accent1"/>
-          </a:effectRef>
-          <a:fontRef idx="minor">
-            <a:schemeClr val="tx1"/>
-          </a:fontRef>
-        </p:style>
-      </p:cxnSp>
-      <p:cxnSp>
-        <p:nvCxnSpPr>
-          <p:cNvPr id="1014" name="Straight Connector 1013"/>
-          <p:cNvCxnSpPr>
-            <a:stCxn id="3" idx="5"/>
-            <a:endCxn id="888" idx="1"/>
-          </p:cNvCxnSpPr>
-          <p:nvPr/>
-        </p:nvCxnSpPr>
-        <p:spPr>
-          <a:xfrm>
-            <a:off x="4593642" y="2416549"/>
-            <a:ext cx="527101" cy="556486"/>
-          </a:xfrm>
-          <a:prstGeom prst="line">
-            <a:avLst/>
-          </a:prstGeom>
-          <a:ln>
-            <a:solidFill>
-              <a:schemeClr val="accent2"/>
-            </a:solidFill>
-          </a:ln>
-        </p:spPr>
-        <p:style>
-          <a:lnRef idx="1">
-            <a:schemeClr val="accent1"/>
-          </a:lnRef>
-          <a:fillRef idx="0">
-            <a:schemeClr val="accent1"/>
-          </a:fillRef>
-          <a:effectRef idx="0">
-            <a:schemeClr val="accent1"/>
-          </a:effectRef>
-          <a:fontRef idx="minor">
-            <a:schemeClr val="tx1"/>
-          </a:fontRef>
-        </p:style>
-      </p:cxnSp>
-      <p:cxnSp>
-        <p:nvCxnSpPr>
-          <p:cNvPr id="1018" name="Straight Connector 1017"/>
-          <p:cNvCxnSpPr>
-            <a:stCxn id="4" idx="5"/>
-            <a:endCxn id="889" idx="3"/>
-          </p:cNvCxnSpPr>
-          <p:nvPr/>
-        </p:nvCxnSpPr>
-        <p:spPr>
-          <a:xfrm>
-            <a:off x="6122653" y="2596549"/>
-            <a:ext cx="310811" cy="467530"/>
-          </a:xfrm>
-          <a:prstGeom prst="line">
-            <a:avLst/>
-          </a:prstGeom>
-          <a:ln>
-            <a:solidFill>
-              <a:schemeClr val="accent2"/>
-            </a:solidFill>
-          </a:ln>
-        </p:spPr>
-        <p:style>
-          <a:lnRef idx="1">
-            <a:schemeClr val="accent1"/>
-          </a:lnRef>
-          <a:fillRef idx="0">
-            <a:schemeClr val="accent1"/>
-          </a:fillRef>
-          <a:effectRef idx="0">
-            <a:schemeClr val="accent1"/>
-          </a:effectRef>
-          <a:fontRef idx="minor">
-            <a:schemeClr val="tx1"/>
-          </a:fontRef>
-        </p:style>
-      </p:cxnSp>
-      <p:cxnSp>
-        <p:nvCxnSpPr>
-          <p:cNvPr id="1021" name="Straight Connector 1020"/>
-          <p:cNvCxnSpPr>
-            <a:stCxn id="4" idx="3"/>
-            <a:endCxn id="888" idx="7"/>
-          </p:cNvCxnSpPr>
-          <p:nvPr/>
-        </p:nvCxnSpPr>
-        <p:spPr>
-          <a:xfrm flipH="1">
-            <a:off x="5375301" y="2596549"/>
-            <a:ext cx="492794" cy="376486"/>
-          </a:xfrm>
-          <a:prstGeom prst="line">
-            <a:avLst/>
-          </a:prstGeom>
-          <a:ln>
-            <a:solidFill>
-              <a:schemeClr val="accent2"/>
-            </a:solidFill>
-          </a:ln>
-        </p:spPr>
-        <p:style>
-          <a:lnRef idx="1">
-            <a:schemeClr val="accent1"/>
-          </a:lnRef>
-          <a:fillRef idx="0">
-            <a:schemeClr val="accent1"/>
-          </a:fillRef>
-          <a:effectRef idx="0">
-            <a:schemeClr val="accent1"/>
-          </a:effectRef>
-          <a:fontRef idx="minor">
-            <a:schemeClr val="tx1"/>
-          </a:fontRef>
-        </p:style>
-      </p:cxnSp>
-      <p:cxnSp>
-        <p:nvCxnSpPr>
-          <p:cNvPr id="1024" name="Straight Connector 1023"/>
-          <p:cNvCxnSpPr>
-            <a:stCxn id="3" idx="3"/>
-            <a:endCxn id="887" idx="7"/>
-          </p:cNvCxnSpPr>
-          <p:nvPr/>
-        </p:nvCxnSpPr>
-        <p:spPr>
-          <a:xfrm flipH="1">
-            <a:off x="3808022" y="2416549"/>
-            <a:ext cx="531062" cy="465442"/>
-          </a:xfrm>
-          <a:prstGeom prst="line">
-            <a:avLst/>
-          </a:prstGeom>
-          <a:ln>
-            <a:solidFill>
-              <a:schemeClr val="accent2"/>
-            </a:solidFill>
-          </a:ln>
-        </p:spPr>
-        <p:style>
-          <a:lnRef idx="1">
-            <a:schemeClr val="accent1"/>
-          </a:lnRef>
-          <a:fillRef idx="0">
-            <a:schemeClr val="accent1"/>
-          </a:fillRef>
-          <a:effectRef idx="0">
-            <a:schemeClr val="accent1"/>
-          </a:effectRef>
-          <a:fontRef idx="minor">
-            <a:schemeClr val="tx1"/>
-          </a:fontRef>
-        </p:style>
-      </p:cxnSp>
-      <p:cxnSp>
-        <p:nvCxnSpPr>
-          <p:cNvPr id="1027" name="Straight Connector 1026"/>
-          <p:cNvCxnSpPr>
-            <a:stCxn id="2" idx="3"/>
-            <a:endCxn id="886" idx="7"/>
-          </p:cNvCxnSpPr>
-          <p:nvPr/>
-        </p:nvCxnSpPr>
-        <p:spPr>
-          <a:xfrm flipH="1">
-            <a:off x="2368022" y="2289270"/>
-            <a:ext cx="232721" cy="774809"/>
-          </a:xfrm>
-          <a:prstGeom prst="line">
-            <a:avLst/>
-          </a:prstGeom>
-          <a:ln>
-            <a:solidFill>
-              <a:schemeClr val="accent2"/>
-            </a:solidFill>
-          </a:ln>
-        </p:spPr>
-        <p:style>
-          <a:lnRef idx="1">
-            <a:schemeClr val="accent1"/>
-          </a:lnRef>
-          <a:fillRef idx="0">
-            <a:schemeClr val="accent1"/>
-          </a:fillRef>
-          <a:effectRef idx="0">
-            <a:schemeClr val="accent1"/>
-          </a:effectRef>
-          <a:fontRef idx="minor">
-            <a:schemeClr val="tx1"/>
-          </a:fontRef>
-        </p:style>
-      </p:cxnSp>
-      <p:sp>
-        <p:nvSpPr>
-          <p:cNvPr id="76" name="Oval 75"/>
-          <p:cNvSpPr/>
-          <p:nvPr/>
-        </p:nvSpPr>
-        <p:spPr>
-          <a:xfrm>
-            <a:off x="2150743" y="1659270"/>
-            <a:ext cx="180000" cy="180000"/>
-          </a:xfrm>
-          <a:prstGeom prst="ellipse">
-            <a:avLst/>
-          </a:prstGeom>
-          <a:solidFill>
-            <a:schemeClr val="accent2"/>
-          </a:solidFill>
-          <a:ln>
-            <a:noFill/>
-          </a:ln>
-        </p:spPr>
-        <p:style>
-          <a:lnRef idx="2">
-            <a:schemeClr val="accent1">
-              <a:shade val="50000"/>
-            </a:schemeClr>
-          </a:lnRef>
-          <a:fillRef idx="1">
-            <a:schemeClr val="accent1"/>
-          </a:fillRef>
-          <a:effectRef idx="0">
-            <a:schemeClr val="accent1"/>
-          </a:effectRef>
-          <a:fontRef idx="minor">
-            <a:schemeClr val="lt1"/>
-          </a:fontRef>
-        </p:style>
-        <p:txBody>
-          <a:bodyPr rtlCol="0" anchor="ctr"/>
-          <a:lstStyle/>
-          <a:p>
-            <a:pPr algn="ctr"/>
-            <a:endParaRPr lang="en-US"/>
-          </a:p>
-        </p:txBody>
-      </p:sp>
-      <p:sp>
-        <p:nvSpPr>
-          <p:cNvPr id="82" name="Oval 81"/>
-          <p:cNvSpPr/>
-          <p:nvPr/>
-        </p:nvSpPr>
-        <p:spPr>
-          <a:xfrm>
-            <a:off x="3590743" y="1659270"/>
-            <a:ext cx="180000" cy="180000"/>
-          </a:xfrm>
-          <a:prstGeom prst="ellipse">
-            <a:avLst/>
-          </a:prstGeom>
-          <a:solidFill>
-            <a:schemeClr val="accent2"/>
-          </a:solidFill>
-          <a:ln>
-            <a:noFill/>
-          </a:ln>
-        </p:spPr>
-        <p:style>
-          <a:lnRef idx="2">
-            <a:schemeClr val="accent1">
-              <a:shade val="50000"/>
-            </a:schemeClr>
-          </a:lnRef>
-          <a:fillRef idx="1">
-            <a:schemeClr val="accent1"/>
-          </a:fillRef>
-          <a:effectRef idx="0">
-            <a:schemeClr val="accent1"/>
-          </a:effectRef>
-          <a:fontRef idx="minor">
-            <a:schemeClr val="lt1"/>
-          </a:fontRef>
-        </p:style>
-        <p:txBody>
-          <a:bodyPr rtlCol="0" anchor="ctr"/>
-          <a:lstStyle/>
-          <a:p>
-            <a:pPr algn="ctr"/>
-            <a:endParaRPr lang="en-US"/>
-          </a:p>
-        </p:txBody>
-      </p:sp>
-      <p:sp>
-        <p:nvSpPr>
-          <p:cNvPr id="83" name="Oval 82"/>
-          <p:cNvSpPr/>
-          <p:nvPr/>
-        </p:nvSpPr>
-        <p:spPr>
-          <a:xfrm>
-            <a:off x="5030743" y="1659270"/>
-            <a:ext cx="180000" cy="180000"/>
-          </a:xfrm>
-          <a:prstGeom prst="ellipse">
-            <a:avLst/>
-          </a:prstGeom>
-          <a:solidFill>
-            <a:schemeClr val="accent2"/>
-          </a:solidFill>
-          <a:ln>
-            <a:noFill/>
-          </a:ln>
-        </p:spPr>
-        <p:style>
-          <a:lnRef idx="2">
-            <a:schemeClr val="accent1">
-              <a:shade val="50000"/>
-            </a:schemeClr>
-          </a:lnRef>
-          <a:fillRef idx="1">
-            <a:schemeClr val="accent1"/>
-          </a:fillRef>
-          <a:effectRef idx="0">
-            <a:schemeClr val="accent1"/>
-          </a:effectRef>
-          <a:fontRef idx="minor">
-            <a:schemeClr val="lt1"/>
-          </a:fontRef>
-        </p:style>
-        <p:txBody>
-          <a:bodyPr rtlCol="0" anchor="ctr"/>
-          <a:lstStyle/>
-          <a:p>
-            <a:pPr algn="ctr"/>
-            <a:endParaRPr lang="en-US"/>
-          </a:p>
-        </p:txBody>
-      </p:sp>
-      <p:sp>
-        <p:nvSpPr>
-          <p:cNvPr id="84" name="Oval 83"/>
-          <p:cNvSpPr/>
-          <p:nvPr/>
-        </p:nvSpPr>
-        <p:spPr>
-          <a:xfrm>
-            <a:off x="6470743" y="1658015"/>
-            <a:ext cx="180000" cy="180000"/>
-          </a:xfrm>
-          <a:prstGeom prst="ellipse">
-            <a:avLst/>
-          </a:prstGeom>
-          <a:solidFill>
-            <a:schemeClr val="accent2"/>
-          </a:solidFill>
-          <a:ln>
-            <a:noFill/>
-          </a:ln>
-        </p:spPr>
-        <p:style>
-          <a:lnRef idx="2">
-            <a:schemeClr val="accent1">
-              <a:shade val="50000"/>
-            </a:schemeClr>
-          </a:lnRef>
-          <a:fillRef idx="1">
-            <a:schemeClr val="accent1"/>
-          </a:fillRef>
-          <a:effectRef idx="0">
-            <a:schemeClr val="accent1"/>
-          </a:effectRef>
-          <a:fontRef idx="minor">
-            <a:schemeClr val="lt1"/>
-          </a:fontRef>
-        </p:style>
-        <p:txBody>
-          <a:bodyPr rtlCol="0" anchor="ctr"/>
-          <a:lstStyle/>
-          <a:p>
-            <a:pPr algn="ctr"/>
-            <a:endParaRPr lang="en-US"/>
-          </a:p>
-        </p:txBody>
-      </p:sp>
-      <p:sp>
-        <p:nvSpPr>
-          <p:cNvPr id="90" name="Oval 89"/>
-          <p:cNvSpPr/>
-          <p:nvPr/>
-        </p:nvSpPr>
-        <p:spPr>
-          <a:xfrm>
-            <a:off x="2150743" y="3101358"/>
-            <a:ext cx="180000" cy="180000"/>
-          </a:xfrm>
-          <a:prstGeom prst="ellipse">
-            <a:avLst/>
-          </a:prstGeom>
-          <a:solidFill>
-            <a:schemeClr val="accent2"/>
-          </a:solidFill>
-          <a:ln>
-            <a:noFill/>
-          </a:ln>
-        </p:spPr>
-        <p:style>
-          <a:lnRef idx="2">
-            <a:schemeClr val="accent1">
-              <a:shade val="50000"/>
-            </a:schemeClr>
-          </a:lnRef>
-          <a:fillRef idx="1">
-            <a:schemeClr val="accent1"/>
-          </a:fillRef>
-          <a:effectRef idx="0">
-            <a:schemeClr val="accent1"/>
-          </a:effectRef>
-          <a:fontRef idx="minor">
-            <a:schemeClr val="lt1"/>
-          </a:fontRef>
-        </p:style>
-        <p:txBody>
-          <a:bodyPr rtlCol="0" anchor="ctr"/>
-          <a:lstStyle/>
-          <a:p>
-            <a:pPr algn="ctr"/>
-            <a:endParaRPr lang="en-US"/>
-          </a:p>
-        </p:txBody>
-      </p:sp>
-      <p:sp>
-        <p:nvSpPr>
-          <p:cNvPr id="93" name="Oval 92"/>
-          <p:cNvSpPr/>
-          <p:nvPr/>
-        </p:nvSpPr>
-        <p:spPr>
-          <a:xfrm>
-            <a:off x="6470743" y="3101358"/>
-            <a:ext cx="180000" cy="180000"/>
-          </a:xfrm>
-          <a:prstGeom prst="ellipse">
-            <a:avLst/>
-          </a:prstGeom>
-          <a:solidFill>
-            <a:schemeClr val="accent2"/>
-          </a:solidFill>
-          <a:ln>
-            <a:noFill/>
-          </a:ln>
-        </p:spPr>
-        <p:style>
-          <a:lnRef idx="2">
-            <a:schemeClr val="accent1">
-              <a:shade val="50000"/>
-            </a:schemeClr>
-          </a:lnRef>
-          <a:fillRef idx="1">
-            <a:schemeClr val="accent1"/>
-          </a:fillRef>
-          <a:effectRef idx="0">
-            <a:schemeClr val="accent1"/>
-          </a:effectRef>
-          <a:fontRef idx="minor">
-            <a:schemeClr val="lt1"/>
-          </a:fontRef>
-        </p:style>
-        <p:txBody>
-          <a:bodyPr rtlCol="0" anchor="ctr"/>
-          <a:lstStyle/>
-          <a:p>
-            <a:pPr algn="ctr"/>
-            <a:endParaRPr lang="en-US"/>
-          </a:p>
-        </p:txBody>
-      </p:sp>
-      <p:sp>
-        <p:nvSpPr>
-          <p:cNvPr id="98" name="Oval 97"/>
-          <p:cNvSpPr/>
-          <p:nvPr/>
-        </p:nvSpPr>
-        <p:spPr>
-          <a:xfrm>
-            <a:off x="2152726" y="4543446"/>
-            <a:ext cx="180000" cy="180000"/>
-          </a:xfrm>
-          <a:prstGeom prst="ellipse">
-            <a:avLst/>
-          </a:prstGeom>
-          <a:solidFill>
-            <a:schemeClr val="accent2"/>
-          </a:solidFill>
-          <a:ln>
-            <a:noFill/>
-          </a:ln>
-        </p:spPr>
-        <p:style>
-          <a:lnRef idx="2">
-            <a:schemeClr val="accent1">
-              <a:shade val="50000"/>
-            </a:schemeClr>
-          </a:lnRef>
-          <a:fillRef idx="1">
-            <a:schemeClr val="accent1"/>
-          </a:fillRef>
-          <a:effectRef idx="0">
-            <a:schemeClr val="accent1"/>
-          </a:effectRef>
-          <a:fontRef idx="minor">
-            <a:schemeClr val="lt1"/>
-          </a:fontRef>
-        </p:style>
-        <p:txBody>
-          <a:bodyPr rtlCol="0" anchor="ctr"/>
-          <a:lstStyle/>
-          <a:p>
-            <a:pPr algn="ctr"/>
-            <a:endParaRPr lang="en-US"/>
-          </a:p>
-        </p:txBody>
-      </p:sp>
-      <p:sp>
-        <p:nvSpPr>
-          <p:cNvPr id="101" name="Oval 100"/>
-          <p:cNvSpPr/>
-          <p:nvPr/>
-        </p:nvSpPr>
-        <p:spPr>
-          <a:xfrm>
-            <a:off x="6472726" y="4543446"/>
-            <a:ext cx="180000" cy="180000"/>
-          </a:xfrm>
-          <a:prstGeom prst="ellipse">
-            <a:avLst/>
-          </a:prstGeom>
-          <a:solidFill>
-            <a:schemeClr val="accent2"/>
-          </a:solidFill>
-          <a:ln>
-            <a:noFill/>
-          </a:ln>
-        </p:spPr>
-        <p:style>
-          <a:lnRef idx="2">
-            <a:schemeClr val="accent1">
-              <a:shade val="50000"/>
-            </a:schemeClr>
-          </a:lnRef>
-          <a:fillRef idx="1">
-            <a:schemeClr val="accent1"/>
-          </a:fillRef>
-          <a:effectRef idx="0">
-            <a:schemeClr val="accent1"/>
-          </a:effectRef>
-          <a:fontRef idx="minor">
-            <a:schemeClr val="lt1"/>
-          </a:fontRef>
-        </p:style>
-        <p:txBody>
-          <a:bodyPr rtlCol="0" anchor="ctr"/>
-          <a:lstStyle/>
-          <a:p>
-            <a:pPr algn="ctr"/>
-            <a:endParaRPr lang="en-US"/>
-          </a:p>
-        </p:txBody>
-      </p:sp>
-      <p:sp>
-        <p:nvSpPr>
-          <p:cNvPr id="102" name="Oval 101"/>
-          <p:cNvSpPr/>
-          <p:nvPr/>
-        </p:nvSpPr>
-        <p:spPr>
-          <a:xfrm>
-            <a:off x="2098022" y="6036167"/>
-            <a:ext cx="180000" cy="180000"/>
-          </a:xfrm>
-          <a:prstGeom prst="ellipse">
-            <a:avLst/>
-          </a:prstGeom>
-          <a:solidFill>
-            <a:schemeClr val="accent2"/>
-          </a:solidFill>
-          <a:ln>
-            <a:noFill/>
-          </a:ln>
-        </p:spPr>
-        <p:style>
-          <a:lnRef idx="2">
-            <a:schemeClr val="accent1">
-              <a:shade val="50000"/>
-            </a:schemeClr>
-          </a:lnRef>
-          <a:fillRef idx="1">
-            <a:schemeClr val="accent1"/>
-          </a:fillRef>
-          <a:effectRef idx="0">
-            <a:schemeClr val="accent1"/>
-          </a:effectRef>
-          <a:fontRef idx="minor">
-            <a:schemeClr val="lt1"/>
-          </a:fontRef>
-        </p:style>
-        <p:txBody>
-          <a:bodyPr rtlCol="0" anchor="ctr"/>
-          <a:lstStyle/>
-          <a:p>
-            <a:pPr algn="ctr"/>
-            <a:endParaRPr lang="en-US"/>
-          </a:p>
-        </p:txBody>
-      </p:sp>
-      <p:sp>
-        <p:nvSpPr>
-          <p:cNvPr id="103" name="Oval 102"/>
-          <p:cNvSpPr/>
-          <p:nvPr/>
-        </p:nvSpPr>
-        <p:spPr>
-          <a:xfrm>
-            <a:off x="3538022" y="6036167"/>
-            <a:ext cx="180000" cy="180000"/>
-          </a:xfrm>
-          <a:prstGeom prst="ellipse">
-            <a:avLst/>
-          </a:prstGeom>
-          <a:solidFill>
-            <a:schemeClr val="accent2"/>
-          </a:solidFill>
-          <a:ln>
-            <a:noFill/>
-          </a:ln>
-        </p:spPr>
-        <p:style>
-          <a:lnRef idx="2">
-            <a:schemeClr val="accent1">
-              <a:shade val="50000"/>
-            </a:schemeClr>
-          </a:lnRef>
-          <a:fillRef idx="1">
-            <a:schemeClr val="accent1"/>
-          </a:fillRef>
-          <a:effectRef idx="0">
-            <a:schemeClr val="accent1"/>
-          </a:effectRef>
-          <a:fontRef idx="minor">
-            <a:schemeClr val="lt1"/>
-          </a:fontRef>
-        </p:style>
-        <p:txBody>
-          <a:bodyPr rtlCol="0" anchor="ctr"/>
-          <a:lstStyle/>
-          <a:p>
-            <a:pPr algn="ctr"/>
-            <a:endParaRPr lang="en-US"/>
-          </a:p>
-        </p:txBody>
-      </p:sp>
-      <p:sp>
-        <p:nvSpPr>
-          <p:cNvPr id="104" name="Oval 103"/>
-          <p:cNvSpPr/>
-          <p:nvPr/>
-        </p:nvSpPr>
-        <p:spPr>
-          <a:xfrm>
-            <a:off x="4978022" y="6036167"/>
-            <a:ext cx="180000" cy="180000"/>
-          </a:xfrm>
-          <a:prstGeom prst="ellipse">
-            <a:avLst/>
-          </a:prstGeom>
-          <a:solidFill>
-            <a:schemeClr val="accent2"/>
-          </a:solidFill>
-          <a:ln>
-            <a:noFill/>
-          </a:ln>
-        </p:spPr>
-        <p:style>
-          <a:lnRef idx="2">
-            <a:schemeClr val="accent1">
-              <a:shade val="50000"/>
-            </a:schemeClr>
-          </a:lnRef>
-          <a:fillRef idx="1">
-            <a:schemeClr val="accent1"/>
-          </a:fillRef>
-          <a:effectRef idx="0">
-            <a:schemeClr val="accent1"/>
-          </a:effectRef>
-          <a:fontRef idx="minor">
-            <a:schemeClr val="lt1"/>
-          </a:fontRef>
-        </p:style>
-        <p:txBody>
-          <a:bodyPr rtlCol="0" anchor="ctr"/>
-          <a:lstStyle/>
-          <a:p>
-            <a:pPr algn="ctr"/>
-            <a:endParaRPr lang="en-US"/>
-          </a:p>
-        </p:txBody>
-      </p:sp>
-      <p:sp>
-        <p:nvSpPr>
-          <p:cNvPr id="105" name="Oval 104"/>
-          <p:cNvSpPr/>
-          <p:nvPr/>
-        </p:nvSpPr>
-        <p:spPr>
-          <a:xfrm>
-            <a:off x="6418022" y="6036167"/>
-            <a:ext cx="180000" cy="180000"/>
-          </a:xfrm>
-          <a:prstGeom prst="ellipse">
-            <a:avLst/>
-          </a:prstGeom>
-          <a:solidFill>
-            <a:schemeClr val="accent2"/>
-          </a:solidFill>
-          <a:ln>
-            <a:noFill/>
-          </a:ln>
-        </p:spPr>
-        <p:style>
-          <a:lnRef idx="2">
-            <a:schemeClr val="accent1">
-              <a:shade val="50000"/>
-            </a:schemeClr>
-          </a:lnRef>
-          <a:fillRef idx="1">
-            <a:schemeClr val="accent1"/>
-          </a:fillRef>
-          <a:effectRef idx="0">
-            <a:schemeClr val="accent1"/>
-          </a:effectRef>
-          <a:fontRef idx="minor">
-            <a:schemeClr val="lt1"/>
-          </a:fontRef>
-        </p:style>
-        <p:txBody>
-          <a:bodyPr rtlCol="0" anchor="ctr"/>
-          <a:lstStyle/>
-          <a:p>
-            <a:pPr algn="ctr"/>
-            <a:endParaRPr lang="en-US"/>
-          </a:p>
-        </p:txBody>
-      </p:sp>
-      <p:sp>
-        <p:nvSpPr>
-          <p:cNvPr id="955" name="Title 954"/>
-          <p:cNvSpPr>
-            <a:spLocks noGrp="1"/>
-          </p:cNvSpPr>
-          <p:nvPr>
-            <p:ph type="title"/>
-          </p:nvPr>
-        </p:nvSpPr>
-        <p:spPr/>
-        <p:txBody>
-          <a:bodyPr/>
-          <a:lstStyle/>
-          <a:p>
-            <a:r>
-              <a:rPr lang="en-US" dirty="0" smtClean="0"/>
-              <a:t>rupture</a:t>
-            </a:r>
-            <a:endParaRPr lang="en-US" dirty="0"/>
-          </a:p>
-        </p:txBody>
-      </p:sp>
-    </p:spTree>
-    <p:extLst>
-      <p:ext uri="{BB962C8B-B14F-4D97-AF65-F5344CB8AC3E}">
-        <p14:creationId xmlns:p14="http://schemas.microsoft.com/office/powerpoint/2010/main" val="331086880"/>
       </p:ext>
     </p:extLst>
   </p:cSld>
@@ -20134,6 +16891,45 @@
       </p:cxnSp>
       <p:cxnSp>
         <p:nvCxnSpPr>
+          <p:cNvPr id="867" name="Straight Connector 866"/>
+          <p:cNvCxnSpPr>
+            <a:stCxn id="2" idx="6"/>
+            <a:endCxn id="3" idx="2"/>
+          </p:cNvCxnSpPr>
+          <p:nvPr/>
+        </p:nvCxnSpPr>
+        <p:spPr>
+          <a:xfrm>
+            <a:off x="2908022" y="2161991"/>
+            <a:ext cx="1378341" cy="127279"/>
+          </a:xfrm>
+          <a:prstGeom prst="line">
+            <a:avLst/>
+          </a:prstGeom>
+          <a:ln w="19050">
+            <a:solidFill>
+              <a:schemeClr val="accent5"/>
+            </a:solidFill>
+            <a:prstDash val="lgDash"/>
+          </a:ln>
+        </p:spPr>
+        <p:style>
+          <a:lnRef idx="1">
+            <a:schemeClr val="accent1"/>
+          </a:lnRef>
+          <a:fillRef idx="0">
+            <a:schemeClr val="accent1"/>
+          </a:fillRef>
+          <a:effectRef idx="0">
+            <a:schemeClr val="accent1"/>
+          </a:effectRef>
+          <a:fontRef idx="minor">
+            <a:schemeClr val="tx1"/>
+          </a:fontRef>
+        </p:style>
+      </p:cxnSp>
+      <p:cxnSp>
+        <p:nvCxnSpPr>
           <p:cNvPr id="870" name="Straight Connector 869"/>
           <p:cNvCxnSpPr>
             <a:stCxn id="3" idx="6"/>
@@ -20335,7 +17131,7 @@
         </p:nvSpPr>
         <p:spPr>
           <a:xfrm>
-            <a:off x="4486084" y="3623240"/>
+            <a:off x="4268492" y="3606167"/>
             <a:ext cx="360000" cy="360000"/>
           </a:xfrm>
           <a:prstGeom prst="ellipse">
@@ -20465,7 +17261,7 @@
         </p:nvSpPr>
         <p:spPr>
           <a:xfrm>
-            <a:off x="3704561" y="2793035"/>
+            <a:off x="3500743" y="2829270"/>
             <a:ext cx="360000" cy="360000"/>
           </a:xfrm>
           <a:prstGeom prst="ellipse">
@@ -20636,8 +17432,8 @@
         </p:nvCxnSpPr>
         <p:spPr>
           <a:xfrm flipH="1">
-            <a:off x="2936126" y="3100314"/>
-            <a:ext cx="821156" cy="683765"/>
+            <a:off x="2936126" y="3136549"/>
+            <a:ext cx="617338" cy="647530"/>
           </a:xfrm>
           <a:prstGeom prst="line">
             <a:avLst/>
@@ -20674,8 +17470,8 @@
         </p:nvCxnSpPr>
         <p:spPr>
           <a:xfrm>
-            <a:off x="4011840" y="3100314"/>
-            <a:ext cx="526965" cy="575647"/>
+            <a:off x="3808022" y="3136549"/>
+            <a:ext cx="513191" cy="522339"/>
           </a:xfrm>
           <a:prstGeom prst="line">
             <a:avLst/>
@@ -20684,6 +17480,45 @@
             <a:solidFill>
               <a:schemeClr val="accent2"/>
             </a:solidFill>
+          </a:ln>
+        </p:spPr>
+        <p:style>
+          <a:lnRef idx="1">
+            <a:schemeClr val="accent1"/>
+          </a:lnRef>
+          <a:fillRef idx="0">
+            <a:schemeClr val="accent1"/>
+          </a:fillRef>
+          <a:effectRef idx="0">
+            <a:schemeClr val="accent1"/>
+          </a:effectRef>
+          <a:fontRef idx="minor">
+            <a:schemeClr val="tx1"/>
+          </a:fontRef>
+        </p:style>
+      </p:cxnSp>
+      <p:cxnSp>
+        <p:nvCxnSpPr>
+          <p:cNvPr id="893" name="Straight Connector 892"/>
+          <p:cNvCxnSpPr>
+            <a:stCxn id="883" idx="6"/>
+            <a:endCxn id="884" idx="2"/>
+          </p:cNvCxnSpPr>
+          <p:nvPr/>
+        </p:nvCxnSpPr>
+        <p:spPr>
+          <a:xfrm flipV="1">
+            <a:off x="2988847" y="3786167"/>
+            <a:ext cx="1279645" cy="125191"/>
+          </a:xfrm>
+          <a:prstGeom prst="line">
+            <a:avLst/>
+          </a:prstGeom>
+          <a:ln w="19050">
+            <a:solidFill>
+              <a:schemeClr val="accent5"/>
+            </a:solidFill>
+            <a:prstDash val="lgDash"/>
           </a:ln>
         </p:spPr>
         <p:style>
@@ -20712,8 +17547,8 @@
         </p:nvCxnSpPr>
         <p:spPr>
           <a:xfrm>
-            <a:off x="4846084" y="3803240"/>
-            <a:ext cx="1058298" cy="108118"/>
+            <a:off x="4628492" y="3786167"/>
+            <a:ext cx="1275890" cy="125191"/>
           </a:xfrm>
           <a:prstGeom prst="line">
             <a:avLst/>
@@ -20750,8 +17585,8 @@
         </p:nvCxnSpPr>
         <p:spPr>
           <a:xfrm flipH="1">
-            <a:off x="4793363" y="3227593"/>
-            <a:ext cx="327380" cy="448368"/>
+            <a:off x="4575771" y="3227593"/>
+            <a:ext cx="544972" cy="431295"/>
           </a:xfrm>
           <a:prstGeom prst="line">
             <a:avLst/>
@@ -20904,7 +17739,7 @@
         </p:nvSpPr>
         <p:spPr>
           <a:xfrm>
-            <a:off x="3886159" y="5139494"/>
+            <a:off x="4233642" y="4959494"/>
             <a:ext cx="360000" cy="360000"/>
           </a:xfrm>
           <a:prstGeom prst="ellipse">
@@ -21034,7 +17869,7 @@
         </p:nvSpPr>
         <p:spPr>
           <a:xfrm>
-            <a:off x="3023211" y="4506167"/>
+            <a:off x="3298591" y="4453446"/>
             <a:ext cx="360000" cy="360000"/>
           </a:xfrm>
           <a:prstGeom prst="ellipse">
@@ -21077,7 +17912,7 @@
         </p:nvSpPr>
         <p:spPr>
           <a:xfrm>
-            <a:off x="5151447" y="4411390"/>
+            <a:off x="4999008" y="4292215"/>
             <a:ext cx="360000" cy="360000"/>
           </a:xfrm>
           <a:prstGeom prst="ellipse">
@@ -21196,6 +18031,44 @@
       </p:cxnSp>
       <p:cxnSp>
         <p:nvCxnSpPr>
+          <p:cNvPr id="912" name="Straight Connector 911"/>
+          <p:cNvCxnSpPr>
+            <a:stCxn id="908" idx="3"/>
+            <a:endCxn id="904" idx="7"/>
+          </p:cNvCxnSpPr>
+          <p:nvPr/>
+        </p:nvCxnSpPr>
+        <p:spPr>
+          <a:xfrm flipH="1">
+            <a:off x="2855301" y="4760725"/>
+            <a:ext cx="496011" cy="671802"/>
+          </a:xfrm>
+          <a:prstGeom prst="line">
+            <a:avLst/>
+          </a:prstGeom>
+          <a:ln>
+            <a:solidFill>
+              <a:schemeClr val="accent2"/>
+            </a:solidFill>
+          </a:ln>
+        </p:spPr>
+        <p:style>
+          <a:lnRef idx="1">
+            <a:schemeClr val="accent1"/>
+          </a:lnRef>
+          <a:fillRef idx="0">
+            <a:schemeClr val="accent1"/>
+          </a:fillRef>
+          <a:effectRef idx="0">
+            <a:schemeClr val="accent1"/>
+          </a:effectRef>
+          <a:fontRef idx="minor">
+            <a:schemeClr val="tx1"/>
+          </a:fontRef>
+        </p:style>
+      </p:cxnSp>
+      <p:cxnSp>
+        <p:nvCxnSpPr>
           <p:cNvPr id="913" name="Straight Connector 912"/>
           <p:cNvCxnSpPr>
             <a:stCxn id="908" idx="5"/>
@@ -21205,8 +18078,8 @@
         </p:nvCxnSpPr>
         <p:spPr>
           <a:xfrm>
-            <a:off x="3330490" y="4813446"/>
-            <a:ext cx="608390" cy="378769"/>
+            <a:off x="3605870" y="4760725"/>
+            <a:ext cx="680493" cy="251490"/>
           </a:xfrm>
           <a:prstGeom prst="line">
             <a:avLst/>
@@ -21243,8 +18116,8 @@
         </p:nvCxnSpPr>
         <p:spPr>
           <a:xfrm flipV="1">
-            <a:off x="2908022" y="5319494"/>
-            <a:ext cx="978137" cy="240312"/>
+            <a:off x="2908022" y="5139494"/>
+            <a:ext cx="1325620" cy="420312"/>
           </a:xfrm>
           <a:prstGeom prst="line">
             <a:avLst/>
@@ -21253,6 +18126,45 @@
             <a:solidFill>
               <a:schemeClr val="accent2"/>
             </a:solidFill>
+          </a:ln>
+        </p:spPr>
+        <p:style>
+          <a:lnRef idx="1">
+            <a:schemeClr val="accent1"/>
+          </a:lnRef>
+          <a:fillRef idx="0">
+            <a:schemeClr val="accent1"/>
+          </a:fillRef>
+          <a:effectRef idx="0">
+            <a:schemeClr val="accent1"/>
+          </a:effectRef>
+          <a:fontRef idx="minor">
+            <a:schemeClr val="tx1"/>
+          </a:fontRef>
+        </p:style>
+      </p:cxnSp>
+      <p:cxnSp>
+        <p:nvCxnSpPr>
+          <p:cNvPr id="915" name="Straight Connector 914"/>
+          <p:cNvCxnSpPr>
+            <a:stCxn id="905" idx="6"/>
+            <a:endCxn id="906" idx="2"/>
+          </p:cNvCxnSpPr>
+          <p:nvPr/>
+        </p:nvCxnSpPr>
+        <p:spPr>
+          <a:xfrm>
+            <a:off x="4593642" y="5139494"/>
+            <a:ext cx="1324416" cy="307279"/>
+          </a:xfrm>
+          <a:prstGeom prst="line">
+            <a:avLst/>
+          </a:prstGeom>
+          <a:ln w="19050">
+            <a:solidFill>
+              <a:schemeClr val="accent5"/>
+            </a:solidFill>
+            <a:prstDash val="lgDash"/>
           </a:ln>
         </p:spPr>
         <p:style>
@@ -21281,8 +18193,8 @@
         </p:nvCxnSpPr>
         <p:spPr>
           <a:xfrm flipH="1">
-            <a:off x="4193438" y="4718669"/>
-            <a:ext cx="1010730" cy="473546"/>
+            <a:off x="4540921" y="4599494"/>
+            <a:ext cx="510808" cy="412721"/>
           </a:xfrm>
           <a:prstGeom prst="line">
             <a:avLst/>
@@ -21319,8 +18231,8 @@
         </p:nvCxnSpPr>
         <p:spPr>
           <a:xfrm>
-            <a:off x="5458726" y="4718669"/>
-            <a:ext cx="512053" cy="600825"/>
+            <a:off x="5306287" y="4599494"/>
+            <a:ext cx="664492" cy="720000"/>
           </a:xfrm>
           <a:prstGeom prst="line">
             <a:avLst/>
@@ -21647,8 +18559,8 @@
         </p:nvCxnSpPr>
         <p:spPr>
           <a:xfrm>
-            <a:off x="4193438" y="5446773"/>
-            <a:ext cx="747305" cy="552115"/>
+            <a:off x="4540921" y="5266773"/>
+            <a:ext cx="399822" cy="732115"/>
           </a:xfrm>
           <a:prstGeom prst="line">
             <a:avLst/>
@@ -21685,8 +18597,8 @@
         </p:nvCxnSpPr>
         <p:spPr>
           <a:xfrm flipV="1">
-            <a:off x="3755301" y="5446773"/>
-            <a:ext cx="183579" cy="552115"/>
+            <a:off x="3755301" y="5266773"/>
+            <a:ext cx="531062" cy="732115"/>
           </a:xfrm>
           <a:prstGeom prst="line">
             <a:avLst/>
@@ -21799,8 +18711,8 @@
         </p:nvCxnSpPr>
         <p:spPr>
           <a:xfrm>
-            <a:off x="5511447" y="4591390"/>
-            <a:ext cx="871279" cy="42056"/>
+            <a:off x="5359008" y="4472215"/>
+            <a:ext cx="1023718" cy="161231"/>
           </a:xfrm>
           <a:prstGeom prst="line">
             <a:avLst/>
@@ -21809,6 +18721,45 @@
             <a:solidFill>
               <a:schemeClr val="accent2"/>
             </a:solidFill>
+          </a:ln>
+        </p:spPr>
+        <p:style>
+          <a:lnRef idx="1">
+            <a:schemeClr val="accent1"/>
+          </a:lnRef>
+          <a:fillRef idx="0">
+            <a:schemeClr val="accent1"/>
+          </a:fillRef>
+          <a:effectRef idx="0">
+            <a:schemeClr val="accent1"/>
+          </a:effectRef>
+          <a:fontRef idx="minor">
+            <a:schemeClr val="tx1"/>
+          </a:fontRef>
+        </p:style>
+      </p:cxnSp>
+      <p:cxnSp>
+        <p:nvCxnSpPr>
+          <p:cNvPr id="977" name="Straight Connector 976"/>
+          <p:cNvCxnSpPr>
+            <a:stCxn id="908" idx="6"/>
+            <a:endCxn id="909" idx="2"/>
+          </p:cNvCxnSpPr>
+          <p:nvPr/>
+        </p:nvCxnSpPr>
+        <p:spPr>
+          <a:xfrm flipV="1">
+            <a:off x="3658591" y="4472215"/>
+            <a:ext cx="1340417" cy="161231"/>
+          </a:xfrm>
+          <a:prstGeom prst="line">
+            <a:avLst/>
+          </a:prstGeom>
+          <a:ln w="19050">
+            <a:solidFill>
+              <a:schemeClr val="accent5"/>
+            </a:solidFill>
+            <a:prstDash val="lgDash"/>
           </a:ln>
         </p:spPr>
         <p:style>
@@ -21838,7 +18789,7 @@
         <p:spPr>
           <a:xfrm>
             <a:off x="2422726" y="4633446"/>
-            <a:ext cx="600485" cy="52721"/>
+            <a:ext cx="875865" cy="0"/>
           </a:xfrm>
           <a:prstGeom prst="line">
             <a:avLst/>
@@ -21876,7 +18827,7 @@
         <p:spPr>
           <a:xfrm>
             <a:off x="2936126" y="4038637"/>
-            <a:ext cx="139806" cy="520251"/>
+            <a:ext cx="415186" cy="467530"/>
           </a:xfrm>
           <a:prstGeom prst="line">
             <a:avLst/>
@@ -21913,8 +18864,8 @@
         </p:nvCxnSpPr>
         <p:spPr>
           <a:xfrm flipV="1">
-            <a:off x="3330490" y="3930519"/>
-            <a:ext cx="1208315" cy="628369"/>
+            <a:off x="3605870" y="3913446"/>
+            <a:ext cx="715343" cy="592721"/>
           </a:xfrm>
           <a:prstGeom prst="line">
             <a:avLst/>
@@ -21951,8 +18902,8 @@
         </p:nvCxnSpPr>
         <p:spPr>
           <a:xfrm>
-            <a:off x="4793363" y="3930519"/>
-            <a:ext cx="410805" cy="533592"/>
+            <a:off x="4575771" y="3913446"/>
+            <a:ext cx="475958" cy="431490"/>
           </a:xfrm>
           <a:prstGeom prst="line">
             <a:avLst/>
@@ -21989,8 +18940,8 @@
         </p:nvCxnSpPr>
         <p:spPr>
           <a:xfrm flipV="1">
-            <a:off x="5458726" y="4038637"/>
-            <a:ext cx="498377" cy="425474"/>
+            <a:off x="5306287" y="4038637"/>
+            <a:ext cx="650816" cy="306299"/>
           </a:xfrm>
           <a:prstGeom prst="line">
             <a:avLst/>
@@ -22103,8 +19054,8 @@
         </p:nvCxnSpPr>
         <p:spPr>
           <a:xfrm flipV="1">
-            <a:off x="2420743" y="2973035"/>
-            <a:ext cx="1283818" cy="218323"/>
+            <a:off x="2420743" y="3009270"/>
+            <a:ext cx="1080000" cy="182088"/>
           </a:xfrm>
           <a:prstGeom prst="line">
             <a:avLst/>
@@ -22141,8 +19092,8 @@
         </p:nvCxnSpPr>
         <p:spPr>
           <a:xfrm>
-            <a:off x="4064561" y="2973035"/>
-            <a:ext cx="1003461" cy="127279"/>
+            <a:off x="3860743" y="3009270"/>
+            <a:ext cx="1207279" cy="91044"/>
           </a:xfrm>
           <a:prstGeom prst="line">
             <a:avLst/>
@@ -22218,7 +19169,7 @@
         <p:spPr>
           <a:xfrm>
             <a:off x="2855301" y="2289270"/>
-            <a:ext cx="901981" cy="556486"/>
+            <a:ext cx="698163" cy="592721"/>
           </a:xfrm>
           <a:prstGeom prst="line">
             <a:avLst/>
@@ -22369,8 +19320,8 @@
         </p:nvCxnSpPr>
         <p:spPr>
           <a:xfrm flipH="1">
-            <a:off x="4011840" y="2416549"/>
-            <a:ext cx="327244" cy="429207"/>
+            <a:off x="3808022" y="2416549"/>
+            <a:ext cx="531062" cy="465442"/>
           </a:xfrm>
           <a:prstGeom prst="line">
             <a:avLst/>
@@ -23003,172 +19954,16 @@
           <a:p>
             <a:r>
               <a:rPr lang="en-US" dirty="0" smtClean="0"/>
-              <a:t>stabilize</a:t>
+              <a:t>rupture</a:t>
             </a:r>
             <a:endParaRPr lang="en-US" dirty="0"/>
           </a:p>
         </p:txBody>
       </p:sp>
-      <p:cxnSp>
-        <p:nvCxnSpPr>
-          <p:cNvPr id="6" name="Straight Connector 5"/>
-          <p:cNvCxnSpPr>
-            <a:stCxn id="2" idx="6"/>
-            <a:endCxn id="3" idx="2"/>
-          </p:cNvCxnSpPr>
-          <p:nvPr/>
-        </p:nvCxnSpPr>
-        <p:spPr>
-          <a:xfrm>
-            <a:off x="2908022" y="2161991"/>
-            <a:ext cx="1378341" cy="127279"/>
-          </a:xfrm>
-          <a:prstGeom prst="line">
-            <a:avLst/>
-          </a:prstGeom>
-          <a:ln w="19050">
-            <a:solidFill>
-              <a:schemeClr val="accent5"/>
-            </a:solidFill>
-            <a:prstDash val="lgDash"/>
-          </a:ln>
-        </p:spPr>
-        <p:style>
-          <a:lnRef idx="1">
-            <a:schemeClr val="accent1"/>
-          </a:lnRef>
-          <a:fillRef idx="0">
-            <a:schemeClr val="accent1"/>
-          </a:fillRef>
-          <a:effectRef idx="0">
-            <a:schemeClr val="accent1"/>
-          </a:effectRef>
-          <a:fontRef idx="minor">
-            <a:schemeClr val="tx1"/>
-          </a:fontRef>
-        </p:style>
-      </p:cxnSp>
-      <p:cxnSp>
-        <p:nvCxnSpPr>
-          <p:cNvPr id="8" name="Straight Connector 7"/>
-          <p:cNvCxnSpPr>
-            <a:stCxn id="883" idx="6"/>
-            <a:endCxn id="884" idx="2"/>
-          </p:cNvCxnSpPr>
-          <p:nvPr/>
-        </p:nvCxnSpPr>
-        <p:spPr>
-          <a:xfrm flipV="1">
-            <a:off x="2988847" y="3803240"/>
-            <a:ext cx="1497237" cy="108118"/>
-          </a:xfrm>
-          <a:prstGeom prst="line">
-            <a:avLst/>
-          </a:prstGeom>
-          <a:ln w="19050">
-            <a:solidFill>
-              <a:schemeClr val="accent5"/>
-            </a:solidFill>
-            <a:prstDash val="lgDash"/>
-          </a:ln>
-        </p:spPr>
-        <p:style>
-          <a:lnRef idx="1">
-            <a:schemeClr val="accent1"/>
-          </a:lnRef>
-          <a:fillRef idx="0">
-            <a:schemeClr val="accent1"/>
-          </a:fillRef>
-          <a:effectRef idx="0">
-            <a:schemeClr val="accent1"/>
-          </a:effectRef>
-          <a:fontRef idx="minor">
-            <a:schemeClr val="tx1"/>
-          </a:fontRef>
-        </p:style>
-      </p:cxnSp>
-      <p:cxnSp>
-        <p:nvCxnSpPr>
-          <p:cNvPr id="10" name="Straight Connector 9"/>
-          <p:cNvCxnSpPr>
-            <a:stCxn id="908" idx="6"/>
-            <a:endCxn id="909" idx="2"/>
-          </p:cNvCxnSpPr>
-          <p:nvPr/>
-        </p:nvCxnSpPr>
-        <p:spPr>
-          <a:xfrm flipV="1">
-            <a:off x="3383211" y="4591390"/>
-            <a:ext cx="1768236" cy="94777"/>
-          </a:xfrm>
-          <a:prstGeom prst="line">
-            <a:avLst/>
-          </a:prstGeom>
-          <a:ln w="19050">
-            <a:solidFill>
-              <a:schemeClr val="accent5"/>
-            </a:solidFill>
-            <a:prstDash val="lgDash"/>
-          </a:ln>
-        </p:spPr>
-        <p:style>
-          <a:lnRef idx="1">
-            <a:schemeClr val="accent1"/>
-          </a:lnRef>
-          <a:fillRef idx="0">
-            <a:schemeClr val="accent1"/>
-          </a:fillRef>
-          <a:effectRef idx="0">
-            <a:schemeClr val="accent1"/>
-          </a:effectRef>
-          <a:fontRef idx="minor">
-            <a:schemeClr val="tx1"/>
-          </a:fontRef>
-        </p:style>
-      </p:cxnSp>
-      <p:cxnSp>
-        <p:nvCxnSpPr>
-          <p:cNvPr id="12" name="Straight Connector 11"/>
-          <p:cNvCxnSpPr>
-            <a:stCxn id="905" idx="6"/>
-            <a:endCxn id="906" idx="2"/>
-          </p:cNvCxnSpPr>
-          <p:nvPr/>
-        </p:nvCxnSpPr>
-        <p:spPr>
-          <a:xfrm>
-            <a:off x="4246159" y="5319494"/>
-            <a:ext cx="1671899" cy="127279"/>
-          </a:xfrm>
-          <a:prstGeom prst="line">
-            <a:avLst/>
-          </a:prstGeom>
-          <a:ln w="19050">
-            <a:solidFill>
-              <a:schemeClr val="accent5"/>
-            </a:solidFill>
-            <a:prstDash val="lgDash"/>
-          </a:ln>
-        </p:spPr>
-        <p:style>
-          <a:lnRef idx="1">
-            <a:schemeClr val="accent1"/>
-          </a:lnRef>
-          <a:fillRef idx="0">
-            <a:schemeClr val="accent1"/>
-          </a:fillRef>
-          <a:effectRef idx="0">
-            <a:schemeClr val="accent1"/>
-          </a:effectRef>
-          <a:fontRef idx="minor">
-            <a:schemeClr val="tx1"/>
-          </a:fontRef>
-        </p:style>
-      </p:cxnSp>
     </p:spTree>
     <p:extLst>
       <p:ext uri="{BB962C8B-B14F-4D97-AF65-F5344CB8AC3E}">
-        <p14:creationId xmlns:p14="http://schemas.microsoft.com/office/powerpoint/2010/main" val="2047022052"/>
+        <p14:creationId xmlns:p14="http://schemas.microsoft.com/office/powerpoint/2010/main" val="331086880"/>
       </p:ext>
     </p:extLst>
   </p:cSld>
@@ -23204,6 +19999,3531 @@
       </p:grpSpPr>
       <p:sp>
         <p:nvSpPr>
+          <p:cNvPr id="2" name="Oval 1"/>
+          <p:cNvSpPr/>
+          <p:nvPr/>
+        </p:nvSpPr>
+        <p:spPr>
+          <a:xfrm>
+            <a:off x="2548022" y="1981991"/>
+            <a:ext cx="360000" cy="360000"/>
+          </a:xfrm>
+          <a:prstGeom prst="ellipse">
+            <a:avLst/>
+          </a:prstGeom>
+          <a:ln>
+            <a:noFill/>
+          </a:ln>
+        </p:spPr>
+        <p:style>
+          <a:lnRef idx="2">
+            <a:schemeClr val="accent1">
+              <a:shade val="50000"/>
+            </a:schemeClr>
+          </a:lnRef>
+          <a:fillRef idx="1">
+            <a:schemeClr val="accent1"/>
+          </a:fillRef>
+          <a:effectRef idx="0">
+            <a:schemeClr val="accent1"/>
+          </a:effectRef>
+          <a:fontRef idx="minor">
+            <a:schemeClr val="lt1"/>
+          </a:fontRef>
+        </p:style>
+        <p:txBody>
+          <a:bodyPr rtlCol="0" anchor="ctr"/>
+          <a:lstStyle/>
+          <a:p>
+            <a:pPr algn="ctr"/>
+            <a:endParaRPr lang="en-US">
+              <a:ln w="0"/>
+              <a:solidFill>
+                <a:schemeClr val="accent1"/>
+              </a:solidFill>
+              <a:effectLst>
+                <a:outerShdw blurRad="38100" dist="25400" dir="5400000" algn="ctr" rotWithShape="0">
+                  <a:srgbClr val="6E747A">
+                    <a:alpha val="43000"/>
+                  </a:srgbClr>
+                </a:outerShdw>
+              </a:effectLst>
+            </a:endParaRPr>
+          </a:p>
+        </p:txBody>
+      </p:sp>
+      <p:sp>
+        <p:nvSpPr>
+          <p:cNvPr id="3" name="Oval 2"/>
+          <p:cNvSpPr/>
+          <p:nvPr/>
+        </p:nvSpPr>
+        <p:spPr>
+          <a:xfrm>
+            <a:off x="4286363" y="2109270"/>
+            <a:ext cx="360000" cy="360000"/>
+          </a:xfrm>
+          <a:prstGeom prst="ellipse">
+            <a:avLst/>
+          </a:prstGeom>
+          <a:ln>
+            <a:noFill/>
+          </a:ln>
+        </p:spPr>
+        <p:style>
+          <a:lnRef idx="2">
+            <a:schemeClr val="accent1">
+              <a:shade val="50000"/>
+            </a:schemeClr>
+          </a:lnRef>
+          <a:fillRef idx="1">
+            <a:schemeClr val="accent1"/>
+          </a:fillRef>
+          <a:effectRef idx="0">
+            <a:schemeClr val="accent1"/>
+          </a:effectRef>
+          <a:fontRef idx="minor">
+            <a:schemeClr val="lt1"/>
+          </a:fontRef>
+        </p:style>
+        <p:txBody>
+          <a:bodyPr rtlCol="0" anchor="ctr"/>
+          <a:lstStyle/>
+          <a:p>
+            <a:pPr algn="ctr"/>
+            <a:endParaRPr lang="en-US">
+              <a:ln w="0"/>
+              <a:solidFill>
+                <a:schemeClr val="accent1"/>
+              </a:solidFill>
+              <a:effectLst>
+                <a:outerShdw blurRad="38100" dist="25400" dir="5400000" algn="ctr" rotWithShape="0">
+                  <a:srgbClr val="6E747A">
+                    <a:alpha val="43000"/>
+                  </a:srgbClr>
+                </a:outerShdw>
+              </a:effectLst>
+            </a:endParaRPr>
+          </a:p>
+        </p:txBody>
+      </p:sp>
+      <p:sp>
+        <p:nvSpPr>
+          <p:cNvPr id="4" name="Oval 3"/>
+          <p:cNvSpPr/>
+          <p:nvPr/>
+        </p:nvSpPr>
+        <p:spPr>
+          <a:xfrm>
+            <a:off x="5815374" y="2289270"/>
+            <a:ext cx="360000" cy="360000"/>
+          </a:xfrm>
+          <a:prstGeom prst="ellipse">
+            <a:avLst/>
+          </a:prstGeom>
+          <a:ln>
+            <a:noFill/>
+          </a:ln>
+        </p:spPr>
+        <p:style>
+          <a:lnRef idx="2">
+            <a:schemeClr val="accent1">
+              <a:shade val="50000"/>
+            </a:schemeClr>
+          </a:lnRef>
+          <a:fillRef idx="1">
+            <a:schemeClr val="accent1"/>
+          </a:fillRef>
+          <a:effectRef idx="0">
+            <a:schemeClr val="accent1"/>
+          </a:effectRef>
+          <a:fontRef idx="minor">
+            <a:schemeClr val="lt1"/>
+          </a:fontRef>
+        </p:style>
+        <p:txBody>
+          <a:bodyPr rtlCol="0" anchor="ctr"/>
+          <a:lstStyle/>
+          <a:p>
+            <a:pPr algn="ctr"/>
+            <a:endParaRPr lang="en-US">
+              <a:ln w="0"/>
+              <a:solidFill>
+                <a:schemeClr val="accent1"/>
+              </a:solidFill>
+              <a:effectLst>
+                <a:outerShdw blurRad="38100" dist="25400" dir="5400000" algn="ctr" rotWithShape="0">
+                  <a:srgbClr val="6E747A">
+                    <a:alpha val="43000"/>
+                  </a:srgbClr>
+                </a:outerShdw>
+              </a:effectLst>
+            </a:endParaRPr>
+          </a:p>
+        </p:txBody>
+      </p:sp>
+      <p:sp>
+        <p:nvSpPr>
+          <p:cNvPr id="33" name="Oval 32"/>
+          <p:cNvSpPr/>
+          <p:nvPr/>
+        </p:nvSpPr>
+        <p:spPr>
+          <a:xfrm>
+            <a:off x="2058400" y="1564571"/>
+            <a:ext cx="360000" cy="360000"/>
+          </a:xfrm>
+          <a:prstGeom prst="ellipse">
+            <a:avLst/>
+          </a:prstGeom>
+          <a:noFill/>
+          <a:ln>
+            <a:noFill/>
+          </a:ln>
+        </p:spPr>
+        <p:style>
+          <a:lnRef idx="2">
+            <a:schemeClr val="accent1">
+              <a:shade val="50000"/>
+            </a:schemeClr>
+          </a:lnRef>
+          <a:fillRef idx="1">
+            <a:schemeClr val="accent1"/>
+          </a:fillRef>
+          <a:effectRef idx="0">
+            <a:schemeClr val="accent1"/>
+          </a:effectRef>
+          <a:fontRef idx="minor">
+            <a:schemeClr val="lt1"/>
+          </a:fontRef>
+        </p:style>
+        <p:txBody>
+          <a:bodyPr rtlCol="0" anchor="ctr"/>
+          <a:lstStyle/>
+          <a:p>
+            <a:pPr algn="ctr"/>
+            <a:endParaRPr lang="en-US"/>
+          </a:p>
+        </p:txBody>
+      </p:sp>
+      <p:sp>
+        <p:nvSpPr>
+          <p:cNvPr id="34" name="Oval 33"/>
+          <p:cNvSpPr/>
+          <p:nvPr/>
+        </p:nvSpPr>
+        <p:spPr>
+          <a:xfrm>
+            <a:off x="3498400" y="1564571"/>
+            <a:ext cx="360000" cy="360000"/>
+          </a:xfrm>
+          <a:prstGeom prst="ellipse">
+            <a:avLst/>
+          </a:prstGeom>
+          <a:noFill/>
+          <a:ln>
+            <a:noFill/>
+          </a:ln>
+        </p:spPr>
+        <p:style>
+          <a:lnRef idx="2">
+            <a:schemeClr val="accent1">
+              <a:shade val="50000"/>
+            </a:schemeClr>
+          </a:lnRef>
+          <a:fillRef idx="1">
+            <a:schemeClr val="accent1"/>
+          </a:fillRef>
+          <a:effectRef idx="0">
+            <a:schemeClr val="accent1"/>
+          </a:effectRef>
+          <a:fontRef idx="minor">
+            <a:schemeClr val="lt1"/>
+          </a:fontRef>
+        </p:style>
+        <p:txBody>
+          <a:bodyPr rtlCol="0" anchor="ctr"/>
+          <a:lstStyle/>
+          <a:p>
+            <a:pPr algn="ctr"/>
+            <a:endParaRPr lang="en-US"/>
+          </a:p>
+        </p:txBody>
+      </p:sp>
+      <p:sp>
+        <p:nvSpPr>
+          <p:cNvPr id="35" name="Oval 34"/>
+          <p:cNvSpPr/>
+          <p:nvPr/>
+        </p:nvSpPr>
+        <p:spPr>
+          <a:xfrm>
+            <a:off x="4938400" y="1564571"/>
+            <a:ext cx="360000" cy="360000"/>
+          </a:xfrm>
+          <a:prstGeom prst="ellipse">
+            <a:avLst/>
+          </a:prstGeom>
+          <a:noFill/>
+          <a:ln>
+            <a:noFill/>
+          </a:ln>
+        </p:spPr>
+        <p:style>
+          <a:lnRef idx="2">
+            <a:schemeClr val="accent1">
+              <a:shade val="50000"/>
+            </a:schemeClr>
+          </a:lnRef>
+          <a:fillRef idx="1">
+            <a:schemeClr val="accent1"/>
+          </a:fillRef>
+          <a:effectRef idx="0">
+            <a:schemeClr val="accent1"/>
+          </a:effectRef>
+          <a:fontRef idx="minor">
+            <a:schemeClr val="lt1"/>
+          </a:fontRef>
+        </p:style>
+        <p:txBody>
+          <a:bodyPr rtlCol="0" anchor="ctr"/>
+          <a:lstStyle/>
+          <a:p>
+            <a:pPr algn="ctr"/>
+            <a:endParaRPr lang="en-US"/>
+          </a:p>
+        </p:txBody>
+      </p:sp>
+      <p:sp>
+        <p:nvSpPr>
+          <p:cNvPr id="32" name="Oval 31"/>
+          <p:cNvSpPr/>
+          <p:nvPr/>
+        </p:nvSpPr>
+        <p:spPr>
+          <a:xfrm rot="5400000">
+            <a:off x="6378400" y="1564571"/>
+            <a:ext cx="360000" cy="360000"/>
+          </a:xfrm>
+          <a:prstGeom prst="ellipse">
+            <a:avLst/>
+          </a:prstGeom>
+          <a:noFill/>
+          <a:ln>
+            <a:noFill/>
+          </a:ln>
+        </p:spPr>
+        <p:style>
+          <a:lnRef idx="2">
+            <a:schemeClr val="accent1">
+              <a:shade val="50000"/>
+            </a:schemeClr>
+          </a:lnRef>
+          <a:fillRef idx="1">
+            <a:schemeClr val="accent1"/>
+          </a:fillRef>
+          <a:effectRef idx="0">
+            <a:schemeClr val="accent1"/>
+          </a:effectRef>
+          <a:fontRef idx="minor">
+            <a:schemeClr val="lt1"/>
+          </a:fontRef>
+        </p:style>
+        <p:txBody>
+          <a:bodyPr rtlCol="0" anchor="ctr"/>
+          <a:lstStyle/>
+          <a:p>
+            <a:pPr algn="ctr"/>
+            <a:endParaRPr lang="en-US"/>
+          </a:p>
+        </p:txBody>
+      </p:sp>
+      <p:cxnSp>
+        <p:nvCxnSpPr>
+          <p:cNvPr id="403" name="Straight Connector 402"/>
+          <p:cNvCxnSpPr>
+            <a:stCxn id="33" idx="5"/>
+            <a:endCxn id="2" idx="1"/>
+          </p:cNvCxnSpPr>
+          <p:nvPr/>
+        </p:nvCxnSpPr>
+        <p:spPr>
+          <a:xfrm>
+            <a:off x="2365679" y="1871850"/>
+            <a:ext cx="235064" cy="162862"/>
+          </a:xfrm>
+          <a:prstGeom prst="line">
+            <a:avLst/>
+          </a:prstGeom>
+          <a:ln>
+            <a:solidFill>
+              <a:schemeClr val="accent2"/>
+            </a:solidFill>
+          </a:ln>
+        </p:spPr>
+        <p:style>
+          <a:lnRef idx="1">
+            <a:schemeClr val="accent1"/>
+          </a:lnRef>
+          <a:fillRef idx="0">
+            <a:schemeClr val="accent1"/>
+          </a:fillRef>
+          <a:effectRef idx="0">
+            <a:schemeClr val="accent1"/>
+          </a:effectRef>
+          <a:fontRef idx="minor">
+            <a:schemeClr val="tx1"/>
+          </a:fontRef>
+        </p:style>
+      </p:cxnSp>
+      <p:cxnSp>
+        <p:nvCxnSpPr>
+          <p:cNvPr id="861" name="Straight Connector 860"/>
+          <p:cNvCxnSpPr>
+            <a:stCxn id="34" idx="3"/>
+            <a:endCxn id="2" idx="7"/>
+          </p:cNvCxnSpPr>
+          <p:nvPr/>
+        </p:nvCxnSpPr>
+        <p:spPr>
+          <a:xfrm flipH="1">
+            <a:off x="2855301" y="1871850"/>
+            <a:ext cx="695820" cy="162862"/>
+          </a:xfrm>
+          <a:prstGeom prst="line">
+            <a:avLst/>
+          </a:prstGeom>
+          <a:ln>
+            <a:solidFill>
+              <a:schemeClr val="accent2"/>
+            </a:solidFill>
+          </a:ln>
+        </p:spPr>
+        <p:style>
+          <a:lnRef idx="1">
+            <a:schemeClr val="accent1"/>
+          </a:lnRef>
+          <a:fillRef idx="0">
+            <a:schemeClr val="accent1"/>
+          </a:fillRef>
+          <a:effectRef idx="0">
+            <a:schemeClr val="accent1"/>
+          </a:effectRef>
+          <a:fontRef idx="minor">
+            <a:schemeClr val="tx1"/>
+          </a:fontRef>
+        </p:style>
+      </p:cxnSp>
+      <p:cxnSp>
+        <p:nvCxnSpPr>
+          <p:cNvPr id="864" name="Straight Connector 863"/>
+          <p:cNvCxnSpPr>
+            <a:stCxn id="34" idx="5"/>
+            <a:endCxn id="3" idx="1"/>
+          </p:cNvCxnSpPr>
+          <p:nvPr/>
+        </p:nvCxnSpPr>
+        <p:spPr>
+          <a:xfrm>
+            <a:off x="3805679" y="1871850"/>
+            <a:ext cx="533405" cy="290141"/>
+          </a:xfrm>
+          <a:prstGeom prst="line">
+            <a:avLst/>
+          </a:prstGeom>
+          <a:ln>
+            <a:solidFill>
+              <a:schemeClr val="accent2"/>
+            </a:solidFill>
+          </a:ln>
+        </p:spPr>
+        <p:style>
+          <a:lnRef idx="1">
+            <a:schemeClr val="accent1"/>
+          </a:lnRef>
+          <a:fillRef idx="0">
+            <a:schemeClr val="accent1"/>
+          </a:fillRef>
+          <a:effectRef idx="0">
+            <a:schemeClr val="accent1"/>
+          </a:effectRef>
+          <a:fontRef idx="minor">
+            <a:schemeClr val="tx1"/>
+          </a:fontRef>
+        </p:style>
+      </p:cxnSp>
+      <p:cxnSp>
+        <p:nvCxnSpPr>
+          <p:cNvPr id="870" name="Straight Connector 869"/>
+          <p:cNvCxnSpPr>
+            <a:stCxn id="3" idx="6"/>
+            <a:endCxn id="4" idx="2"/>
+          </p:cNvCxnSpPr>
+          <p:nvPr/>
+        </p:nvCxnSpPr>
+        <p:spPr>
+          <a:xfrm>
+            <a:off x="4646363" y="2289270"/>
+            <a:ext cx="1169011" cy="180000"/>
+          </a:xfrm>
+          <a:prstGeom prst="line">
+            <a:avLst/>
+          </a:prstGeom>
+          <a:ln>
+            <a:solidFill>
+              <a:schemeClr val="accent2"/>
+            </a:solidFill>
+          </a:ln>
+        </p:spPr>
+        <p:style>
+          <a:lnRef idx="1">
+            <a:schemeClr val="accent1"/>
+          </a:lnRef>
+          <a:fillRef idx="0">
+            <a:schemeClr val="accent1"/>
+          </a:fillRef>
+          <a:effectRef idx="0">
+            <a:schemeClr val="accent1"/>
+          </a:effectRef>
+          <a:fontRef idx="minor">
+            <a:schemeClr val="tx1"/>
+          </a:fontRef>
+        </p:style>
+      </p:cxnSp>
+      <p:cxnSp>
+        <p:nvCxnSpPr>
+          <p:cNvPr id="873" name="Straight Connector 872"/>
+          <p:cNvCxnSpPr>
+            <a:stCxn id="35" idx="3"/>
+            <a:endCxn id="3" idx="7"/>
+          </p:cNvCxnSpPr>
+          <p:nvPr/>
+        </p:nvCxnSpPr>
+        <p:spPr>
+          <a:xfrm flipH="1">
+            <a:off x="4593642" y="1871850"/>
+            <a:ext cx="397479" cy="290141"/>
+          </a:xfrm>
+          <a:prstGeom prst="line">
+            <a:avLst/>
+          </a:prstGeom>
+          <a:ln>
+            <a:solidFill>
+              <a:schemeClr val="accent2"/>
+            </a:solidFill>
+          </a:ln>
+        </p:spPr>
+        <p:style>
+          <a:lnRef idx="1">
+            <a:schemeClr val="accent1"/>
+          </a:lnRef>
+          <a:fillRef idx="0">
+            <a:schemeClr val="accent1"/>
+          </a:fillRef>
+          <a:effectRef idx="0">
+            <a:schemeClr val="accent1"/>
+          </a:effectRef>
+          <a:fontRef idx="minor">
+            <a:schemeClr val="tx1"/>
+          </a:fontRef>
+        </p:style>
+      </p:cxnSp>
+      <p:cxnSp>
+        <p:nvCxnSpPr>
+          <p:cNvPr id="877" name="Straight Connector 876"/>
+          <p:cNvCxnSpPr>
+            <a:stCxn id="35" idx="5"/>
+            <a:endCxn id="4" idx="1"/>
+          </p:cNvCxnSpPr>
+          <p:nvPr/>
+        </p:nvCxnSpPr>
+        <p:spPr>
+          <a:xfrm>
+            <a:off x="5245679" y="1871850"/>
+            <a:ext cx="622416" cy="470141"/>
+          </a:xfrm>
+          <a:prstGeom prst="line">
+            <a:avLst/>
+          </a:prstGeom>
+          <a:ln>
+            <a:solidFill>
+              <a:schemeClr val="accent2"/>
+            </a:solidFill>
+          </a:ln>
+        </p:spPr>
+        <p:style>
+          <a:lnRef idx="1">
+            <a:schemeClr val="accent1"/>
+          </a:lnRef>
+          <a:fillRef idx="0">
+            <a:schemeClr val="accent1"/>
+          </a:fillRef>
+          <a:effectRef idx="0">
+            <a:schemeClr val="accent1"/>
+          </a:effectRef>
+          <a:fontRef idx="minor">
+            <a:schemeClr val="tx1"/>
+          </a:fontRef>
+        </p:style>
+      </p:cxnSp>
+      <p:cxnSp>
+        <p:nvCxnSpPr>
+          <p:cNvPr id="880" name="Straight Connector 879"/>
+          <p:cNvCxnSpPr>
+            <a:stCxn id="4" idx="7"/>
+            <a:endCxn id="32" idx="5"/>
+          </p:cNvCxnSpPr>
+          <p:nvPr/>
+        </p:nvCxnSpPr>
+        <p:spPr>
+          <a:xfrm flipV="1">
+            <a:off x="6122653" y="1871850"/>
+            <a:ext cx="308468" cy="470141"/>
+          </a:xfrm>
+          <a:prstGeom prst="line">
+            <a:avLst/>
+          </a:prstGeom>
+          <a:ln>
+            <a:solidFill>
+              <a:schemeClr val="accent2"/>
+            </a:solidFill>
+          </a:ln>
+        </p:spPr>
+        <p:style>
+          <a:lnRef idx="1">
+            <a:schemeClr val="accent1"/>
+          </a:lnRef>
+          <a:fillRef idx="0">
+            <a:schemeClr val="accent1"/>
+          </a:fillRef>
+          <a:effectRef idx="0">
+            <a:schemeClr val="accent1"/>
+          </a:effectRef>
+          <a:fontRef idx="minor">
+            <a:schemeClr val="tx1"/>
+          </a:fontRef>
+        </p:style>
+      </p:cxnSp>
+      <p:sp>
+        <p:nvSpPr>
+          <p:cNvPr id="883" name="Oval 882"/>
+          <p:cNvSpPr/>
+          <p:nvPr/>
+        </p:nvSpPr>
+        <p:spPr>
+          <a:xfrm>
+            <a:off x="2628847" y="3731358"/>
+            <a:ext cx="360000" cy="360000"/>
+          </a:xfrm>
+          <a:prstGeom prst="ellipse">
+            <a:avLst/>
+          </a:prstGeom>
+          <a:ln>
+            <a:noFill/>
+          </a:ln>
+        </p:spPr>
+        <p:style>
+          <a:lnRef idx="2">
+            <a:schemeClr val="accent1">
+              <a:shade val="50000"/>
+            </a:schemeClr>
+          </a:lnRef>
+          <a:fillRef idx="1">
+            <a:schemeClr val="accent1"/>
+          </a:fillRef>
+          <a:effectRef idx="0">
+            <a:schemeClr val="accent1"/>
+          </a:effectRef>
+          <a:fontRef idx="minor">
+            <a:schemeClr val="lt1"/>
+          </a:fontRef>
+        </p:style>
+        <p:txBody>
+          <a:bodyPr rtlCol="0" anchor="ctr"/>
+          <a:lstStyle/>
+          <a:p>
+            <a:pPr algn="ctr"/>
+            <a:endParaRPr lang="en-US"/>
+          </a:p>
+        </p:txBody>
+      </p:sp>
+      <p:sp>
+        <p:nvSpPr>
+          <p:cNvPr id="884" name="Oval 883"/>
+          <p:cNvSpPr/>
+          <p:nvPr/>
+        </p:nvSpPr>
+        <p:spPr>
+          <a:xfrm>
+            <a:off x="4486084" y="3623240"/>
+            <a:ext cx="360000" cy="360000"/>
+          </a:xfrm>
+          <a:prstGeom prst="ellipse">
+            <a:avLst/>
+          </a:prstGeom>
+          <a:ln>
+            <a:noFill/>
+          </a:ln>
+        </p:spPr>
+        <p:style>
+          <a:lnRef idx="2">
+            <a:schemeClr val="accent1">
+              <a:shade val="50000"/>
+            </a:schemeClr>
+          </a:lnRef>
+          <a:fillRef idx="1">
+            <a:schemeClr val="accent1"/>
+          </a:fillRef>
+          <a:effectRef idx="0">
+            <a:schemeClr val="accent1"/>
+          </a:effectRef>
+          <a:fontRef idx="minor">
+            <a:schemeClr val="lt1"/>
+          </a:fontRef>
+        </p:style>
+        <p:txBody>
+          <a:bodyPr rtlCol="0" anchor="ctr"/>
+          <a:lstStyle/>
+          <a:p>
+            <a:pPr algn="ctr"/>
+            <a:endParaRPr lang="en-US"/>
+          </a:p>
+        </p:txBody>
+      </p:sp>
+      <p:sp>
+        <p:nvSpPr>
+          <p:cNvPr id="885" name="Oval 884"/>
+          <p:cNvSpPr/>
+          <p:nvPr/>
+        </p:nvSpPr>
+        <p:spPr>
+          <a:xfrm>
+            <a:off x="5904382" y="3731358"/>
+            <a:ext cx="360000" cy="360000"/>
+          </a:xfrm>
+          <a:prstGeom prst="ellipse">
+            <a:avLst/>
+          </a:prstGeom>
+          <a:ln>
+            <a:noFill/>
+          </a:ln>
+        </p:spPr>
+        <p:style>
+          <a:lnRef idx="2">
+            <a:schemeClr val="accent1">
+              <a:shade val="50000"/>
+            </a:schemeClr>
+          </a:lnRef>
+          <a:fillRef idx="1">
+            <a:schemeClr val="accent1"/>
+          </a:fillRef>
+          <a:effectRef idx="0">
+            <a:schemeClr val="accent1"/>
+          </a:effectRef>
+          <a:fontRef idx="minor">
+            <a:schemeClr val="lt1"/>
+          </a:fontRef>
+        </p:style>
+        <p:txBody>
+          <a:bodyPr rtlCol="0" anchor="ctr"/>
+          <a:lstStyle/>
+          <a:p>
+            <a:pPr algn="ctr"/>
+            <a:endParaRPr lang="en-US"/>
+          </a:p>
+        </p:txBody>
+      </p:sp>
+      <p:sp>
+        <p:nvSpPr>
+          <p:cNvPr id="886" name="Oval 885"/>
+          <p:cNvSpPr/>
+          <p:nvPr/>
+        </p:nvSpPr>
+        <p:spPr>
+          <a:xfrm>
+            <a:off x="2060743" y="3011358"/>
+            <a:ext cx="360000" cy="360000"/>
+          </a:xfrm>
+          <a:prstGeom prst="ellipse">
+            <a:avLst/>
+          </a:prstGeom>
+          <a:noFill/>
+          <a:ln>
+            <a:noFill/>
+          </a:ln>
+        </p:spPr>
+        <p:style>
+          <a:lnRef idx="2">
+            <a:schemeClr val="accent1">
+              <a:shade val="50000"/>
+            </a:schemeClr>
+          </a:lnRef>
+          <a:fillRef idx="1">
+            <a:schemeClr val="accent1"/>
+          </a:fillRef>
+          <a:effectRef idx="0">
+            <a:schemeClr val="accent1"/>
+          </a:effectRef>
+          <a:fontRef idx="minor">
+            <a:schemeClr val="lt1"/>
+          </a:fontRef>
+        </p:style>
+        <p:txBody>
+          <a:bodyPr rtlCol="0" anchor="ctr"/>
+          <a:lstStyle/>
+          <a:p>
+            <a:pPr algn="ctr"/>
+            <a:endParaRPr lang="en-US"/>
+          </a:p>
+        </p:txBody>
+      </p:sp>
+      <p:sp>
+        <p:nvSpPr>
+          <p:cNvPr id="887" name="Oval 886"/>
+          <p:cNvSpPr/>
+          <p:nvPr/>
+        </p:nvSpPr>
+        <p:spPr>
+          <a:xfrm>
+            <a:off x="3704561" y="2793035"/>
+            <a:ext cx="360000" cy="360000"/>
+          </a:xfrm>
+          <a:prstGeom prst="ellipse">
+            <a:avLst/>
+          </a:prstGeom>
+          <a:ln>
+            <a:noFill/>
+          </a:ln>
+        </p:spPr>
+        <p:style>
+          <a:lnRef idx="2">
+            <a:schemeClr val="accent1">
+              <a:shade val="50000"/>
+            </a:schemeClr>
+          </a:lnRef>
+          <a:fillRef idx="1">
+            <a:schemeClr val="accent1"/>
+          </a:fillRef>
+          <a:effectRef idx="0">
+            <a:schemeClr val="accent1"/>
+          </a:effectRef>
+          <a:fontRef idx="minor">
+            <a:schemeClr val="lt1"/>
+          </a:fontRef>
+        </p:style>
+        <p:txBody>
+          <a:bodyPr rtlCol="0" anchor="ctr"/>
+          <a:lstStyle/>
+          <a:p>
+            <a:pPr algn="ctr"/>
+            <a:endParaRPr lang="en-US"/>
+          </a:p>
+        </p:txBody>
+      </p:sp>
+      <p:sp>
+        <p:nvSpPr>
+          <p:cNvPr id="888" name="Oval 887"/>
+          <p:cNvSpPr/>
+          <p:nvPr/>
+        </p:nvSpPr>
+        <p:spPr>
+          <a:xfrm>
+            <a:off x="5068022" y="2920314"/>
+            <a:ext cx="360000" cy="360000"/>
+          </a:xfrm>
+          <a:prstGeom prst="ellipse">
+            <a:avLst/>
+          </a:prstGeom>
+          <a:ln>
+            <a:noFill/>
+          </a:ln>
+        </p:spPr>
+        <p:style>
+          <a:lnRef idx="2">
+            <a:schemeClr val="accent1">
+              <a:shade val="50000"/>
+            </a:schemeClr>
+          </a:lnRef>
+          <a:fillRef idx="1">
+            <a:schemeClr val="accent1"/>
+          </a:fillRef>
+          <a:effectRef idx="0">
+            <a:schemeClr val="accent1"/>
+          </a:effectRef>
+          <a:fontRef idx="minor">
+            <a:schemeClr val="lt1"/>
+          </a:fontRef>
+        </p:style>
+        <p:txBody>
+          <a:bodyPr rtlCol="0" anchor="ctr"/>
+          <a:lstStyle/>
+          <a:p>
+            <a:pPr algn="ctr"/>
+            <a:endParaRPr lang="en-US"/>
+          </a:p>
+        </p:txBody>
+      </p:sp>
+      <p:sp>
+        <p:nvSpPr>
+          <p:cNvPr id="889" name="Oval 888"/>
+          <p:cNvSpPr/>
+          <p:nvPr/>
+        </p:nvSpPr>
+        <p:spPr>
+          <a:xfrm rot="5400000">
+            <a:off x="6380743" y="3011358"/>
+            <a:ext cx="360000" cy="360000"/>
+          </a:xfrm>
+          <a:prstGeom prst="ellipse">
+            <a:avLst/>
+          </a:prstGeom>
+          <a:noFill/>
+          <a:ln>
+            <a:noFill/>
+          </a:ln>
+        </p:spPr>
+        <p:style>
+          <a:lnRef idx="2">
+            <a:schemeClr val="accent1">
+              <a:shade val="50000"/>
+            </a:schemeClr>
+          </a:lnRef>
+          <a:fillRef idx="1">
+            <a:schemeClr val="accent1"/>
+          </a:fillRef>
+          <a:effectRef idx="0">
+            <a:schemeClr val="accent1"/>
+          </a:effectRef>
+          <a:fontRef idx="minor">
+            <a:schemeClr val="lt1"/>
+          </a:fontRef>
+        </p:style>
+        <p:txBody>
+          <a:bodyPr rtlCol="0" anchor="ctr"/>
+          <a:lstStyle/>
+          <a:p>
+            <a:pPr algn="ctr"/>
+            <a:endParaRPr lang="en-US"/>
+          </a:p>
+        </p:txBody>
+      </p:sp>
+      <p:cxnSp>
+        <p:nvCxnSpPr>
+          <p:cNvPr id="890" name="Straight Connector 889"/>
+          <p:cNvCxnSpPr>
+            <a:stCxn id="886" idx="5"/>
+            <a:endCxn id="883" idx="1"/>
+          </p:cNvCxnSpPr>
+          <p:nvPr/>
+        </p:nvCxnSpPr>
+        <p:spPr>
+          <a:xfrm>
+            <a:off x="2368022" y="3318637"/>
+            <a:ext cx="313546" cy="465442"/>
+          </a:xfrm>
+          <a:prstGeom prst="line">
+            <a:avLst/>
+          </a:prstGeom>
+          <a:ln>
+            <a:solidFill>
+              <a:schemeClr val="accent2"/>
+            </a:solidFill>
+          </a:ln>
+        </p:spPr>
+        <p:style>
+          <a:lnRef idx="1">
+            <a:schemeClr val="accent1"/>
+          </a:lnRef>
+          <a:fillRef idx="0">
+            <a:schemeClr val="accent1"/>
+          </a:fillRef>
+          <a:effectRef idx="0">
+            <a:schemeClr val="accent1"/>
+          </a:effectRef>
+          <a:fontRef idx="minor">
+            <a:schemeClr val="tx1"/>
+          </a:fontRef>
+        </p:style>
+      </p:cxnSp>
+      <p:cxnSp>
+        <p:nvCxnSpPr>
+          <p:cNvPr id="891" name="Straight Connector 890"/>
+          <p:cNvCxnSpPr>
+            <a:stCxn id="887" idx="3"/>
+            <a:endCxn id="883" idx="7"/>
+          </p:cNvCxnSpPr>
+          <p:nvPr/>
+        </p:nvCxnSpPr>
+        <p:spPr>
+          <a:xfrm flipH="1">
+            <a:off x="2936126" y="3100314"/>
+            <a:ext cx="821156" cy="683765"/>
+          </a:xfrm>
+          <a:prstGeom prst="line">
+            <a:avLst/>
+          </a:prstGeom>
+          <a:ln>
+            <a:solidFill>
+              <a:schemeClr val="accent2"/>
+            </a:solidFill>
+          </a:ln>
+        </p:spPr>
+        <p:style>
+          <a:lnRef idx="1">
+            <a:schemeClr val="accent1"/>
+          </a:lnRef>
+          <a:fillRef idx="0">
+            <a:schemeClr val="accent1"/>
+          </a:fillRef>
+          <a:effectRef idx="0">
+            <a:schemeClr val="accent1"/>
+          </a:effectRef>
+          <a:fontRef idx="minor">
+            <a:schemeClr val="tx1"/>
+          </a:fontRef>
+        </p:style>
+      </p:cxnSp>
+      <p:cxnSp>
+        <p:nvCxnSpPr>
+          <p:cNvPr id="892" name="Straight Connector 891"/>
+          <p:cNvCxnSpPr>
+            <a:stCxn id="887" idx="5"/>
+            <a:endCxn id="884" idx="1"/>
+          </p:cNvCxnSpPr>
+          <p:nvPr/>
+        </p:nvCxnSpPr>
+        <p:spPr>
+          <a:xfrm>
+            <a:off x="4011840" y="3100314"/>
+            <a:ext cx="526965" cy="575647"/>
+          </a:xfrm>
+          <a:prstGeom prst="line">
+            <a:avLst/>
+          </a:prstGeom>
+          <a:ln>
+            <a:solidFill>
+              <a:schemeClr val="accent2"/>
+            </a:solidFill>
+          </a:ln>
+        </p:spPr>
+        <p:style>
+          <a:lnRef idx="1">
+            <a:schemeClr val="accent1"/>
+          </a:lnRef>
+          <a:fillRef idx="0">
+            <a:schemeClr val="accent1"/>
+          </a:fillRef>
+          <a:effectRef idx="0">
+            <a:schemeClr val="accent1"/>
+          </a:effectRef>
+          <a:fontRef idx="minor">
+            <a:schemeClr val="tx1"/>
+          </a:fontRef>
+        </p:style>
+      </p:cxnSp>
+      <p:cxnSp>
+        <p:nvCxnSpPr>
+          <p:cNvPr id="894" name="Straight Connector 893"/>
+          <p:cNvCxnSpPr>
+            <a:stCxn id="884" idx="6"/>
+            <a:endCxn id="885" idx="2"/>
+          </p:cNvCxnSpPr>
+          <p:nvPr/>
+        </p:nvCxnSpPr>
+        <p:spPr>
+          <a:xfrm>
+            <a:off x="4846084" y="3803240"/>
+            <a:ext cx="1058298" cy="108118"/>
+          </a:xfrm>
+          <a:prstGeom prst="line">
+            <a:avLst/>
+          </a:prstGeom>
+          <a:ln>
+            <a:solidFill>
+              <a:schemeClr val="accent2"/>
+            </a:solidFill>
+          </a:ln>
+        </p:spPr>
+        <p:style>
+          <a:lnRef idx="1">
+            <a:schemeClr val="accent1"/>
+          </a:lnRef>
+          <a:fillRef idx="0">
+            <a:schemeClr val="accent1"/>
+          </a:fillRef>
+          <a:effectRef idx="0">
+            <a:schemeClr val="accent1"/>
+          </a:effectRef>
+          <a:fontRef idx="minor">
+            <a:schemeClr val="tx1"/>
+          </a:fontRef>
+        </p:style>
+      </p:cxnSp>
+      <p:cxnSp>
+        <p:nvCxnSpPr>
+          <p:cNvPr id="895" name="Straight Connector 894"/>
+          <p:cNvCxnSpPr>
+            <a:stCxn id="888" idx="3"/>
+            <a:endCxn id="884" idx="7"/>
+          </p:cNvCxnSpPr>
+          <p:nvPr/>
+        </p:nvCxnSpPr>
+        <p:spPr>
+          <a:xfrm flipH="1">
+            <a:off x="4793363" y="3227593"/>
+            <a:ext cx="327380" cy="448368"/>
+          </a:xfrm>
+          <a:prstGeom prst="line">
+            <a:avLst/>
+          </a:prstGeom>
+          <a:ln>
+            <a:solidFill>
+              <a:schemeClr val="accent2"/>
+            </a:solidFill>
+          </a:ln>
+        </p:spPr>
+        <p:style>
+          <a:lnRef idx="1">
+            <a:schemeClr val="accent1"/>
+          </a:lnRef>
+          <a:fillRef idx="0">
+            <a:schemeClr val="accent1"/>
+          </a:fillRef>
+          <a:effectRef idx="0">
+            <a:schemeClr val="accent1"/>
+          </a:effectRef>
+          <a:fontRef idx="minor">
+            <a:schemeClr val="tx1"/>
+          </a:fontRef>
+        </p:style>
+      </p:cxnSp>
+      <p:cxnSp>
+        <p:nvCxnSpPr>
+          <p:cNvPr id="896" name="Straight Connector 895"/>
+          <p:cNvCxnSpPr>
+            <a:stCxn id="888" idx="5"/>
+            <a:endCxn id="885" idx="1"/>
+          </p:cNvCxnSpPr>
+          <p:nvPr/>
+        </p:nvCxnSpPr>
+        <p:spPr>
+          <a:xfrm>
+            <a:off x="5375301" y="3227593"/>
+            <a:ext cx="581802" cy="556486"/>
+          </a:xfrm>
+          <a:prstGeom prst="line">
+            <a:avLst/>
+          </a:prstGeom>
+          <a:ln>
+            <a:solidFill>
+              <a:schemeClr val="accent2"/>
+            </a:solidFill>
+          </a:ln>
+        </p:spPr>
+        <p:style>
+          <a:lnRef idx="1">
+            <a:schemeClr val="accent1"/>
+          </a:lnRef>
+          <a:fillRef idx="0">
+            <a:schemeClr val="accent1"/>
+          </a:fillRef>
+          <a:effectRef idx="0">
+            <a:schemeClr val="accent1"/>
+          </a:effectRef>
+          <a:fontRef idx="minor">
+            <a:schemeClr val="tx1"/>
+          </a:fontRef>
+        </p:style>
+      </p:cxnSp>
+      <p:cxnSp>
+        <p:nvCxnSpPr>
+          <p:cNvPr id="897" name="Straight Connector 896"/>
+          <p:cNvCxnSpPr>
+            <a:stCxn id="885" idx="7"/>
+            <a:endCxn id="889" idx="5"/>
+          </p:cNvCxnSpPr>
+          <p:nvPr/>
+        </p:nvCxnSpPr>
+        <p:spPr>
+          <a:xfrm flipV="1">
+            <a:off x="6211661" y="3318637"/>
+            <a:ext cx="221803" cy="465442"/>
+          </a:xfrm>
+          <a:prstGeom prst="line">
+            <a:avLst/>
+          </a:prstGeom>
+          <a:ln>
+            <a:solidFill>
+              <a:schemeClr val="accent2"/>
+            </a:solidFill>
+          </a:ln>
+        </p:spPr>
+        <p:style>
+          <a:lnRef idx="1">
+            <a:schemeClr val="accent1"/>
+          </a:lnRef>
+          <a:fillRef idx="0">
+            <a:schemeClr val="accent1"/>
+          </a:fillRef>
+          <a:effectRef idx="0">
+            <a:schemeClr val="accent1"/>
+          </a:effectRef>
+          <a:fontRef idx="minor">
+            <a:schemeClr val="tx1"/>
+          </a:fontRef>
+        </p:style>
+      </p:cxnSp>
+      <p:sp>
+        <p:nvSpPr>
+          <p:cNvPr id="904" name="Oval 903"/>
+          <p:cNvSpPr/>
+          <p:nvPr/>
+        </p:nvSpPr>
+        <p:spPr>
+          <a:xfrm>
+            <a:off x="2548022" y="5379806"/>
+            <a:ext cx="360000" cy="360000"/>
+          </a:xfrm>
+          <a:prstGeom prst="ellipse">
+            <a:avLst/>
+          </a:prstGeom>
+          <a:ln>
+            <a:noFill/>
+          </a:ln>
+        </p:spPr>
+        <p:style>
+          <a:lnRef idx="2">
+            <a:schemeClr val="accent1">
+              <a:shade val="50000"/>
+            </a:schemeClr>
+          </a:lnRef>
+          <a:fillRef idx="1">
+            <a:schemeClr val="accent1"/>
+          </a:fillRef>
+          <a:effectRef idx="0">
+            <a:schemeClr val="accent1"/>
+          </a:effectRef>
+          <a:fontRef idx="minor">
+            <a:schemeClr val="lt1"/>
+          </a:fontRef>
+        </p:style>
+        <p:txBody>
+          <a:bodyPr rtlCol="0" anchor="ctr"/>
+          <a:lstStyle/>
+          <a:p>
+            <a:pPr algn="ctr"/>
+            <a:endParaRPr lang="en-US"/>
+          </a:p>
+        </p:txBody>
+      </p:sp>
+      <p:sp>
+        <p:nvSpPr>
+          <p:cNvPr id="905" name="Oval 904"/>
+          <p:cNvSpPr/>
+          <p:nvPr/>
+        </p:nvSpPr>
+        <p:spPr>
+          <a:xfrm>
+            <a:off x="3886159" y="5139494"/>
+            <a:ext cx="360000" cy="360000"/>
+          </a:xfrm>
+          <a:prstGeom prst="ellipse">
+            <a:avLst/>
+          </a:prstGeom>
+          <a:ln>
+            <a:noFill/>
+          </a:ln>
+        </p:spPr>
+        <p:style>
+          <a:lnRef idx="2">
+            <a:schemeClr val="accent1">
+              <a:shade val="50000"/>
+            </a:schemeClr>
+          </a:lnRef>
+          <a:fillRef idx="1">
+            <a:schemeClr val="accent1"/>
+          </a:fillRef>
+          <a:effectRef idx="0">
+            <a:schemeClr val="accent1"/>
+          </a:effectRef>
+          <a:fontRef idx="minor">
+            <a:schemeClr val="lt1"/>
+          </a:fontRef>
+        </p:style>
+        <p:txBody>
+          <a:bodyPr rtlCol="0" anchor="ctr"/>
+          <a:lstStyle/>
+          <a:p>
+            <a:pPr algn="ctr"/>
+            <a:endParaRPr lang="en-US"/>
+          </a:p>
+        </p:txBody>
+      </p:sp>
+      <p:sp>
+        <p:nvSpPr>
+          <p:cNvPr id="906" name="Oval 905"/>
+          <p:cNvSpPr/>
+          <p:nvPr/>
+        </p:nvSpPr>
+        <p:spPr>
+          <a:xfrm>
+            <a:off x="5918058" y="5266773"/>
+            <a:ext cx="360000" cy="360000"/>
+          </a:xfrm>
+          <a:prstGeom prst="ellipse">
+            <a:avLst/>
+          </a:prstGeom>
+          <a:ln>
+            <a:noFill/>
+          </a:ln>
+        </p:spPr>
+        <p:style>
+          <a:lnRef idx="2">
+            <a:schemeClr val="accent1">
+              <a:shade val="50000"/>
+            </a:schemeClr>
+          </a:lnRef>
+          <a:fillRef idx="1">
+            <a:schemeClr val="accent1"/>
+          </a:fillRef>
+          <a:effectRef idx="0">
+            <a:schemeClr val="accent1"/>
+          </a:effectRef>
+          <a:fontRef idx="minor">
+            <a:schemeClr val="lt1"/>
+          </a:fontRef>
+        </p:style>
+        <p:txBody>
+          <a:bodyPr rtlCol="0" anchor="ctr"/>
+          <a:lstStyle/>
+          <a:p>
+            <a:pPr algn="ctr"/>
+            <a:endParaRPr lang="en-US"/>
+          </a:p>
+        </p:txBody>
+      </p:sp>
+      <p:sp>
+        <p:nvSpPr>
+          <p:cNvPr id="907" name="Oval 906"/>
+          <p:cNvSpPr/>
+          <p:nvPr/>
+        </p:nvSpPr>
+        <p:spPr>
+          <a:xfrm>
+            <a:off x="2062726" y="4453446"/>
+            <a:ext cx="360000" cy="360000"/>
+          </a:xfrm>
+          <a:prstGeom prst="ellipse">
+            <a:avLst/>
+          </a:prstGeom>
+          <a:noFill/>
+          <a:ln>
+            <a:noFill/>
+          </a:ln>
+        </p:spPr>
+        <p:style>
+          <a:lnRef idx="2">
+            <a:schemeClr val="accent1">
+              <a:shade val="50000"/>
+            </a:schemeClr>
+          </a:lnRef>
+          <a:fillRef idx="1">
+            <a:schemeClr val="accent1"/>
+          </a:fillRef>
+          <a:effectRef idx="0">
+            <a:schemeClr val="accent1"/>
+          </a:effectRef>
+          <a:fontRef idx="minor">
+            <a:schemeClr val="lt1"/>
+          </a:fontRef>
+        </p:style>
+        <p:txBody>
+          <a:bodyPr rtlCol="0" anchor="ctr"/>
+          <a:lstStyle/>
+          <a:p>
+            <a:pPr algn="ctr"/>
+            <a:endParaRPr lang="en-US"/>
+          </a:p>
+        </p:txBody>
+      </p:sp>
+      <p:sp>
+        <p:nvSpPr>
+          <p:cNvPr id="908" name="Oval 907"/>
+          <p:cNvSpPr/>
+          <p:nvPr/>
+        </p:nvSpPr>
+        <p:spPr>
+          <a:xfrm>
+            <a:off x="3023211" y="4506167"/>
+            <a:ext cx="360000" cy="360000"/>
+          </a:xfrm>
+          <a:prstGeom prst="ellipse">
+            <a:avLst/>
+          </a:prstGeom>
+          <a:ln>
+            <a:noFill/>
+          </a:ln>
+        </p:spPr>
+        <p:style>
+          <a:lnRef idx="2">
+            <a:schemeClr val="accent1">
+              <a:shade val="50000"/>
+            </a:schemeClr>
+          </a:lnRef>
+          <a:fillRef idx="1">
+            <a:schemeClr val="accent1"/>
+          </a:fillRef>
+          <a:effectRef idx="0">
+            <a:schemeClr val="accent1"/>
+          </a:effectRef>
+          <a:fontRef idx="minor">
+            <a:schemeClr val="lt1"/>
+          </a:fontRef>
+        </p:style>
+        <p:txBody>
+          <a:bodyPr rtlCol="0" anchor="ctr"/>
+          <a:lstStyle/>
+          <a:p>
+            <a:pPr algn="ctr"/>
+            <a:endParaRPr lang="en-US"/>
+          </a:p>
+        </p:txBody>
+      </p:sp>
+      <p:sp>
+        <p:nvSpPr>
+          <p:cNvPr id="909" name="Oval 908"/>
+          <p:cNvSpPr/>
+          <p:nvPr/>
+        </p:nvSpPr>
+        <p:spPr>
+          <a:xfrm>
+            <a:off x="5151447" y="4411390"/>
+            <a:ext cx="360000" cy="360000"/>
+          </a:xfrm>
+          <a:prstGeom prst="ellipse">
+            <a:avLst/>
+          </a:prstGeom>
+          <a:ln>
+            <a:noFill/>
+          </a:ln>
+        </p:spPr>
+        <p:style>
+          <a:lnRef idx="2">
+            <a:schemeClr val="accent1">
+              <a:shade val="50000"/>
+            </a:schemeClr>
+          </a:lnRef>
+          <a:fillRef idx="1">
+            <a:schemeClr val="accent1"/>
+          </a:fillRef>
+          <a:effectRef idx="0">
+            <a:schemeClr val="accent1"/>
+          </a:effectRef>
+          <a:fontRef idx="minor">
+            <a:schemeClr val="lt1"/>
+          </a:fontRef>
+        </p:style>
+        <p:txBody>
+          <a:bodyPr rtlCol="0" anchor="ctr"/>
+          <a:lstStyle/>
+          <a:p>
+            <a:pPr algn="ctr"/>
+            <a:endParaRPr lang="en-US"/>
+          </a:p>
+        </p:txBody>
+      </p:sp>
+      <p:sp>
+        <p:nvSpPr>
+          <p:cNvPr id="910" name="Oval 909"/>
+          <p:cNvSpPr/>
+          <p:nvPr/>
+        </p:nvSpPr>
+        <p:spPr>
+          <a:xfrm rot="5400000">
+            <a:off x="6382726" y="4453446"/>
+            <a:ext cx="360000" cy="360000"/>
+          </a:xfrm>
+          <a:prstGeom prst="ellipse">
+            <a:avLst/>
+          </a:prstGeom>
+          <a:noFill/>
+          <a:ln>
+            <a:noFill/>
+          </a:ln>
+        </p:spPr>
+        <p:style>
+          <a:lnRef idx="2">
+            <a:schemeClr val="accent1">
+              <a:shade val="50000"/>
+            </a:schemeClr>
+          </a:lnRef>
+          <a:fillRef idx="1">
+            <a:schemeClr val="accent1"/>
+          </a:fillRef>
+          <a:effectRef idx="0">
+            <a:schemeClr val="accent1"/>
+          </a:effectRef>
+          <a:fontRef idx="minor">
+            <a:schemeClr val="lt1"/>
+          </a:fontRef>
+        </p:style>
+        <p:txBody>
+          <a:bodyPr rtlCol="0" anchor="ctr"/>
+          <a:lstStyle/>
+          <a:p>
+            <a:pPr algn="ctr"/>
+            <a:endParaRPr lang="en-US"/>
+          </a:p>
+        </p:txBody>
+      </p:sp>
+      <p:cxnSp>
+        <p:nvCxnSpPr>
+          <p:cNvPr id="911" name="Straight Connector 910"/>
+          <p:cNvCxnSpPr>
+            <a:stCxn id="907" idx="5"/>
+            <a:endCxn id="904" idx="1"/>
+          </p:cNvCxnSpPr>
+          <p:nvPr/>
+        </p:nvCxnSpPr>
+        <p:spPr>
+          <a:xfrm>
+            <a:off x="2370005" y="4760725"/>
+            <a:ext cx="230738" cy="671802"/>
+          </a:xfrm>
+          <a:prstGeom prst="line">
+            <a:avLst/>
+          </a:prstGeom>
+          <a:ln>
+            <a:solidFill>
+              <a:schemeClr val="accent2"/>
+            </a:solidFill>
+          </a:ln>
+        </p:spPr>
+        <p:style>
+          <a:lnRef idx="1">
+            <a:schemeClr val="accent1"/>
+          </a:lnRef>
+          <a:fillRef idx="0">
+            <a:schemeClr val="accent1"/>
+          </a:fillRef>
+          <a:effectRef idx="0">
+            <a:schemeClr val="accent1"/>
+          </a:effectRef>
+          <a:fontRef idx="minor">
+            <a:schemeClr val="tx1"/>
+          </a:fontRef>
+        </p:style>
+      </p:cxnSp>
+      <p:cxnSp>
+        <p:nvCxnSpPr>
+          <p:cNvPr id="913" name="Straight Connector 912"/>
+          <p:cNvCxnSpPr>
+            <a:stCxn id="908" idx="5"/>
+            <a:endCxn id="905" idx="1"/>
+          </p:cNvCxnSpPr>
+          <p:nvPr/>
+        </p:nvCxnSpPr>
+        <p:spPr>
+          <a:xfrm>
+            <a:off x="3330490" y="4813446"/>
+            <a:ext cx="608390" cy="378769"/>
+          </a:xfrm>
+          <a:prstGeom prst="line">
+            <a:avLst/>
+          </a:prstGeom>
+          <a:ln>
+            <a:solidFill>
+              <a:schemeClr val="accent2"/>
+            </a:solidFill>
+          </a:ln>
+        </p:spPr>
+        <p:style>
+          <a:lnRef idx="1">
+            <a:schemeClr val="accent1"/>
+          </a:lnRef>
+          <a:fillRef idx="0">
+            <a:schemeClr val="accent1"/>
+          </a:fillRef>
+          <a:effectRef idx="0">
+            <a:schemeClr val="accent1"/>
+          </a:effectRef>
+          <a:fontRef idx="minor">
+            <a:schemeClr val="tx1"/>
+          </a:fontRef>
+        </p:style>
+      </p:cxnSp>
+      <p:cxnSp>
+        <p:nvCxnSpPr>
+          <p:cNvPr id="914" name="Straight Connector 913"/>
+          <p:cNvCxnSpPr>
+            <a:stCxn id="904" idx="6"/>
+            <a:endCxn id="905" idx="2"/>
+          </p:cNvCxnSpPr>
+          <p:nvPr/>
+        </p:nvCxnSpPr>
+        <p:spPr>
+          <a:xfrm flipV="1">
+            <a:off x="2908022" y="5319494"/>
+            <a:ext cx="978137" cy="240312"/>
+          </a:xfrm>
+          <a:prstGeom prst="line">
+            <a:avLst/>
+          </a:prstGeom>
+          <a:ln>
+            <a:solidFill>
+              <a:schemeClr val="accent2"/>
+            </a:solidFill>
+          </a:ln>
+        </p:spPr>
+        <p:style>
+          <a:lnRef idx="1">
+            <a:schemeClr val="accent1"/>
+          </a:lnRef>
+          <a:fillRef idx="0">
+            <a:schemeClr val="accent1"/>
+          </a:fillRef>
+          <a:effectRef idx="0">
+            <a:schemeClr val="accent1"/>
+          </a:effectRef>
+          <a:fontRef idx="minor">
+            <a:schemeClr val="tx1"/>
+          </a:fontRef>
+        </p:style>
+      </p:cxnSp>
+      <p:cxnSp>
+        <p:nvCxnSpPr>
+          <p:cNvPr id="916" name="Straight Connector 915"/>
+          <p:cNvCxnSpPr>
+            <a:stCxn id="909" idx="3"/>
+            <a:endCxn id="905" idx="7"/>
+          </p:cNvCxnSpPr>
+          <p:nvPr/>
+        </p:nvCxnSpPr>
+        <p:spPr>
+          <a:xfrm flipH="1">
+            <a:off x="4193438" y="4718669"/>
+            <a:ext cx="1010730" cy="473546"/>
+          </a:xfrm>
+          <a:prstGeom prst="line">
+            <a:avLst/>
+          </a:prstGeom>
+          <a:ln>
+            <a:solidFill>
+              <a:schemeClr val="accent2"/>
+            </a:solidFill>
+          </a:ln>
+        </p:spPr>
+        <p:style>
+          <a:lnRef idx="1">
+            <a:schemeClr val="accent1"/>
+          </a:lnRef>
+          <a:fillRef idx="0">
+            <a:schemeClr val="accent1"/>
+          </a:fillRef>
+          <a:effectRef idx="0">
+            <a:schemeClr val="accent1"/>
+          </a:effectRef>
+          <a:fontRef idx="minor">
+            <a:schemeClr val="tx1"/>
+          </a:fontRef>
+        </p:style>
+      </p:cxnSp>
+      <p:cxnSp>
+        <p:nvCxnSpPr>
+          <p:cNvPr id="917" name="Straight Connector 916"/>
+          <p:cNvCxnSpPr>
+            <a:stCxn id="909" idx="5"/>
+            <a:endCxn id="906" idx="1"/>
+          </p:cNvCxnSpPr>
+          <p:nvPr/>
+        </p:nvCxnSpPr>
+        <p:spPr>
+          <a:xfrm>
+            <a:off x="5458726" y="4718669"/>
+            <a:ext cx="512053" cy="600825"/>
+          </a:xfrm>
+          <a:prstGeom prst="line">
+            <a:avLst/>
+          </a:prstGeom>
+          <a:ln>
+            <a:solidFill>
+              <a:schemeClr val="accent2"/>
+            </a:solidFill>
+          </a:ln>
+        </p:spPr>
+        <p:style>
+          <a:lnRef idx="1">
+            <a:schemeClr val="accent1"/>
+          </a:lnRef>
+          <a:fillRef idx="0">
+            <a:schemeClr val="accent1"/>
+          </a:fillRef>
+          <a:effectRef idx="0">
+            <a:schemeClr val="accent1"/>
+          </a:effectRef>
+          <a:fontRef idx="minor">
+            <a:schemeClr val="tx1"/>
+          </a:fontRef>
+        </p:style>
+      </p:cxnSp>
+      <p:cxnSp>
+        <p:nvCxnSpPr>
+          <p:cNvPr id="918" name="Straight Connector 917"/>
+          <p:cNvCxnSpPr>
+            <a:stCxn id="906" idx="7"/>
+            <a:endCxn id="910" idx="5"/>
+          </p:cNvCxnSpPr>
+          <p:nvPr/>
+        </p:nvCxnSpPr>
+        <p:spPr>
+          <a:xfrm flipV="1">
+            <a:off x="6225337" y="4760725"/>
+            <a:ext cx="210110" cy="558769"/>
+          </a:xfrm>
+          <a:prstGeom prst="line">
+            <a:avLst/>
+          </a:prstGeom>
+          <a:ln>
+            <a:solidFill>
+              <a:schemeClr val="accent2"/>
+            </a:solidFill>
+          </a:ln>
+        </p:spPr>
+        <p:style>
+          <a:lnRef idx="1">
+            <a:schemeClr val="accent1"/>
+          </a:lnRef>
+          <a:fillRef idx="0">
+            <a:schemeClr val="accent1"/>
+          </a:fillRef>
+          <a:effectRef idx="0">
+            <a:schemeClr val="accent1"/>
+          </a:effectRef>
+          <a:fontRef idx="minor">
+            <a:schemeClr val="tx1"/>
+          </a:fontRef>
+        </p:style>
+      </p:cxnSp>
+      <p:sp>
+        <p:nvSpPr>
+          <p:cNvPr id="919" name="Oval 918"/>
+          <p:cNvSpPr/>
+          <p:nvPr/>
+        </p:nvSpPr>
+        <p:spPr>
+          <a:xfrm>
+            <a:off x="2008022" y="5946167"/>
+            <a:ext cx="360000" cy="360000"/>
+          </a:xfrm>
+          <a:prstGeom prst="ellipse">
+            <a:avLst/>
+          </a:prstGeom>
+          <a:noFill/>
+          <a:ln>
+            <a:noFill/>
+          </a:ln>
+        </p:spPr>
+        <p:style>
+          <a:lnRef idx="2">
+            <a:schemeClr val="accent1">
+              <a:shade val="50000"/>
+            </a:schemeClr>
+          </a:lnRef>
+          <a:fillRef idx="1">
+            <a:schemeClr val="accent1"/>
+          </a:fillRef>
+          <a:effectRef idx="0">
+            <a:schemeClr val="accent1"/>
+          </a:effectRef>
+          <a:fontRef idx="minor">
+            <a:schemeClr val="lt1"/>
+          </a:fontRef>
+        </p:style>
+        <p:txBody>
+          <a:bodyPr rtlCol="0" anchor="ctr"/>
+          <a:lstStyle/>
+          <a:p>
+            <a:pPr algn="ctr"/>
+            <a:endParaRPr lang="en-US"/>
+          </a:p>
+        </p:txBody>
+      </p:sp>
+      <p:sp>
+        <p:nvSpPr>
+          <p:cNvPr id="920" name="Oval 919"/>
+          <p:cNvSpPr/>
+          <p:nvPr/>
+        </p:nvSpPr>
+        <p:spPr>
+          <a:xfrm>
+            <a:off x="3448022" y="5946167"/>
+            <a:ext cx="360000" cy="360000"/>
+          </a:xfrm>
+          <a:prstGeom prst="ellipse">
+            <a:avLst/>
+          </a:prstGeom>
+          <a:noFill/>
+          <a:ln>
+            <a:noFill/>
+          </a:ln>
+        </p:spPr>
+        <p:style>
+          <a:lnRef idx="2">
+            <a:schemeClr val="accent1">
+              <a:shade val="50000"/>
+            </a:schemeClr>
+          </a:lnRef>
+          <a:fillRef idx="1">
+            <a:schemeClr val="accent1"/>
+          </a:fillRef>
+          <a:effectRef idx="0">
+            <a:schemeClr val="accent1"/>
+          </a:effectRef>
+          <a:fontRef idx="minor">
+            <a:schemeClr val="lt1"/>
+          </a:fontRef>
+        </p:style>
+        <p:txBody>
+          <a:bodyPr rtlCol="0" anchor="ctr"/>
+          <a:lstStyle/>
+          <a:p>
+            <a:pPr algn="ctr"/>
+            <a:endParaRPr lang="en-US"/>
+          </a:p>
+        </p:txBody>
+      </p:sp>
+      <p:sp>
+        <p:nvSpPr>
+          <p:cNvPr id="921" name="Oval 920"/>
+          <p:cNvSpPr/>
+          <p:nvPr/>
+        </p:nvSpPr>
+        <p:spPr>
+          <a:xfrm>
+            <a:off x="4888022" y="5946167"/>
+            <a:ext cx="360000" cy="360000"/>
+          </a:xfrm>
+          <a:prstGeom prst="ellipse">
+            <a:avLst/>
+          </a:prstGeom>
+          <a:noFill/>
+          <a:ln>
+            <a:noFill/>
+          </a:ln>
+        </p:spPr>
+        <p:style>
+          <a:lnRef idx="2">
+            <a:schemeClr val="accent1">
+              <a:shade val="50000"/>
+            </a:schemeClr>
+          </a:lnRef>
+          <a:fillRef idx="1">
+            <a:schemeClr val="accent1"/>
+          </a:fillRef>
+          <a:effectRef idx="0">
+            <a:schemeClr val="accent1"/>
+          </a:effectRef>
+          <a:fontRef idx="minor">
+            <a:schemeClr val="lt1"/>
+          </a:fontRef>
+        </p:style>
+        <p:txBody>
+          <a:bodyPr rtlCol="0" anchor="ctr"/>
+          <a:lstStyle/>
+          <a:p>
+            <a:pPr algn="ctr"/>
+            <a:endParaRPr lang="en-US"/>
+          </a:p>
+        </p:txBody>
+      </p:sp>
+      <p:sp>
+        <p:nvSpPr>
+          <p:cNvPr id="922" name="Oval 921"/>
+          <p:cNvSpPr/>
+          <p:nvPr/>
+        </p:nvSpPr>
+        <p:spPr>
+          <a:xfrm rot="5400000">
+            <a:off x="6328022" y="5946167"/>
+            <a:ext cx="360000" cy="360000"/>
+          </a:xfrm>
+          <a:prstGeom prst="ellipse">
+            <a:avLst/>
+          </a:prstGeom>
+          <a:noFill/>
+          <a:ln>
+            <a:noFill/>
+          </a:ln>
+        </p:spPr>
+        <p:style>
+          <a:lnRef idx="2">
+            <a:schemeClr val="accent1">
+              <a:shade val="50000"/>
+            </a:schemeClr>
+          </a:lnRef>
+          <a:fillRef idx="1">
+            <a:schemeClr val="accent1"/>
+          </a:fillRef>
+          <a:effectRef idx="0">
+            <a:schemeClr val="accent1"/>
+          </a:effectRef>
+          <a:fontRef idx="minor">
+            <a:schemeClr val="lt1"/>
+          </a:fontRef>
+        </p:style>
+        <p:txBody>
+          <a:bodyPr rtlCol="0" anchor="ctr"/>
+          <a:lstStyle/>
+          <a:p>
+            <a:pPr algn="ctr"/>
+            <a:endParaRPr lang="en-US"/>
+          </a:p>
+        </p:txBody>
+      </p:sp>
+      <p:cxnSp>
+        <p:nvCxnSpPr>
+          <p:cNvPr id="947" name="Straight Connector 946"/>
+          <p:cNvCxnSpPr>
+            <a:stCxn id="906" idx="5"/>
+            <a:endCxn id="922" idx="3"/>
+          </p:cNvCxnSpPr>
+          <p:nvPr/>
+        </p:nvCxnSpPr>
+        <p:spPr>
+          <a:xfrm>
+            <a:off x="6225337" y="5574052"/>
+            <a:ext cx="155406" cy="424836"/>
+          </a:xfrm>
+          <a:prstGeom prst="line">
+            <a:avLst/>
+          </a:prstGeom>
+          <a:ln>
+            <a:solidFill>
+              <a:schemeClr val="accent2"/>
+            </a:solidFill>
+          </a:ln>
+        </p:spPr>
+        <p:style>
+          <a:lnRef idx="1">
+            <a:schemeClr val="accent1"/>
+          </a:lnRef>
+          <a:fillRef idx="0">
+            <a:schemeClr val="accent1"/>
+          </a:fillRef>
+          <a:effectRef idx="0">
+            <a:schemeClr val="accent1"/>
+          </a:effectRef>
+          <a:fontRef idx="minor">
+            <a:schemeClr val="tx1"/>
+          </a:fontRef>
+        </p:style>
+      </p:cxnSp>
+      <p:cxnSp>
+        <p:nvCxnSpPr>
+          <p:cNvPr id="958" name="Straight Connector 957"/>
+          <p:cNvCxnSpPr>
+            <a:stCxn id="921" idx="7"/>
+            <a:endCxn id="906" idx="3"/>
+          </p:cNvCxnSpPr>
+          <p:nvPr/>
+        </p:nvCxnSpPr>
+        <p:spPr>
+          <a:xfrm flipV="1">
+            <a:off x="5195301" y="5574052"/>
+            <a:ext cx="775478" cy="424836"/>
+          </a:xfrm>
+          <a:prstGeom prst="line">
+            <a:avLst/>
+          </a:prstGeom>
+          <a:ln>
+            <a:solidFill>
+              <a:schemeClr val="accent2"/>
+            </a:solidFill>
+          </a:ln>
+        </p:spPr>
+        <p:style>
+          <a:lnRef idx="1">
+            <a:schemeClr val="accent1"/>
+          </a:lnRef>
+          <a:fillRef idx="0">
+            <a:schemeClr val="accent1"/>
+          </a:fillRef>
+          <a:effectRef idx="0">
+            <a:schemeClr val="accent1"/>
+          </a:effectRef>
+          <a:fontRef idx="minor">
+            <a:schemeClr val="tx1"/>
+          </a:fontRef>
+        </p:style>
+      </p:cxnSp>
+      <p:cxnSp>
+        <p:nvCxnSpPr>
+          <p:cNvPr id="961" name="Straight Connector 960"/>
+          <p:cNvCxnSpPr>
+            <a:stCxn id="905" idx="5"/>
+            <a:endCxn id="921" idx="1"/>
+          </p:cNvCxnSpPr>
+          <p:nvPr/>
+        </p:nvCxnSpPr>
+        <p:spPr>
+          <a:xfrm>
+            <a:off x="4193438" y="5446773"/>
+            <a:ext cx="747305" cy="552115"/>
+          </a:xfrm>
+          <a:prstGeom prst="line">
+            <a:avLst/>
+          </a:prstGeom>
+          <a:ln>
+            <a:solidFill>
+              <a:schemeClr val="accent2"/>
+            </a:solidFill>
+          </a:ln>
+        </p:spPr>
+        <p:style>
+          <a:lnRef idx="1">
+            <a:schemeClr val="accent1"/>
+          </a:lnRef>
+          <a:fillRef idx="0">
+            <a:schemeClr val="accent1"/>
+          </a:fillRef>
+          <a:effectRef idx="0">
+            <a:schemeClr val="accent1"/>
+          </a:effectRef>
+          <a:fontRef idx="minor">
+            <a:schemeClr val="tx1"/>
+          </a:fontRef>
+        </p:style>
+      </p:cxnSp>
+      <p:cxnSp>
+        <p:nvCxnSpPr>
+          <p:cNvPr id="964" name="Straight Connector 963"/>
+          <p:cNvCxnSpPr>
+            <a:stCxn id="920" idx="7"/>
+            <a:endCxn id="905" idx="3"/>
+          </p:cNvCxnSpPr>
+          <p:nvPr/>
+        </p:nvCxnSpPr>
+        <p:spPr>
+          <a:xfrm flipV="1">
+            <a:off x="3755301" y="5446773"/>
+            <a:ext cx="183579" cy="552115"/>
+          </a:xfrm>
+          <a:prstGeom prst="line">
+            <a:avLst/>
+          </a:prstGeom>
+          <a:ln>
+            <a:solidFill>
+              <a:schemeClr val="accent2"/>
+            </a:solidFill>
+          </a:ln>
+        </p:spPr>
+        <p:style>
+          <a:lnRef idx="1">
+            <a:schemeClr val="accent1"/>
+          </a:lnRef>
+          <a:fillRef idx="0">
+            <a:schemeClr val="accent1"/>
+          </a:fillRef>
+          <a:effectRef idx="0">
+            <a:schemeClr val="accent1"/>
+          </a:effectRef>
+          <a:fontRef idx="minor">
+            <a:schemeClr val="tx1"/>
+          </a:fontRef>
+        </p:style>
+      </p:cxnSp>
+      <p:cxnSp>
+        <p:nvCxnSpPr>
+          <p:cNvPr id="967" name="Straight Connector 966"/>
+          <p:cNvCxnSpPr>
+            <a:stCxn id="904" idx="5"/>
+            <a:endCxn id="920" idx="1"/>
+          </p:cNvCxnSpPr>
+          <p:nvPr/>
+        </p:nvCxnSpPr>
+        <p:spPr>
+          <a:xfrm>
+            <a:off x="2855301" y="5687085"/>
+            <a:ext cx="645442" cy="311803"/>
+          </a:xfrm>
+          <a:prstGeom prst="line">
+            <a:avLst/>
+          </a:prstGeom>
+          <a:ln>
+            <a:solidFill>
+              <a:schemeClr val="accent2"/>
+            </a:solidFill>
+          </a:ln>
+        </p:spPr>
+        <p:style>
+          <a:lnRef idx="1">
+            <a:schemeClr val="accent1"/>
+          </a:lnRef>
+          <a:fillRef idx="0">
+            <a:schemeClr val="accent1"/>
+          </a:fillRef>
+          <a:effectRef idx="0">
+            <a:schemeClr val="accent1"/>
+          </a:effectRef>
+          <a:fontRef idx="minor">
+            <a:schemeClr val="tx1"/>
+          </a:fontRef>
+        </p:style>
+      </p:cxnSp>
+      <p:cxnSp>
+        <p:nvCxnSpPr>
+          <p:cNvPr id="970" name="Straight Connector 969"/>
+          <p:cNvCxnSpPr>
+            <a:stCxn id="919" idx="7"/>
+            <a:endCxn id="904" idx="3"/>
+          </p:cNvCxnSpPr>
+          <p:nvPr/>
+        </p:nvCxnSpPr>
+        <p:spPr>
+          <a:xfrm flipV="1">
+            <a:off x="2315301" y="5687085"/>
+            <a:ext cx="285442" cy="311803"/>
+          </a:xfrm>
+          <a:prstGeom prst="line">
+            <a:avLst/>
+          </a:prstGeom>
+          <a:ln>
+            <a:solidFill>
+              <a:schemeClr val="accent2"/>
+            </a:solidFill>
+          </a:ln>
+        </p:spPr>
+        <p:style>
+          <a:lnRef idx="1">
+            <a:schemeClr val="accent1"/>
+          </a:lnRef>
+          <a:fillRef idx="0">
+            <a:schemeClr val="accent1"/>
+          </a:fillRef>
+          <a:effectRef idx="0">
+            <a:schemeClr val="accent1"/>
+          </a:effectRef>
+          <a:fontRef idx="minor">
+            <a:schemeClr val="tx1"/>
+          </a:fontRef>
+        </p:style>
+      </p:cxnSp>
+      <p:cxnSp>
+        <p:nvCxnSpPr>
+          <p:cNvPr id="974" name="Straight Connector 973"/>
+          <p:cNvCxnSpPr>
+            <a:stCxn id="909" idx="6"/>
+            <a:endCxn id="910" idx="4"/>
+          </p:cNvCxnSpPr>
+          <p:nvPr/>
+        </p:nvCxnSpPr>
+        <p:spPr>
+          <a:xfrm>
+            <a:off x="5511447" y="4591390"/>
+            <a:ext cx="871279" cy="42056"/>
+          </a:xfrm>
+          <a:prstGeom prst="line">
+            <a:avLst/>
+          </a:prstGeom>
+          <a:ln>
+            <a:solidFill>
+              <a:schemeClr val="accent2"/>
+            </a:solidFill>
+          </a:ln>
+        </p:spPr>
+        <p:style>
+          <a:lnRef idx="1">
+            <a:schemeClr val="accent1"/>
+          </a:lnRef>
+          <a:fillRef idx="0">
+            <a:schemeClr val="accent1"/>
+          </a:fillRef>
+          <a:effectRef idx="0">
+            <a:schemeClr val="accent1"/>
+          </a:effectRef>
+          <a:fontRef idx="minor">
+            <a:schemeClr val="tx1"/>
+          </a:fontRef>
+        </p:style>
+      </p:cxnSp>
+      <p:cxnSp>
+        <p:nvCxnSpPr>
+          <p:cNvPr id="980" name="Straight Connector 979"/>
+          <p:cNvCxnSpPr>
+            <a:stCxn id="907" idx="6"/>
+            <a:endCxn id="908" idx="2"/>
+          </p:cNvCxnSpPr>
+          <p:nvPr/>
+        </p:nvCxnSpPr>
+        <p:spPr>
+          <a:xfrm>
+            <a:off x="2422726" y="4633446"/>
+            <a:ext cx="600485" cy="52721"/>
+          </a:xfrm>
+          <a:prstGeom prst="line">
+            <a:avLst/>
+          </a:prstGeom>
+          <a:ln>
+            <a:solidFill>
+              <a:schemeClr val="accent2"/>
+            </a:solidFill>
+          </a:ln>
+        </p:spPr>
+        <p:style>
+          <a:lnRef idx="1">
+            <a:schemeClr val="accent1"/>
+          </a:lnRef>
+          <a:fillRef idx="0">
+            <a:schemeClr val="accent1"/>
+          </a:fillRef>
+          <a:effectRef idx="0">
+            <a:schemeClr val="accent1"/>
+          </a:effectRef>
+          <a:fontRef idx="minor">
+            <a:schemeClr val="tx1"/>
+          </a:fontRef>
+        </p:style>
+      </p:cxnSp>
+      <p:cxnSp>
+        <p:nvCxnSpPr>
+          <p:cNvPr id="984" name="Straight Connector 983"/>
+          <p:cNvCxnSpPr>
+            <a:stCxn id="883" idx="5"/>
+            <a:endCxn id="908" idx="1"/>
+          </p:cNvCxnSpPr>
+          <p:nvPr/>
+        </p:nvCxnSpPr>
+        <p:spPr>
+          <a:xfrm>
+            <a:off x="2936126" y="4038637"/>
+            <a:ext cx="139806" cy="520251"/>
+          </a:xfrm>
+          <a:prstGeom prst="line">
+            <a:avLst/>
+          </a:prstGeom>
+          <a:ln>
+            <a:solidFill>
+              <a:schemeClr val="accent2"/>
+            </a:solidFill>
+          </a:ln>
+        </p:spPr>
+        <p:style>
+          <a:lnRef idx="1">
+            <a:schemeClr val="accent1"/>
+          </a:lnRef>
+          <a:fillRef idx="0">
+            <a:schemeClr val="accent1"/>
+          </a:fillRef>
+          <a:effectRef idx="0">
+            <a:schemeClr val="accent1"/>
+          </a:effectRef>
+          <a:fontRef idx="minor">
+            <a:schemeClr val="tx1"/>
+          </a:fontRef>
+        </p:style>
+      </p:cxnSp>
+      <p:cxnSp>
+        <p:nvCxnSpPr>
+          <p:cNvPr id="987" name="Straight Connector 986"/>
+          <p:cNvCxnSpPr>
+            <a:stCxn id="908" idx="7"/>
+            <a:endCxn id="884" idx="3"/>
+          </p:cNvCxnSpPr>
+          <p:nvPr/>
+        </p:nvCxnSpPr>
+        <p:spPr>
+          <a:xfrm flipV="1">
+            <a:off x="3330490" y="3930519"/>
+            <a:ext cx="1208315" cy="628369"/>
+          </a:xfrm>
+          <a:prstGeom prst="line">
+            <a:avLst/>
+          </a:prstGeom>
+          <a:ln>
+            <a:solidFill>
+              <a:schemeClr val="accent2"/>
+            </a:solidFill>
+          </a:ln>
+        </p:spPr>
+        <p:style>
+          <a:lnRef idx="1">
+            <a:schemeClr val="accent1"/>
+          </a:lnRef>
+          <a:fillRef idx="0">
+            <a:schemeClr val="accent1"/>
+          </a:fillRef>
+          <a:effectRef idx="0">
+            <a:schemeClr val="accent1"/>
+          </a:effectRef>
+          <a:fontRef idx="minor">
+            <a:schemeClr val="tx1"/>
+          </a:fontRef>
+        </p:style>
+      </p:cxnSp>
+      <p:cxnSp>
+        <p:nvCxnSpPr>
+          <p:cNvPr id="990" name="Straight Connector 989"/>
+          <p:cNvCxnSpPr>
+            <a:stCxn id="884" idx="5"/>
+            <a:endCxn id="909" idx="1"/>
+          </p:cNvCxnSpPr>
+          <p:nvPr/>
+        </p:nvCxnSpPr>
+        <p:spPr>
+          <a:xfrm>
+            <a:off x="4793363" y="3930519"/>
+            <a:ext cx="410805" cy="533592"/>
+          </a:xfrm>
+          <a:prstGeom prst="line">
+            <a:avLst/>
+          </a:prstGeom>
+          <a:ln>
+            <a:solidFill>
+              <a:schemeClr val="accent2"/>
+            </a:solidFill>
+          </a:ln>
+        </p:spPr>
+        <p:style>
+          <a:lnRef idx="1">
+            <a:schemeClr val="accent1"/>
+          </a:lnRef>
+          <a:fillRef idx="0">
+            <a:schemeClr val="accent1"/>
+          </a:fillRef>
+          <a:effectRef idx="0">
+            <a:schemeClr val="accent1"/>
+          </a:effectRef>
+          <a:fontRef idx="minor">
+            <a:schemeClr val="tx1"/>
+          </a:fontRef>
+        </p:style>
+      </p:cxnSp>
+      <p:cxnSp>
+        <p:nvCxnSpPr>
+          <p:cNvPr id="993" name="Straight Connector 992"/>
+          <p:cNvCxnSpPr>
+            <a:stCxn id="909" idx="7"/>
+            <a:endCxn id="885" idx="3"/>
+          </p:cNvCxnSpPr>
+          <p:nvPr/>
+        </p:nvCxnSpPr>
+        <p:spPr>
+          <a:xfrm flipV="1">
+            <a:off x="5458726" y="4038637"/>
+            <a:ext cx="498377" cy="425474"/>
+          </a:xfrm>
+          <a:prstGeom prst="line">
+            <a:avLst/>
+          </a:prstGeom>
+          <a:ln>
+            <a:solidFill>
+              <a:schemeClr val="accent2"/>
+            </a:solidFill>
+          </a:ln>
+        </p:spPr>
+        <p:style>
+          <a:lnRef idx="1">
+            <a:schemeClr val="accent1"/>
+          </a:lnRef>
+          <a:fillRef idx="0">
+            <a:schemeClr val="accent1"/>
+          </a:fillRef>
+          <a:effectRef idx="0">
+            <a:schemeClr val="accent1"/>
+          </a:effectRef>
+          <a:fontRef idx="minor">
+            <a:schemeClr val="tx1"/>
+          </a:fontRef>
+        </p:style>
+      </p:cxnSp>
+      <p:cxnSp>
+        <p:nvCxnSpPr>
+          <p:cNvPr id="996" name="Straight Connector 995"/>
+          <p:cNvCxnSpPr>
+            <a:stCxn id="885" idx="5"/>
+            <a:endCxn id="910" idx="3"/>
+          </p:cNvCxnSpPr>
+          <p:nvPr/>
+        </p:nvCxnSpPr>
+        <p:spPr>
+          <a:xfrm>
+            <a:off x="6211661" y="4038637"/>
+            <a:ext cx="223786" cy="467530"/>
+          </a:xfrm>
+          <a:prstGeom prst="line">
+            <a:avLst/>
+          </a:prstGeom>
+          <a:ln>
+            <a:solidFill>
+              <a:schemeClr val="accent2"/>
+            </a:solidFill>
+          </a:ln>
+        </p:spPr>
+        <p:style>
+          <a:lnRef idx="1">
+            <a:schemeClr val="accent1"/>
+          </a:lnRef>
+          <a:fillRef idx="0">
+            <a:schemeClr val="accent1"/>
+          </a:fillRef>
+          <a:effectRef idx="0">
+            <a:schemeClr val="accent1"/>
+          </a:effectRef>
+          <a:fontRef idx="minor">
+            <a:schemeClr val="tx1"/>
+          </a:fontRef>
+        </p:style>
+      </p:cxnSp>
+      <p:cxnSp>
+        <p:nvCxnSpPr>
+          <p:cNvPr id="999" name="Straight Connector 998"/>
+          <p:cNvCxnSpPr>
+            <a:stCxn id="883" idx="3"/>
+            <a:endCxn id="907" idx="7"/>
+          </p:cNvCxnSpPr>
+          <p:nvPr/>
+        </p:nvCxnSpPr>
+        <p:spPr>
+          <a:xfrm flipH="1">
+            <a:off x="2370005" y="4038637"/>
+            <a:ext cx="311563" cy="467530"/>
+          </a:xfrm>
+          <a:prstGeom prst="line">
+            <a:avLst/>
+          </a:prstGeom>
+          <a:ln>
+            <a:solidFill>
+              <a:schemeClr val="accent2"/>
+            </a:solidFill>
+          </a:ln>
+        </p:spPr>
+        <p:style>
+          <a:lnRef idx="1">
+            <a:schemeClr val="accent1"/>
+          </a:lnRef>
+          <a:fillRef idx="0">
+            <a:schemeClr val="accent1"/>
+          </a:fillRef>
+          <a:effectRef idx="0">
+            <a:schemeClr val="accent1"/>
+          </a:effectRef>
+          <a:fontRef idx="minor">
+            <a:schemeClr val="tx1"/>
+          </a:fontRef>
+        </p:style>
+      </p:cxnSp>
+      <p:cxnSp>
+        <p:nvCxnSpPr>
+          <p:cNvPr id="1002" name="Straight Connector 1001"/>
+          <p:cNvCxnSpPr>
+            <a:stCxn id="886" idx="6"/>
+            <a:endCxn id="887" idx="2"/>
+          </p:cNvCxnSpPr>
+          <p:nvPr/>
+        </p:nvCxnSpPr>
+        <p:spPr>
+          <a:xfrm flipV="1">
+            <a:off x="2420743" y="2973035"/>
+            <a:ext cx="1283818" cy="218323"/>
+          </a:xfrm>
+          <a:prstGeom prst="line">
+            <a:avLst/>
+          </a:prstGeom>
+          <a:ln>
+            <a:solidFill>
+              <a:schemeClr val="accent2"/>
+            </a:solidFill>
+          </a:ln>
+        </p:spPr>
+        <p:style>
+          <a:lnRef idx="1">
+            <a:schemeClr val="accent1"/>
+          </a:lnRef>
+          <a:fillRef idx="0">
+            <a:schemeClr val="accent1"/>
+          </a:fillRef>
+          <a:effectRef idx="0">
+            <a:schemeClr val="accent1"/>
+          </a:effectRef>
+          <a:fontRef idx="minor">
+            <a:schemeClr val="tx1"/>
+          </a:fontRef>
+        </p:style>
+      </p:cxnSp>
+      <p:cxnSp>
+        <p:nvCxnSpPr>
+          <p:cNvPr id="1005" name="Straight Connector 1004"/>
+          <p:cNvCxnSpPr>
+            <a:stCxn id="887" idx="6"/>
+            <a:endCxn id="888" idx="2"/>
+          </p:cNvCxnSpPr>
+          <p:nvPr/>
+        </p:nvCxnSpPr>
+        <p:spPr>
+          <a:xfrm>
+            <a:off x="4064561" y="2973035"/>
+            <a:ext cx="1003461" cy="127279"/>
+          </a:xfrm>
+          <a:prstGeom prst="line">
+            <a:avLst/>
+          </a:prstGeom>
+          <a:ln>
+            <a:solidFill>
+              <a:schemeClr val="accent2"/>
+            </a:solidFill>
+          </a:ln>
+        </p:spPr>
+        <p:style>
+          <a:lnRef idx="1">
+            <a:schemeClr val="accent1"/>
+          </a:lnRef>
+          <a:fillRef idx="0">
+            <a:schemeClr val="accent1"/>
+          </a:fillRef>
+          <a:effectRef idx="0">
+            <a:schemeClr val="accent1"/>
+          </a:effectRef>
+          <a:fontRef idx="minor">
+            <a:schemeClr val="tx1"/>
+          </a:fontRef>
+        </p:style>
+      </p:cxnSp>
+      <p:cxnSp>
+        <p:nvCxnSpPr>
+          <p:cNvPr id="1008" name="Straight Connector 1007"/>
+          <p:cNvCxnSpPr>
+            <a:stCxn id="888" idx="6"/>
+            <a:endCxn id="889" idx="4"/>
+          </p:cNvCxnSpPr>
+          <p:nvPr/>
+        </p:nvCxnSpPr>
+        <p:spPr>
+          <a:xfrm>
+            <a:off x="5428022" y="3100314"/>
+            <a:ext cx="952721" cy="91044"/>
+          </a:xfrm>
+          <a:prstGeom prst="line">
+            <a:avLst/>
+          </a:prstGeom>
+          <a:ln>
+            <a:solidFill>
+              <a:schemeClr val="accent2"/>
+            </a:solidFill>
+          </a:ln>
+        </p:spPr>
+        <p:style>
+          <a:lnRef idx="1">
+            <a:schemeClr val="accent1"/>
+          </a:lnRef>
+          <a:fillRef idx="0">
+            <a:schemeClr val="accent1"/>
+          </a:fillRef>
+          <a:effectRef idx="0">
+            <a:schemeClr val="accent1"/>
+          </a:effectRef>
+          <a:fontRef idx="minor">
+            <a:schemeClr val="tx1"/>
+          </a:fontRef>
+        </p:style>
+      </p:cxnSp>
+      <p:cxnSp>
+        <p:nvCxnSpPr>
+          <p:cNvPr id="1011" name="Straight Connector 1010"/>
+          <p:cNvCxnSpPr>
+            <a:stCxn id="2" idx="5"/>
+            <a:endCxn id="887" idx="1"/>
+          </p:cNvCxnSpPr>
+          <p:nvPr/>
+        </p:nvCxnSpPr>
+        <p:spPr>
+          <a:xfrm>
+            <a:off x="2855301" y="2289270"/>
+            <a:ext cx="901981" cy="556486"/>
+          </a:xfrm>
+          <a:prstGeom prst="line">
+            <a:avLst/>
+          </a:prstGeom>
+          <a:ln>
+            <a:solidFill>
+              <a:schemeClr val="accent2"/>
+            </a:solidFill>
+          </a:ln>
+        </p:spPr>
+        <p:style>
+          <a:lnRef idx="1">
+            <a:schemeClr val="accent1"/>
+          </a:lnRef>
+          <a:fillRef idx="0">
+            <a:schemeClr val="accent1"/>
+          </a:fillRef>
+          <a:effectRef idx="0">
+            <a:schemeClr val="accent1"/>
+          </a:effectRef>
+          <a:fontRef idx="minor">
+            <a:schemeClr val="tx1"/>
+          </a:fontRef>
+        </p:style>
+      </p:cxnSp>
+      <p:cxnSp>
+        <p:nvCxnSpPr>
+          <p:cNvPr id="1014" name="Straight Connector 1013"/>
+          <p:cNvCxnSpPr>
+            <a:stCxn id="3" idx="5"/>
+            <a:endCxn id="888" idx="1"/>
+          </p:cNvCxnSpPr>
+          <p:nvPr/>
+        </p:nvCxnSpPr>
+        <p:spPr>
+          <a:xfrm>
+            <a:off x="4593642" y="2416549"/>
+            <a:ext cx="527101" cy="556486"/>
+          </a:xfrm>
+          <a:prstGeom prst="line">
+            <a:avLst/>
+          </a:prstGeom>
+          <a:ln>
+            <a:solidFill>
+              <a:schemeClr val="accent2"/>
+            </a:solidFill>
+          </a:ln>
+        </p:spPr>
+        <p:style>
+          <a:lnRef idx="1">
+            <a:schemeClr val="accent1"/>
+          </a:lnRef>
+          <a:fillRef idx="0">
+            <a:schemeClr val="accent1"/>
+          </a:fillRef>
+          <a:effectRef idx="0">
+            <a:schemeClr val="accent1"/>
+          </a:effectRef>
+          <a:fontRef idx="minor">
+            <a:schemeClr val="tx1"/>
+          </a:fontRef>
+        </p:style>
+      </p:cxnSp>
+      <p:cxnSp>
+        <p:nvCxnSpPr>
+          <p:cNvPr id="1018" name="Straight Connector 1017"/>
+          <p:cNvCxnSpPr>
+            <a:stCxn id="4" idx="5"/>
+            <a:endCxn id="889" idx="3"/>
+          </p:cNvCxnSpPr>
+          <p:nvPr/>
+        </p:nvCxnSpPr>
+        <p:spPr>
+          <a:xfrm>
+            <a:off x="6122653" y="2596549"/>
+            <a:ext cx="310811" cy="467530"/>
+          </a:xfrm>
+          <a:prstGeom prst="line">
+            <a:avLst/>
+          </a:prstGeom>
+          <a:ln>
+            <a:solidFill>
+              <a:schemeClr val="accent2"/>
+            </a:solidFill>
+          </a:ln>
+        </p:spPr>
+        <p:style>
+          <a:lnRef idx="1">
+            <a:schemeClr val="accent1"/>
+          </a:lnRef>
+          <a:fillRef idx="0">
+            <a:schemeClr val="accent1"/>
+          </a:fillRef>
+          <a:effectRef idx="0">
+            <a:schemeClr val="accent1"/>
+          </a:effectRef>
+          <a:fontRef idx="minor">
+            <a:schemeClr val="tx1"/>
+          </a:fontRef>
+        </p:style>
+      </p:cxnSp>
+      <p:cxnSp>
+        <p:nvCxnSpPr>
+          <p:cNvPr id="1021" name="Straight Connector 1020"/>
+          <p:cNvCxnSpPr>
+            <a:stCxn id="4" idx="3"/>
+            <a:endCxn id="888" idx="7"/>
+          </p:cNvCxnSpPr>
+          <p:nvPr/>
+        </p:nvCxnSpPr>
+        <p:spPr>
+          <a:xfrm flipH="1">
+            <a:off x="5375301" y="2596549"/>
+            <a:ext cx="492794" cy="376486"/>
+          </a:xfrm>
+          <a:prstGeom prst="line">
+            <a:avLst/>
+          </a:prstGeom>
+          <a:ln>
+            <a:solidFill>
+              <a:schemeClr val="accent2"/>
+            </a:solidFill>
+          </a:ln>
+        </p:spPr>
+        <p:style>
+          <a:lnRef idx="1">
+            <a:schemeClr val="accent1"/>
+          </a:lnRef>
+          <a:fillRef idx="0">
+            <a:schemeClr val="accent1"/>
+          </a:fillRef>
+          <a:effectRef idx="0">
+            <a:schemeClr val="accent1"/>
+          </a:effectRef>
+          <a:fontRef idx="minor">
+            <a:schemeClr val="tx1"/>
+          </a:fontRef>
+        </p:style>
+      </p:cxnSp>
+      <p:cxnSp>
+        <p:nvCxnSpPr>
+          <p:cNvPr id="1024" name="Straight Connector 1023"/>
+          <p:cNvCxnSpPr>
+            <a:stCxn id="3" idx="3"/>
+            <a:endCxn id="887" idx="7"/>
+          </p:cNvCxnSpPr>
+          <p:nvPr/>
+        </p:nvCxnSpPr>
+        <p:spPr>
+          <a:xfrm flipH="1">
+            <a:off x="4011840" y="2416549"/>
+            <a:ext cx="327244" cy="429207"/>
+          </a:xfrm>
+          <a:prstGeom prst="line">
+            <a:avLst/>
+          </a:prstGeom>
+          <a:ln>
+            <a:solidFill>
+              <a:schemeClr val="accent2"/>
+            </a:solidFill>
+          </a:ln>
+        </p:spPr>
+        <p:style>
+          <a:lnRef idx="1">
+            <a:schemeClr val="accent1"/>
+          </a:lnRef>
+          <a:fillRef idx="0">
+            <a:schemeClr val="accent1"/>
+          </a:fillRef>
+          <a:effectRef idx="0">
+            <a:schemeClr val="accent1"/>
+          </a:effectRef>
+          <a:fontRef idx="minor">
+            <a:schemeClr val="tx1"/>
+          </a:fontRef>
+        </p:style>
+      </p:cxnSp>
+      <p:cxnSp>
+        <p:nvCxnSpPr>
+          <p:cNvPr id="1027" name="Straight Connector 1026"/>
+          <p:cNvCxnSpPr>
+            <a:stCxn id="2" idx="3"/>
+            <a:endCxn id="886" idx="7"/>
+          </p:cNvCxnSpPr>
+          <p:nvPr/>
+        </p:nvCxnSpPr>
+        <p:spPr>
+          <a:xfrm flipH="1">
+            <a:off x="2368022" y="2289270"/>
+            <a:ext cx="232721" cy="774809"/>
+          </a:xfrm>
+          <a:prstGeom prst="line">
+            <a:avLst/>
+          </a:prstGeom>
+          <a:ln>
+            <a:solidFill>
+              <a:schemeClr val="accent2"/>
+            </a:solidFill>
+          </a:ln>
+        </p:spPr>
+        <p:style>
+          <a:lnRef idx="1">
+            <a:schemeClr val="accent1"/>
+          </a:lnRef>
+          <a:fillRef idx="0">
+            <a:schemeClr val="accent1"/>
+          </a:fillRef>
+          <a:effectRef idx="0">
+            <a:schemeClr val="accent1"/>
+          </a:effectRef>
+          <a:fontRef idx="minor">
+            <a:schemeClr val="tx1"/>
+          </a:fontRef>
+        </p:style>
+      </p:cxnSp>
+      <p:sp>
+        <p:nvSpPr>
+          <p:cNvPr id="76" name="Oval 75"/>
+          <p:cNvSpPr/>
+          <p:nvPr/>
+        </p:nvSpPr>
+        <p:spPr>
+          <a:xfrm>
+            <a:off x="2150743" y="1659270"/>
+            <a:ext cx="180000" cy="180000"/>
+          </a:xfrm>
+          <a:prstGeom prst="ellipse">
+            <a:avLst/>
+          </a:prstGeom>
+          <a:solidFill>
+            <a:schemeClr val="accent2"/>
+          </a:solidFill>
+          <a:ln>
+            <a:noFill/>
+          </a:ln>
+        </p:spPr>
+        <p:style>
+          <a:lnRef idx="2">
+            <a:schemeClr val="accent1">
+              <a:shade val="50000"/>
+            </a:schemeClr>
+          </a:lnRef>
+          <a:fillRef idx="1">
+            <a:schemeClr val="accent1"/>
+          </a:fillRef>
+          <a:effectRef idx="0">
+            <a:schemeClr val="accent1"/>
+          </a:effectRef>
+          <a:fontRef idx="minor">
+            <a:schemeClr val="lt1"/>
+          </a:fontRef>
+        </p:style>
+        <p:txBody>
+          <a:bodyPr rtlCol="0" anchor="ctr"/>
+          <a:lstStyle/>
+          <a:p>
+            <a:pPr algn="ctr"/>
+            <a:endParaRPr lang="en-US"/>
+          </a:p>
+        </p:txBody>
+      </p:sp>
+      <p:sp>
+        <p:nvSpPr>
+          <p:cNvPr id="82" name="Oval 81"/>
+          <p:cNvSpPr/>
+          <p:nvPr/>
+        </p:nvSpPr>
+        <p:spPr>
+          <a:xfrm>
+            <a:off x="3590743" y="1659270"/>
+            <a:ext cx="180000" cy="180000"/>
+          </a:xfrm>
+          <a:prstGeom prst="ellipse">
+            <a:avLst/>
+          </a:prstGeom>
+          <a:solidFill>
+            <a:schemeClr val="accent2"/>
+          </a:solidFill>
+          <a:ln>
+            <a:noFill/>
+          </a:ln>
+        </p:spPr>
+        <p:style>
+          <a:lnRef idx="2">
+            <a:schemeClr val="accent1">
+              <a:shade val="50000"/>
+            </a:schemeClr>
+          </a:lnRef>
+          <a:fillRef idx="1">
+            <a:schemeClr val="accent1"/>
+          </a:fillRef>
+          <a:effectRef idx="0">
+            <a:schemeClr val="accent1"/>
+          </a:effectRef>
+          <a:fontRef idx="minor">
+            <a:schemeClr val="lt1"/>
+          </a:fontRef>
+        </p:style>
+        <p:txBody>
+          <a:bodyPr rtlCol="0" anchor="ctr"/>
+          <a:lstStyle/>
+          <a:p>
+            <a:pPr algn="ctr"/>
+            <a:endParaRPr lang="en-US"/>
+          </a:p>
+        </p:txBody>
+      </p:sp>
+      <p:sp>
+        <p:nvSpPr>
+          <p:cNvPr id="83" name="Oval 82"/>
+          <p:cNvSpPr/>
+          <p:nvPr/>
+        </p:nvSpPr>
+        <p:spPr>
+          <a:xfrm>
+            <a:off x="5030743" y="1659270"/>
+            <a:ext cx="180000" cy="180000"/>
+          </a:xfrm>
+          <a:prstGeom prst="ellipse">
+            <a:avLst/>
+          </a:prstGeom>
+          <a:solidFill>
+            <a:schemeClr val="accent2"/>
+          </a:solidFill>
+          <a:ln>
+            <a:noFill/>
+          </a:ln>
+        </p:spPr>
+        <p:style>
+          <a:lnRef idx="2">
+            <a:schemeClr val="accent1">
+              <a:shade val="50000"/>
+            </a:schemeClr>
+          </a:lnRef>
+          <a:fillRef idx="1">
+            <a:schemeClr val="accent1"/>
+          </a:fillRef>
+          <a:effectRef idx="0">
+            <a:schemeClr val="accent1"/>
+          </a:effectRef>
+          <a:fontRef idx="minor">
+            <a:schemeClr val="lt1"/>
+          </a:fontRef>
+        </p:style>
+        <p:txBody>
+          <a:bodyPr rtlCol="0" anchor="ctr"/>
+          <a:lstStyle/>
+          <a:p>
+            <a:pPr algn="ctr"/>
+            <a:endParaRPr lang="en-US"/>
+          </a:p>
+        </p:txBody>
+      </p:sp>
+      <p:sp>
+        <p:nvSpPr>
+          <p:cNvPr id="84" name="Oval 83"/>
+          <p:cNvSpPr/>
+          <p:nvPr/>
+        </p:nvSpPr>
+        <p:spPr>
+          <a:xfrm>
+            <a:off x="6470743" y="1658015"/>
+            <a:ext cx="180000" cy="180000"/>
+          </a:xfrm>
+          <a:prstGeom prst="ellipse">
+            <a:avLst/>
+          </a:prstGeom>
+          <a:solidFill>
+            <a:schemeClr val="accent2"/>
+          </a:solidFill>
+          <a:ln>
+            <a:noFill/>
+          </a:ln>
+        </p:spPr>
+        <p:style>
+          <a:lnRef idx="2">
+            <a:schemeClr val="accent1">
+              <a:shade val="50000"/>
+            </a:schemeClr>
+          </a:lnRef>
+          <a:fillRef idx="1">
+            <a:schemeClr val="accent1"/>
+          </a:fillRef>
+          <a:effectRef idx="0">
+            <a:schemeClr val="accent1"/>
+          </a:effectRef>
+          <a:fontRef idx="minor">
+            <a:schemeClr val="lt1"/>
+          </a:fontRef>
+        </p:style>
+        <p:txBody>
+          <a:bodyPr rtlCol="0" anchor="ctr"/>
+          <a:lstStyle/>
+          <a:p>
+            <a:pPr algn="ctr"/>
+            <a:endParaRPr lang="en-US"/>
+          </a:p>
+        </p:txBody>
+      </p:sp>
+      <p:sp>
+        <p:nvSpPr>
+          <p:cNvPr id="90" name="Oval 89"/>
+          <p:cNvSpPr/>
+          <p:nvPr/>
+        </p:nvSpPr>
+        <p:spPr>
+          <a:xfrm>
+            <a:off x="2150743" y="3101358"/>
+            <a:ext cx="180000" cy="180000"/>
+          </a:xfrm>
+          <a:prstGeom prst="ellipse">
+            <a:avLst/>
+          </a:prstGeom>
+          <a:solidFill>
+            <a:schemeClr val="accent2"/>
+          </a:solidFill>
+          <a:ln>
+            <a:noFill/>
+          </a:ln>
+        </p:spPr>
+        <p:style>
+          <a:lnRef idx="2">
+            <a:schemeClr val="accent1">
+              <a:shade val="50000"/>
+            </a:schemeClr>
+          </a:lnRef>
+          <a:fillRef idx="1">
+            <a:schemeClr val="accent1"/>
+          </a:fillRef>
+          <a:effectRef idx="0">
+            <a:schemeClr val="accent1"/>
+          </a:effectRef>
+          <a:fontRef idx="minor">
+            <a:schemeClr val="lt1"/>
+          </a:fontRef>
+        </p:style>
+        <p:txBody>
+          <a:bodyPr rtlCol="0" anchor="ctr"/>
+          <a:lstStyle/>
+          <a:p>
+            <a:pPr algn="ctr"/>
+            <a:endParaRPr lang="en-US"/>
+          </a:p>
+        </p:txBody>
+      </p:sp>
+      <p:sp>
+        <p:nvSpPr>
+          <p:cNvPr id="93" name="Oval 92"/>
+          <p:cNvSpPr/>
+          <p:nvPr/>
+        </p:nvSpPr>
+        <p:spPr>
+          <a:xfrm>
+            <a:off x="6470743" y="3101358"/>
+            <a:ext cx="180000" cy="180000"/>
+          </a:xfrm>
+          <a:prstGeom prst="ellipse">
+            <a:avLst/>
+          </a:prstGeom>
+          <a:solidFill>
+            <a:schemeClr val="accent2"/>
+          </a:solidFill>
+          <a:ln>
+            <a:noFill/>
+          </a:ln>
+        </p:spPr>
+        <p:style>
+          <a:lnRef idx="2">
+            <a:schemeClr val="accent1">
+              <a:shade val="50000"/>
+            </a:schemeClr>
+          </a:lnRef>
+          <a:fillRef idx="1">
+            <a:schemeClr val="accent1"/>
+          </a:fillRef>
+          <a:effectRef idx="0">
+            <a:schemeClr val="accent1"/>
+          </a:effectRef>
+          <a:fontRef idx="minor">
+            <a:schemeClr val="lt1"/>
+          </a:fontRef>
+        </p:style>
+        <p:txBody>
+          <a:bodyPr rtlCol="0" anchor="ctr"/>
+          <a:lstStyle/>
+          <a:p>
+            <a:pPr algn="ctr"/>
+            <a:endParaRPr lang="en-US"/>
+          </a:p>
+        </p:txBody>
+      </p:sp>
+      <p:sp>
+        <p:nvSpPr>
+          <p:cNvPr id="98" name="Oval 97"/>
+          <p:cNvSpPr/>
+          <p:nvPr/>
+        </p:nvSpPr>
+        <p:spPr>
+          <a:xfrm>
+            <a:off x="2152726" y="4543446"/>
+            <a:ext cx="180000" cy="180000"/>
+          </a:xfrm>
+          <a:prstGeom prst="ellipse">
+            <a:avLst/>
+          </a:prstGeom>
+          <a:solidFill>
+            <a:schemeClr val="accent2"/>
+          </a:solidFill>
+          <a:ln>
+            <a:noFill/>
+          </a:ln>
+        </p:spPr>
+        <p:style>
+          <a:lnRef idx="2">
+            <a:schemeClr val="accent1">
+              <a:shade val="50000"/>
+            </a:schemeClr>
+          </a:lnRef>
+          <a:fillRef idx="1">
+            <a:schemeClr val="accent1"/>
+          </a:fillRef>
+          <a:effectRef idx="0">
+            <a:schemeClr val="accent1"/>
+          </a:effectRef>
+          <a:fontRef idx="minor">
+            <a:schemeClr val="lt1"/>
+          </a:fontRef>
+        </p:style>
+        <p:txBody>
+          <a:bodyPr rtlCol="0" anchor="ctr"/>
+          <a:lstStyle/>
+          <a:p>
+            <a:pPr algn="ctr"/>
+            <a:endParaRPr lang="en-US"/>
+          </a:p>
+        </p:txBody>
+      </p:sp>
+      <p:sp>
+        <p:nvSpPr>
+          <p:cNvPr id="101" name="Oval 100"/>
+          <p:cNvSpPr/>
+          <p:nvPr/>
+        </p:nvSpPr>
+        <p:spPr>
+          <a:xfrm>
+            <a:off x="6472726" y="4543446"/>
+            <a:ext cx="180000" cy="180000"/>
+          </a:xfrm>
+          <a:prstGeom prst="ellipse">
+            <a:avLst/>
+          </a:prstGeom>
+          <a:solidFill>
+            <a:schemeClr val="accent2"/>
+          </a:solidFill>
+          <a:ln>
+            <a:noFill/>
+          </a:ln>
+        </p:spPr>
+        <p:style>
+          <a:lnRef idx="2">
+            <a:schemeClr val="accent1">
+              <a:shade val="50000"/>
+            </a:schemeClr>
+          </a:lnRef>
+          <a:fillRef idx="1">
+            <a:schemeClr val="accent1"/>
+          </a:fillRef>
+          <a:effectRef idx="0">
+            <a:schemeClr val="accent1"/>
+          </a:effectRef>
+          <a:fontRef idx="minor">
+            <a:schemeClr val="lt1"/>
+          </a:fontRef>
+        </p:style>
+        <p:txBody>
+          <a:bodyPr rtlCol="0" anchor="ctr"/>
+          <a:lstStyle/>
+          <a:p>
+            <a:pPr algn="ctr"/>
+            <a:endParaRPr lang="en-US"/>
+          </a:p>
+        </p:txBody>
+      </p:sp>
+      <p:sp>
+        <p:nvSpPr>
+          <p:cNvPr id="102" name="Oval 101"/>
+          <p:cNvSpPr/>
+          <p:nvPr/>
+        </p:nvSpPr>
+        <p:spPr>
+          <a:xfrm>
+            <a:off x="2098022" y="6036167"/>
+            <a:ext cx="180000" cy="180000"/>
+          </a:xfrm>
+          <a:prstGeom prst="ellipse">
+            <a:avLst/>
+          </a:prstGeom>
+          <a:solidFill>
+            <a:schemeClr val="accent2"/>
+          </a:solidFill>
+          <a:ln>
+            <a:noFill/>
+          </a:ln>
+        </p:spPr>
+        <p:style>
+          <a:lnRef idx="2">
+            <a:schemeClr val="accent1">
+              <a:shade val="50000"/>
+            </a:schemeClr>
+          </a:lnRef>
+          <a:fillRef idx="1">
+            <a:schemeClr val="accent1"/>
+          </a:fillRef>
+          <a:effectRef idx="0">
+            <a:schemeClr val="accent1"/>
+          </a:effectRef>
+          <a:fontRef idx="minor">
+            <a:schemeClr val="lt1"/>
+          </a:fontRef>
+        </p:style>
+        <p:txBody>
+          <a:bodyPr rtlCol="0" anchor="ctr"/>
+          <a:lstStyle/>
+          <a:p>
+            <a:pPr algn="ctr"/>
+            <a:endParaRPr lang="en-US"/>
+          </a:p>
+        </p:txBody>
+      </p:sp>
+      <p:sp>
+        <p:nvSpPr>
+          <p:cNvPr id="103" name="Oval 102"/>
+          <p:cNvSpPr/>
+          <p:nvPr/>
+        </p:nvSpPr>
+        <p:spPr>
+          <a:xfrm>
+            <a:off x="3538022" y="6036167"/>
+            <a:ext cx="180000" cy="180000"/>
+          </a:xfrm>
+          <a:prstGeom prst="ellipse">
+            <a:avLst/>
+          </a:prstGeom>
+          <a:solidFill>
+            <a:schemeClr val="accent2"/>
+          </a:solidFill>
+          <a:ln>
+            <a:noFill/>
+          </a:ln>
+        </p:spPr>
+        <p:style>
+          <a:lnRef idx="2">
+            <a:schemeClr val="accent1">
+              <a:shade val="50000"/>
+            </a:schemeClr>
+          </a:lnRef>
+          <a:fillRef idx="1">
+            <a:schemeClr val="accent1"/>
+          </a:fillRef>
+          <a:effectRef idx="0">
+            <a:schemeClr val="accent1"/>
+          </a:effectRef>
+          <a:fontRef idx="minor">
+            <a:schemeClr val="lt1"/>
+          </a:fontRef>
+        </p:style>
+        <p:txBody>
+          <a:bodyPr rtlCol="0" anchor="ctr"/>
+          <a:lstStyle/>
+          <a:p>
+            <a:pPr algn="ctr"/>
+            <a:endParaRPr lang="en-US"/>
+          </a:p>
+        </p:txBody>
+      </p:sp>
+      <p:sp>
+        <p:nvSpPr>
+          <p:cNvPr id="104" name="Oval 103"/>
+          <p:cNvSpPr/>
+          <p:nvPr/>
+        </p:nvSpPr>
+        <p:spPr>
+          <a:xfrm>
+            <a:off x="4978022" y="6036167"/>
+            <a:ext cx="180000" cy="180000"/>
+          </a:xfrm>
+          <a:prstGeom prst="ellipse">
+            <a:avLst/>
+          </a:prstGeom>
+          <a:solidFill>
+            <a:schemeClr val="accent2"/>
+          </a:solidFill>
+          <a:ln>
+            <a:noFill/>
+          </a:ln>
+        </p:spPr>
+        <p:style>
+          <a:lnRef idx="2">
+            <a:schemeClr val="accent1">
+              <a:shade val="50000"/>
+            </a:schemeClr>
+          </a:lnRef>
+          <a:fillRef idx="1">
+            <a:schemeClr val="accent1"/>
+          </a:fillRef>
+          <a:effectRef idx="0">
+            <a:schemeClr val="accent1"/>
+          </a:effectRef>
+          <a:fontRef idx="minor">
+            <a:schemeClr val="lt1"/>
+          </a:fontRef>
+        </p:style>
+        <p:txBody>
+          <a:bodyPr rtlCol="0" anchor="ctr"/>
+          <a:lstStyle/>
+          <a:p>
+            <a:pPr algn="ctr"/>
+            <a:endParaRPr lang="en-US"/>
+          </a:p>
+        </p:txBody>
+      </p:sp>
+      <p:sp>
+        <p:nvSpPr>
+          <p:cNvPr id="105" name="Oval 104"/>
+          <p:cNvSpPr/>
+          <p:nvPr/>
+        </p:nvSpPr>
+        <p:spPr>
+          <a:xfrm>
+            <a:off x="6418022" y="6036167"/>
+            <a:ext cx="180000" cy="180000"/>
+          </a:xfrm>
+          <a:prstGeom prst="ellipse">
+            <a:avLst/>
+          </a:prstGeom>
+          <a:solidFill>
+            <a:schemeClr val="accent2"/>
+          </a:solidFill>
+          <a:ln>
+            <a:noFill/>
+          </a:ln>
+        </p:spPr>
+        <p:style>
+          <a:lnRef idx="2">
+            <a:schemeClr val="accent1">
+              <a:shade val="50000"/>
+            </a:schemeClr>
+          </a:lnRef>
+          <a:fillRef idx="1">
+            <a:schemeClr val="accent1"/>
+          </a:fillRef>
+          <a:effectRef idx="0">
+            <a:schemeClr val="accent1"/>
+          </a:effectRef>
+          <a:fontRef idx="minor">
+            <a:schemeClr val="lt1"/>
+          </a:fontRef>
+        </p:style>
+        <p:txBody>
+          <a:bodyPr rtlCol="0" anchor="ctr"/>
+          <a:lstStyle/>
+          <a:p>
+            <a:pPr algn="ctr"/>
+            <a:endParaRPr lang="en-US"/>
+          </a:p>
+        </p:txBody>
+      </p:sp>
+      <p:sp>
+        <p:nvSpPr>
+          <p:cNvPr id="955" name="Title 954"/>
+          <p:cNvSpPr>
+            <a:spLocks noGrp="1"/>
+          </p:cNvSpPr>
+          <p:nvPr>
+            <p:ph type="title"/>
+          </p:nvPr>
+        </p:nvSpPr>
+        <p:spPr/>
+        <p:txBody>
+          <a:bodyPr/>
+          <a:lstStyle/>
+          <a:p>
+            <a:r>
+              <a:rPr lang="en-US" dirty="0" smtClean="0"/>
+              <a:t>stabilize</a:t>
+            </a:r>
+            <a:endParaRPr lang="en-US" dirty="0"/>
+          </a:p>
+        </p:txBody>
+      </p:sp>
+      <p:cxnSp>
+        <p:nvCxnSpPr>
+          <p:cNvPr id="6" name="Straight Connector 5"/>
+          <p:cNvCxnSpPr>
+            <a:stCxn id="2" idx="6"/>
+            <a:endCxn id="3" idx="2"/>
+          </p:cNvCxnSpPr>
+          <p:nvPr/>
+        </p:nvCxnSpPr>
+        <p:spPr>
+          <a:xfrm>
+            <a:off x="2908022" y="2161991"/>
+            <a:ext cx="1378341" cy="127279"/>
+          </a:xfrm>
+          <a:prstGeom prst="line">
+            <a:avLst/>
+          </a:prstGeom>
+          <a:ln w="19050">
+            <a:solidFill>
+              <a:schemeClr val="accent5"/>
+            </a:solidFill>
+            <a:prstDash val="lgDash"/>
+          </a:ln>
+        </p:spPr>
+        <p:style>
+          <a:lnRef idx="1">
+            <a:schemeClr val="accent1"/>
+          </a:lnRef>
+          <a:fillRef idx="0">
+            <a:schemeClr val="accent1"/>
+          </a:fillRef>
+          <a:effectRef idx="0">
+            <a:schemeClr val="accent1"/>
+          </a:effectRef>
+          <a:fontRef idx="minor">
+            <a:schemeClr val="tx1"/>
+          </a:fontRef>
+        </p:style>
+      </p:cxnSp>
+      <p:cxnSp>
+        <p:nvCxnSpPr>
+          <p:cNvPr id="8" name="Straight Connector 7"/>
+          <p:cNvCxnSpPr>
+            <a:stCxn id="883" idx="6"/>
+            <a:endCxn id="884" idx="2"/>
+          </p:cNvCxnSpPr>
+          <p:nvPr/>
+        </p:nvCxnSpPr>
+        <p:spPr>
+          <a:xfrm flipV="1">
+            <a:off x="2988847" y="3803240"/>
+            <a:ext cx="1497237" cy="108118"/>
+          </a:xfrm>
+          <a:prstGeom prst="line">
+            <a:avLst/>
+          </a:prstGeom>
+          <a:ln w="19050">
+            <a:solidFill>
+              <a:schemeClr val="accent5"/>
+            </a:solidFill>
+            <a:prstDash val="lgDash"/>
+          </a:ln>
+        </p:spPr>
+        <p:style>
+          <a:lnRef idx="1">
+            <a:schemeClr val="accent1"/>
+          </a:lnRef>
+          <a:fillRef idx="0">
+            <a:schemeClr val="accent1"/>
+          </a:fillRef>
+          <a:effectRef idx="0">
+            <a:schemeClr val="accent1"/>
+          </a:effectRef>
+          <a:fontRef idx="minor">
+            <a:schemeClr val="tx1"/>
+          </a:fontRef>
+        </p:style>
+      </p:cxnSp>
+      <p:cxnSp>
+        <p:nvCxnSpPr>
+          <p:cNvPr id="10" name="Straight Connector 9"/>
+          <p:cNvCxnSpPr>
+            <a:stCxn id="908" idx="6"/>
+            <a:endCxn id="909" idx="2"/>
+          </p:cNvCxnSpPr>
+          <p:nvPr/>
+        </p:nvCxnSpPr>
+        <p:spPr>
+          <a:xfrm flipV="1">
+            <a:off x="3383211" y="4591390"/>
+            <a:ext cx="1768236" cy="94777"/>
+          </a:xfrm>
+          <a:prstGeom prst="line">
+            <a:avLst/>
+          </a:prstGeom>
+          <a:ln w="19050">
+            <a:solidFill>
+              <a:schemeClr val="accent5"/>
+            </a:solidFill>
+            <a:prstDash val="lgDash"/>
+          </a:ln>
+        </p:spPr>
+        <p:style>
+          <a:lnRef idx="1">
+            <a:schemeClr val="accent1"/>
+          </a:lnRef>
+          <a:fillRef idx="0">
+            <a:schemeClr val="accent1"/>
+          </a:fillRef>
+          <a:effectRef idx="0">
+            <a:schemeClr val="accent1"/>
+          </a:effectRef>
+          <a:fontRef idx="minor">
+            <a:schemeClr val="tx1"/>
+          </a:fontRef>
+        </p:style>
+      </p:cxnSp>
+      <p:cxnSp>
+        <p:nvCxnSpPr>
+          <p:cNvPr id="12" name="Straight Connector 11"/>
+          <p:cNvCxnSpPr>
+            <a:stCxn id="905" idx="6"/>
+            <a:endCxn id="906" idx="2"/>
+          </p:cNvCxnSpPr>
+          <p:nvPr/>
+        </p:nvCxnSpPr>
+        <p:spPr>
+          <a:xfrm>
+            <a:off x="4246159" y="5319494"/>
+            <a:ext cx="1671899" cy="127279"/>
+          </a:xfrm>
+          <a:prstGeom prst="line">
+            <a:avLst/>
+          </a:prstGeom>
+          <a:ln w="19050">
+            <a:solidFill>
+              <a:schemeClr val="accent5"/>
+            </a:solidFill>
+            <a:prstDash val="lgDash"/>
+          </a:ln>
+        </p:spPr>
+        <p:style>
+          <a:lnRef idx="1">
+            <a:schemeClr val="accent1"/>
+          </a:lnRef>
+          <a:fillRef idx="0">
+            <a:schemeClr val="accent1"/>
+          </a:fillRef>
+          <a:effectRef idx="0">
+            <a:schemeClr val="accent1"/>
+          </a:effectRef>
+          <a:fontRef idx="minor">
+            <a:schemeClr val="tx1"/>
+          </a:fontRef>
+        </p:style>
+      </p:cxnSp>
+    </p:spTree>
+    <p:extLst>
+      <p:ext uri="{BB962C8B-B14F-4D97-AF65-F5344CB8AC3E}">
+        <p14:creationId xmlns:p14="http://schemas.microsoft.com/office/powerpoint/2010/main" val="2047022052"/>
+      </p:ext>
+    </p:extLst>
+  </p:cSld>
+  <p:clrMapOvr>
+    <a:masterClrMapping/>
+  </p:clrMapOvr>
+  <p:timing>
+    <p:tnLst>
+      <p:par>
+        <p:cTn id="1" dur="indefinite" restart="never" nodeType="tmRoot"/>
+      </p:par>
+    </p:tnLst>
+  </p:timing>
+</p:sld>
+</file>
+
+<file path=ppt/slides/slide15.xml><?xml version="1.0" encoding="utf-8"?>
+<p:sld xmlns:a="http://schemas.openxmlformats.org/drawingml/2006/main" xmlns:r="http://schemas.openxmlformats.org/officeDocument/2006/relationships" xmlns:p="http://schemas.openxmlformats.org/presentationml/2006/main">
+  <p:cSld>
+    <p:spTree>
+      <p:nvGrpSpPr>
+        <p:cNvPr id="1" name=""/>
+        <p:cNvGrpSpPr/>
+        <p:nvPr/>
+      </p:nvGrpSpPr>
+      <p:grpSpPr>
+        <a:xfrm>
+          <a:off x="0" y="0"/>
+          <a:ext cx="0" cy="0"/>
+          <a:chOff x="0" y="0"/>
+          <a:chExt cx="0" cy="0"/>
+        </a:xfrm>
+      </p:grpSpPr>
+      <p:sp>
+        <p:nvSpPr>
           <p:cNvPr id="2" name="Title 1"/>
           <p:cNvSpPr>
             <a:spLocks noGrp="1"/>
@@ -23225,8 +23545,8 @@
           </a:p>
         </p:txBody>
       </p:sp>
-      <mc:AlternateContent xmlns:mc="http://schemas.openxmlformats.org/markup-compatibility/2006">
-        <mc:Choice xmlns:a14="http://schemas.microsoft.com/office/drawing/2010/main" Requires="a14">
+      <mc:AlternateContent xmlns:mc="http://schemas.openxmlformats.org/markup-compatibility/2006" xmlns:a14="http://schemas.microsoft.com/office/drawing/2010/main">
+        <mc:Choice Requires="a14">
           <p:sp>
             <p:nvSpPr>
               <p:cNvPr id="3" name="TextBox 2"/>
@@ -23249,6 +23569,7 @@
               </a:bodyPr>
               <a:lstStyle/>
               <a:p>
+                <a:pPr/>
                 <a14:m>
                   <m:oMathPara xmlns:m="http://schemas.openxmlformats.org/officeDocument/2006/math">
                     <m:oMathParaPr>
@@ -23281,7 +23602,7 @@
             </p:txBody>
           </p:sp>
         </mc:Choice>
-        <mc:Fallback>
+        <mc:Fallback xmlns="">
           <p:sp>
             <p:nvSpPr>
               <p:cNvPr id="3" name="TextBox 2"/>
@@ -23340,7 +23661,7 @@
 </p:sld>
 </file>
 
-<file path=ppt/slides/slide15.xml><?xml version="1.0" encoding="utf-8"?>
+<file path=ppt/slides/slide16.xml><?xml version="1.0" encoding="utf-8"?>
 <p:sld xmlns:a="http://schemas.openxmlformats.org/drawingml/2006/main" xmlns:r="http://schemas.openxmlformats.org/officeDocument/2006/relationships" xmlns:p="http://schemas.openxmlformats.org/presentationml/2006/main">
   <p:cSld>
     <p:spTree>
@@ -23388,8 +23709,8 @@
           </a:p>
         </p:txBody>
       </p:sp>
-      <mc:AlternateContent xmlns:mc="http://schemas.openxmlformats.org/markup-compatibility/2006">
-        <mc:Choice xmlns:a14="http://schemas.microsoft.com/office/drawing/2010/main" Requires="a14">
+      <mc:AlternateContent xmlns:mc="http://schemas.openxmlformats.org/markup-compatibility/2006" xmlns:a14="http://schemas.microsoft.com/office/drawing/2010/main">
+        <mc:Choice Requires="a14">
           <p:sp>
             <p:nvSpPr>
               <p:cNvPr id="4" name="TextBox 3"/>
@@ -23412,6 +23733,7 @@
               </a:bodyPr>
               <a:lstStyle/>
               <a:p>
+                <a:pPr/>
                 <a14:m>
                   <m:oMathPara xmlns:m="http://schemas.openxmlformats.org/officeDocument/2006/math">
                     <m:oMathParaPr>
@@ -23484,7 +23806,7 @@
             </p:txBody>
           </p:sp>
         </mc:Choice>
-        <mc:Fallback>
+        <mc:Fallback xmlns="">
           <p:sp>
             <p:nvSpPr>
               <p:cNvPr id="4" name="TextBox 3"/>
@@ -23543,7 +23865,7 @@
 </p:sld>
 </file>
 
-<file path=ppt/slides/slide16.xml><?xml version="1.0" encoding="utf-8"?>
+<file path=ppt/slides/slide17.xml><?xml version="1.0" encoding="utf-8"?>
 <p:sld xmlns:a="http://schemas.openxmlformats.org/drawingml/2006/main" xmlns:r="http://schemas.openxmlformats.org/officeDocument/2006/relationships" xmlns:p="http://schemas.openxmlformats.org/presentationml/2006/main">
   <p:cSld>
     <p:spTree>
@@ -23761,7 +24083,7 @@
 </p:sld>
 </file>
 
-<file path=ppt/slides/slide17.xml><?xml version="1.0" encoding="utf-8"?>
+<file path=ppt/slides/slide18.xml><?xml version="1.0" encoding="utf-8"?>
 <p:sld xmlns:a="http://schemas.openxmlformats.org/drawingml/2006/main" xmlns:r="http://schemas.openxmlformats.org/officeDocument/2006/relationships" xmlns:p="http://schemas.openxmlformats.org/presentationml/2006/main">
   <p:cSld>
     <p:spTree>
@@ -23939,7 +24261,7 @@
 </p:sld>
 </file>
 
-<file path=ppt/slides/slide18.xml><?xml version="1.0" encoding="utf-8"?>
+<file path=ppt/slides/slide19.xml><?xml version="1.0" encoding="utf-8"?>
 <p:sld xmlns:a="http://schemas.openxmlformats.org/drawingml/2006/main" xmlns:r="http://schemas.openxmlformats.org/officeDocument/2006/relationships" xmlns:p="http://schemas.openxmlformats.org/presentationml/2006/main">
   <p:cSld>
     <p:spTree>
@@ -24014,117 +24336,6 @@
     <p:extLst>
       <p:ext uri="{BB962C8B-B14F-4D97-AF65-F5344CB8AC3E}">
         <p14:creationId xmlns:p14="http://schemas.microsoft.com/office/powerpoint/2010/main" val="590820269"/>
-      </p:ext>
-    </p:extLst>
-  </p:cSld>
-  <p:clrMapOvr>
-    <a:masterClrMapping/>
-  </p:clrMapOvr>
-  <p:timing>
-    <p:tnLst>
-      <p:par>
-        <p:cTn id="1" dur="indefinite" restart="never" nodeType="tmRoot"/>
-      </p:par>
-    </p:tnLst>
-  </p:timing>
-</p:sld>
-</file>
-
-<file path=ppt/slides/slide19.xml><?xml version="1.0" encoding="utf-8"?>
-<p:sld xmlns:a="http://schemas.openxmlformats.org/drawingml/2006/main" xmlns:r="http://schemas.openxmlformats.org/officeDocument/2006/relationships" xmlns:p="http://schemas.openxmlformats.org/presentationml/2006/main">
-  <p:cSld>
-    <p:spTree>
-      <p:nvGrpSpPr>
-        <p:cNvPr id="1" name=""/>
-        <p:cNvGrpSpPr/>
-        <p:nvPr/>
-      </p:nvGrpSpPr>
-      <p:grpSpPr>
-        <a:xfrm>
-          <a:off x="0" y="0"/>
-          <a:ext cx="0" cy="0"/>
-          <a:chOff x="0" y="0"/>
-          <a:chExt cx="0" cy="0"/>
-        </a:xfrm>
-      </p:grpSpPr>
-      <p:sp>
-        <p:nvSpPr>
-          <p:cNvPr id="2" name="Title 1"/>
-          <p:cNvSpPr>
-            <a:spLocks noGrp="1"/>
-          </p:cNvSpPr>
-          <p:nvPr>
-            <p:ph type="title"/>
-          </p:nvPr>
-        </p:nvSpPr>
-        <p:spPr/>
-        <p:txBody>
-          <a:bodyPr>
-            <a:normAutofit/>
-          </a:bodyPr>
-          <a:lstStyle/>
-          <a:p>
-            <a:r>
-              <a:rPr lang="en-US" sz="4800" cap="small" dirty="0"/>
-              <a:t>r</a:t>
-            </a:r>
-            <a:r>
-              <a:rPr lang="en-US" sz="4800" cap="small" dirty="0" smtClean="0"/>
-              <a:t>esearch topics</a:t>
-            </a:r>
-            <a:endParaRPr lang="en-US" sz="4800" cap="small" dirty="0"/>
-          </a:p>
-        </p:txBody>
-      </p:sp>
-      <p:sp>
-        <p:nvSpPr>
-          <p:cNvPr id="4" name="Content Placeholder 3"/>
-          <p:cNvSpPr>
-            <a:spLocks noGrp="1"/>
-          </p:cNvSpPr>
-          <p:nvPr>
-            <p:ph idx="1"/>
-          </p:nvPr>
-        </p:nvSpPr>
-        <p:spPr/>
-        <p:txBody>
-          <a:bodyPr/>
-          <a:lstStyle/>
-          <a:p>
-            <a:r>
-              <a:rPr lang="en-US" sz="2000" dirty="0" smtClean="0"/>
-              <a:t>Different </a:t>
-            </a:r>
-            <a:r>
-              <a:rPr lang="en-US" sz="2000" dirty="0" smtClean="0"/>
-              <a:t>cut </a:t>
-            </a:r>
-            <a:r>
-              <a:rPr lang="en-US" sz="2000" dirty="0" smtClean="0"/>
-              <a:t>technique</a:t>
-            </a:r>
-            <a:endParaRPr lang="en-US" sz="2000" dirty="0" smtClean="0"/>
-          </a:p>
-          <a:p>
-            <a:r>
-              <a:rPr lang="en-US" sz="2000" dirty="0" smtClean="0"/>
-              <a:t>Different choices for </a:t>
-            </a:r>
-            <a:r>
-              <a:rPr lang="en-US" sz="2000" dirty="0" smtClean="0"/>
-              <a:t>K</a:t>
-            </a:r>
-            <a:endParaRPr lang="en-US" dirty="0" smtClean="0"/>
-          </a:p>
-          <a:p>
-            <a:endParaRPr lang="en-US" dirty="0"/>
-          </a:p>
-        </p:txBody>
-      </p:sp>
-    </p:spTree>
-    <p:extLst>
-      <p:ext uri="{BB962C8B-B14F-4D97-AF65-F5344CB8AC3E}">
-        <p14:creationId xmlns:p14="http://schemas.microsoft.com/office/powerpoint/2010/main" val="909939887"/>
       </p:ext>
     </p:extLst>
   </p:cSld>
@@ -24192,6 +24403,104 @@
     <p:extLst>
       <p:ext uri="{BB962C8B-B14F-4D97-AF65-F5344CB8AC3E}">
         <p14:creationId xmlns:p14="http://schemas.microsoft.com/office/powerpoint/2010/main" val="1825251938"/>
+      </p:ext>
+    </p:extLst>
+  </p:cSld>
+  <p:clrMapOvr>
+    <a:masterClrMapping/>
+  </p:clrMapOvr>
+  <p:timing>
+    <p:tnLst>
+      <p:par>
+        <p:cTn id="1" dur="indefinite" restart="never" nodeType="tmRoot"/>
+      </p:par>
+    </p:tnLst>
+  </p:timing>
+</p:sld>
+</file>
+
+<file path=ppt/slides/slide20.xml><?xml version="1.0" encoding="utf-8"?>
+<p:sld xmlns:a="http://schemas.openxmlformats.org/drawingml/2006/main" xmlns:r="http://schemas.openxmlformats.org/officeDocument/2006/relationships" xmlns:p="http://schemas.openxmlformats.org/presentationml/2006/main">
+  <p:cSld>
+    <p:spTree>
+      <p:nvGrpSpPr>
+        <p:cNvPr id="1" name=""/>
+        <p:cNvGrpSpPr/>
+        <p:nvPr/>
+      </p:nvGrpSpPr>
+      <p:grpSpPr>
+        <a:xfrm>
+          <a:off x="0" y="0"/>
+          <a:ext cx="0" cy="0"/>
+          <a:chOff x="0" y="0"/>
+          <a:chExt cx="0" cy="0"/>
+        </a:xfrm>
+      </p:grpSpPr>
+      <p:sp>
+        <p:nvSpPr>
+          <p:cNvPr id="2" name="Title 1"/>
+          <p:cNvSpPr>
+            <a:spLocks noGrp="1"/>
+          </p:cNvSpPr>
+          <p:nvPr>
+            <p:ph type="title"/>
+          </p:nvPr>
+        </p:nvSpPr>
+        <p:spPr/>
+        <p:txBody>
+          <a:bodyPr>
+            <a:normAutofit/>
+          </a:bodyPr>
+          <a:lstStyle/>
+          <a:p>
+            <a:r>
+              <a:rPr lang="en-US" sz="4800" cap="small" dirty="0"/>
+              <a:t>r</a:t>
+            </a:r>
+            <a:r>
+              <a:rPr lang="en-US" sz="4800" cap="small" dirty="0" smtClean="0"/>
+              <a:t>esearch topics</a:t>
+            </a:r>
+            <a:endParaRPr lang="en-US" sz="4800" cap="small" dirty="0"/>
+          </a:p>
+        </p:txBody>
+      </p:sp>
+      <p:sp>
+        <p:nvSpPr>
+          <p:cNvPr id="4" name="Content Placeholder 3"/>
+          <p:cNvSpPr>
+            <a:spLocks noGrp="1"/>
+          </p:cNvSpPr>
+          <p:nvPr>
+            <p:ph idx="1"/>
+          </p:nvPr>
+        </p:nvSpPr>
+        <p:spPr/>
+        <p:txBody>
+          <a:bodyPr/>
+          <a:lstStyle/>
+          <a:p>
+            <a:r>
+              <a:rPr lang="en-US" sz="2000" dirty="0" smtClean="0"/>
+              <a:t>Different cut technique</a:t>
+            </a:r>
+          </a:p>
+          <a:p>
+            <a:r>
+              <a:rPr lang="en-US" sz="2000" dirty="0" smtClean="0"/>
+              <a:t>Different choices for K</a:t>
+            </a:r>
+            <a:endParaRPr lang="en-US" dirty="0" smtClean="0"/>
+          </a:p>
+          <a:p>
+            <a:endParaRPr lang="en-US" dirty="0"/>
+          </a:p>
+        </p:txBody>
+      </p:sp>
+    </p:spTree>
+    <p:extLst>
+      <p:ext uri="{BB962C8B-B14F-4D97-AF65-F5344CB8AC3E}">
+        <p14:creationId xmlns:p14="http://schemas.microsoft.com/office/powerpoint/2010/main" val="909939887"/>
       </p:ext>
     </p:extLst>
   </p:cSld>
@@ -34528,49 +34837,56 @@
           <a:lstStyle/>
           <a:p>
             <a:r>
+              <a:rPr lang="en-US" sz="4800" cap="small" dirty="0" err="1" smtClean="0"/>
+              <a:t>vogel</a:t>
+            </a:r>
+            <a:r>
               <a:rPr lang="en-US" sz="4800" cap="small" dirty="0" smtClean="0"/>
-              <a:t>single step method</a:t>
+              <a:t> results</a:t>
             </a:r>
             <a:endParaRPr lang="en-US" sz="4800" cap="small" dirty="0"/>
           </a:p>
         </p:txBody>
       </p:sp>
-      <p:sp>
-        <p:nvSpPr>
-          <p:cNvPr id="3" name="Text Placeholder 2"/>
-          <p:cNvSpPr>
-            <a:spLocks noGrp="1"/>
-          </p:cNvSpPr>
+      <p:pic>
+        <p:nvPicPr>
+          <p:cNvPr id="4" name="Content Placeholder 3"/>
+          <p:cNvPicPr>
+            <a:picLocks noGrp="1" noChangeAspect="1"/>
+          </p:cNvPicPr>
           <p:nvPr>
-            <p:ph type="body" idx="1"/>
+            <p:ph idx="1"/>
           </p:nvPr>
-        </p:nvSpPr>
-        <p:spPr/>
-        <p:txBody>
-          <a:bodyPr/>
-          <a:lstStyle/>
-          <a:p>
-            <a:endParaRPr lang="en-US"/>
-          </a:p>
-        </p:txBody>
-      </p:sp>
+        </p:nvPicPr>
+        <p:blipFill>
+          <a:blip r:embed="rId2">
+            <a:extLst>
+              <a:ext uri="{28A0092B-C50C-407E-A947-70E740481C1C}">
+                <a14:useLocalDpi xmlns:a14="http://schemas.microsoft.com/office/drawing/2010/main" val="0"/>
+              </a:ext>
+            </a:extLst>
+          </a:blip>
+          <a:stretch>
+            <a:fillRect/>
+          </a:stretch>
+        </p:blipFill>
+        <p:spPr>
+          <a:xfrm>
+            <a:off x="2756750" y="2160588"/>
+            <a:ext cx="4438537" cy="3881437"/>
+          </a:xfrm>
+        </p:spPr>
+      </p:pic>
     </p:spTree>
     <p:extLst>
       <p:ext uri="{BB962C8B-B14F-4D97-AF65-F5344CB8AC3E}">
-        <p14:creationId xmlns:p14="http://schemas.microsoft.com/office/powerpoint/2010/main" val="695505853"/>
+        <p14:creationId xmlns:p14="http://schemas.microsoft.com/office/powerpoint/2010/main" val="614556878"/>
       </p:ext>
     </p:extLst>
   </p:cSld>
   <p:clrMapOvr>
     <a:masterClrMapping/>
   </p:clrMapOvr>
-  <p:timing>
-    <p:tnLst>
-      <p:par>
-        <p:cTn id="1" dur="indefinite" restart="never" nodeType="tmRoot"/>
-      </p:par>
-    </p:tnLst>
-  </p:timing>
 </p:sld>
 </file>
 
@@ -34601,317 +34917,44 @@
             <p:ph type="title"/>
           </p:nvPr>
         </p:nvSpPr>
-        <p:spPr>
-          <a:xfrm>
-            <a:off x="677334" y="609600"/>
-            <a:ext cx="8596668" cy="1320800"/>
-          </a:xfrm>
-        </p:spPr>
+        <p:spPr/>
+        <p:txBody>
+          <a:bodyPr>
+            <a:normAutofit/>
+          </a:bodyPr>
+          <a:lstStyle/>
+          <a:p>
+            <a:r>
+              <a:rPr lang="en-US" sz="4800" cap="small" dirty="0" smtClean="0"/>
+              <a:t>single step method</a:t>
+            </a:r>
+            <a:endParaRPr lang="en-US" sz="4800" cap="small" dirty="0"/>
+          </a:p>
+        </p:txBody>
+      </p:sp>
+      <p:sp>
+        <p:nvSpPr>
+          <p:cNvPr id="3" name="Text Placeholder 2"/>
+          <p:cNvSpPr>
+            <a:spLocks noGrp="1"/>
+          </p:cNvSpPr>
+          <p:nvPr>
+            <p:ph type="body" idx="1"/>
+          </p:nvPr>
+        </p:nvSpPr>
+        <p:spPr/>
         <p:txBody>
           <a:bodyPr/>
           <a:lstStyle/>
           <a:p>
-            <a:r>
-              <a:rPr lang="en-US" dirty="0" smtClean="0"/>
-              <a:t>single particle (linear)</a:t>
-            </a:r>
-            <a:endParaRPr lang="en-US" dirty="0"/>
-          </a:p>
-        </p:txBody>
-      </p:sp>
-      <mc:AlternateContent xmlns:mc="http://schemas.openxmlformats.org/markup-compatibility/2006" xmlns:a14="http://schemas.microsoft.com/office/drawing/2010/main">
-        <mc:Choice Requires="a14">
-          <p:sp>
-            <p:nvSpPr>
-              <p:cNvPr id="3" name="Rectangle 2"/>
-              <p:cNvSpPr/>
-              <p:nvPr/>
-            </p:nvSpPr>
-            <p:spPr>
-              <a:xfrm>
-                <a:off x="677334" y="3034822"/>
-                <a:ext cx="7347824" cy="788357"/>
-              </a:xfrm>
-              <a:prstGeom prst="rect">
-                <a:avLst/>
-              </a:prstGeom>
-            </p:spPr>
-            <p:txBody>
-              <a:bodyPr wrap="square">
-                <a:spAutoFit/>
-              </a:bodyPr>
-              <a:lstStyle/>
-              <a:p>
-                <a14:m>
-                  <m:oMath xmlns:m="http://schemas.openxmlformats.org/officeDocument/2006/math">
-                    <m:sSub>
-                      <m:sSubPr>
-                        <m:ctrlPr>
-                          <a:rPr lang="en-US" sz="4000" b="0" i="1" smtClean="0">
-                            <a:latin typeface="Cambria Math" charset="0"/>
-                          </a:rPr>
-                        </m:ctrlPr>
-                      </m:sSubPr>
-                      <m:e>
-                        <m:r>
-                          <a:rPr lang="nl-NL" sz="4000" b="0" i="1" smtClean="0">
-                            <a:latin typeface="Cambria Math" charset="0"/>
-                          </a:rPr>
-                          <m:t>𝐹</m:t>
-                        </m:r>
-                      </m:e>
-                      <m:sub>
-                        <m:r>
-                          <a:rPr lang="nl-NL" sz="4000" b="0" i="1" smtClean="0">
-                            <a:latin typeface="Cambria Math" charset="0"/>
-                          </a:rPr>
-                          <m:t>𝑖</m:t>
-                        </m:r>
-                      </m:sub>
-                    </m:sSub>
-                  </m:oMath>
-                </a14:m>
-                <a:r>
-                  <a:rPr lang="en-US" sz="4000" dirty="0" smtClean="0"/>
-                  <a:t> = - </a:t>
-                </a:r>
-                <a14:m>
-                  <m:oMath xmlns:m="http://schemas.openxmlformats.org/officeDocument/2006/math">
-                    <m:nary>
-                      <m:naryPr>
-                        <m:chr m:val="∑"/>
-                        <m:supHide m:val="on"/>
-                        <m:ctrlPr>
-                          <a:rPr lang="en-US" sz="4000" i="1" smtClean="0">
-                            <a:latin typeface="Cambria Math" charset="0"/>
-                          </a:rPr>
-                        </m:ctrlPr>
-                      </m:naryPr>
-                      <m:sub>
-                        <m:r>
-                          <m:rPr>
-                            <m:brk m:alnAt="7"/>
-                          </m:rPr>
-                          <a:rPr lang="nl-NL" sz="4000" b="0" i="1" smtClean="0">
-                            <a:latin typeface="Cambria Math" charset="0"/>
-                          </a:rPr>
-                          <m:t>𝑗</m:t>
-                        </m:r>
-                        <m:r>
-                          <a:rPr lang="nl-NL" sz="4000" b="0" i="1" smtClean="0">
-                            <a:latin typeface="Cambria Math" charset="0"/>
-                            <a:ea typeface="Cambria Math" charset="0"/>
-                            <a:cs typeface="Cambria Math" charset="0"/>
-                          </a:rPr>
-                          <m:t>∈</m:t>
-                        </m:r>
-                        <m:sSub>
-                          <m:sSubPr>
-                            <m:ctrlPr>
-                              <a:rPr lang="en-US" sz="4000" b="0" i="1" smtClean="0">
-                                <a:latin typeface="Cambria Math" charset="0"/>
-                                <a:ea typeface="Cambria Math" charset="0"/>
-                                <a:cs typeface="Cambria Math" charset="0"/>
-                              </a:rPr>
-                            </m:ctrlPr>
-                          </m:sSubPr>
-                          <m:e>
-                            <m:r>
-                              <a:rPr lang="nl-NL" sz="4000" b="0" i="1" smtClean="0">
-                                <a:latin typeface="Cambria Math" charset="0"/>
-                                <a:ea typeface="Cambria Math" charset="0"/>
-                                <a:cs typeface="Cambria Math" charset="0"/>
-                              </a:rPr>
-                              <m:t>𝑁</m:t>
-                            </m:r>
-                          </m:e>
-                          <m:sub>
-                            <m:r>
-                              <a:rPr lang="nl-NL" sz="4000" b="0" i="1" smtClean="0">
-                                <a:latin typeface="Cambria Math" charset="0"/>
-                                <a:ea typeface="Cambria Math" charset="0"/>
-                                <a:cs typeface="Cambria Math" charset="0"/>
-                              </a:rPr>
-                              <m:t>𝑖</m:t>
-                            </m:r>
-                          </m:sub>
-                        </m:sSub>
-                      </m:sub>
-                      <m:sup/>
-                      <m:e>
-                        <m:sSub>
-                          <m:sSubPr>
-                            <m:ctrlPr>
-                              <a:rPr lang="en-US" sz="4000" i="1" smtClean="0">
-                                <a:latin typeface="Cambria Math" charset="0"/>
-                              </a:rPr>
-                            </m:ctrlPr>
-                          </m:sSubPr>
-                          <m:e>
-                            <m:r>
-                              <a:rPr lang="nl-NL" sz="4000" b="0" i="1" smtClean="0">
-                                <a:latin typeface="Cambria Math" charset="0"/>
-                              </a:rPr>
-                              <m:t>𝐾</m:t>
-                            </m:r>
-                          </m:e>
-                          <m:sub>
-                            <m:r>
-                              <a:rPr lang="nl-NL" sz="4000" b="0" i="1" smtClean="0">
-                                <a:latin typeface="Cambria Math" charset="0"/>
-                              </a:rPr>
-                              <m:t>𝑖𝑗</m:t>
-                            </m:r>
-                          </m:sub>
-                        </m:sSub>
-                      </m:e>
-                    </m:nary>
-                    <m:sSub>
-                      <m:sSubPr>
-                        <m:ctrlPr>
-                          <a:rPr lang="en-US" sz="4000" i="1">
-                            <a:latin typeface="Cambria Math" charset="0"/>
-                          </a:rPr>
-                        </m:ctrlPr>
-                      </m:sSubPr>
-                      <m:e>
-                        <m:r>
-                          <a:rPr lang="nl-NL" sz="4000" b="0" i="1" smtClean="0">
-                            <a:latin typeface="Cambria Math" charset="0"/>
-                          </a:rPr>
-                          <m:t>(</m:t>
-                        </m:r>
-                        <m:r>
-                          <a:rPr lang="nl-NL" sz="4000" i="1">
-                            <a:latin typeface="Cambria Math" charset="0"/>
-                          </a:rPr>
-                          <m:t>𝑥</m:t>
-                        </m:r>
-                      </m:e>
-                      <m:sub>
-                        <m:r>
-                          <a:rPr lang="nl-NL" sz="4000" i="1">
-                            <a:latin typeface="Cambria Math" charset="0"/>
-                          </a:rPr>
-                          <m:t>𝑖</m:t>
-                        </m:r>
-                      </m:sub>
-                    </m:sSub>
-                    <m:r>
-                      <a:rPr lang="nl-NL" sz="4000" i="1">
-                        <a:latin typeface="Cambria Math" charset="0"/>
-                      </a:rPr>
-                      <m:t> −</m:t>
-                    </m:r>
-                    <m:sSub>
-                      <m:sSubPr>
-                        <m:ctrlPr>
-                          <a:rPr lang="en-US" sz="4000" i="1">
-                            <a:latin typeface="Cambria Math" charset="0"/>
-                          </a:rPr>
-                        </m:ctrlPr>
-                      </m:sSubPr>
-                      <m:e>
-                        <m:r>
-                          <a:rPr lang="nl-NL" sz="4000" i="1">
-                            <a:latin typeface="Cambria Math" charset="0"/>
-                          </a:rPr>
-                          <m:t>𝑥</m:t>
-                        </m:r>
-                      </m:e>
-                      <m:sub>
-                        <m:r>
-                          <a:rPr lang="nl-NL" sz="4000" i="1">
-                            <a:latin typeface="Cambria Math" charset="0"/>
-                          </a:rPr>
-                          <m:t>𝑗</m:t>
-                        </m:r>
-                      </m:sub>
-                    </m:sSub>
-                  </m:oMath>
-                </a14:m>
-                <a:r>
-                  <a:rPr lang="en-US" sz="4000" dirty="0" smtClean="0"/>
-                  <a:t>)</a:t>
-                </a:r>
-                <a:endParaRPr lang="en-US" sz="4000" dirty="0"/>
-              </a:p>
-            </p:txBody>
-          </p:sp>
-        </mc:Choice>
-        <mc:Fallback xmlns="">
-          <p:sp>
-            <p:nvSpPr>
-              <p:cNvPr id="3" name="Rectangle 2"/>
-              <p:cNvSpPr>
-                <a:spLocks noRot="1" noChangeAspect="1" noMove="1" noResize="1" noEditPoints="1" noAdjustHandles="1" noChangeArrowheads="1" noChangeShapeType="1" noTextEdit="1"/>
-              </p:cNvSpPr>
-              <p:nvPr/>
-            </p:nvSpPr>
-            <p:spPr>
-              <a:xfrm>
-                <a:off x="677334" y="3034822"/>
-                <a:ext cx="7347824" cy="788357"/>
-              </a:xfrm>
-              <a:prstGeom prst="rect">
-                <a:avLst/>
-              </a:prstGeom>
-              <a:blipFill rotWithShape="0">
-                <a:blip r:embed="rId3"/>
-                <a:stretch>
-                  <a:fillRect t="-14729" b="-21705"/>
-                </a:stretch>
-              </a:blipFill>
-            </p:spPr>
-            <p:txBody>
-              <a:bodyPr/>
-              <a:lstStyle/>
-              <a:p>
-                <a:r>
-                  <a:rPr lang="en-US">
-                    <a:noFill/>
-                  </a:rPr>
-                  <a:t> </a:t>
-                </a:r>
-              </a:p>
-            </p:txBody>
-          </p:sp>
-        </mc:Fallback>
-      </mc:AlternateContent>
-      <p:sp>
-        <p:nvSpPr>
-          <p:cNvPr id="4" name="TextBox 3"/>
-          <p:cNvSpPr txBox="1"/>
-          <p:nvPr/>
-        </p:nvSpPr>
-        <p:spPr>
-          <a:xfrm>
-            <a:off x="1268720" y="3953926"/>
-            <a:ext cx="5587107" cy="400110"/>
-          </a:xfrm>
-          <a:prstGeom prst="rect">
-            <a:avLst/>
-          </a:prstGeom>
-          <a:noFill/>
-        </p:spPr>
-        <p:txBody>
-          <a:bodyPr wrap="none" rtlCol="0">
-            <a:spAutoFit/>
-          </a:bodyPr>
-          <a:lstStyle/>
-          <a:p>
-            <a:r>
-              <a:rPr lang="en-US" sz="2000" dirty="0" smtClean="0"/>
-              <a:t>Note that we discard Newton’s and Stokes’ law</a:t>
-            </a:r>
-            <a:endParaRPr lang="en-US" sz="2000" dirty="0"/>
+            <a:endParaRPr lang="en-US"/>
           </a:p>
         </p:txBody>
       </p:sp>
     </p:spTree>
     <p:extLst>
       <p:ext uri="{BB962C8B-B14F-4D97-AF65-F5344CB8AC3E}">
-        <p14:creationId xmlns:p14="http://schemas.microsoft.com/office/powerpoint/2010/main" val="1253251298"/>
+        <p14:creationId xmlns:p14="http://schemas.microsoft.com/office/powerpoint/2010/main" val="695505853"/>
       </p:ext>
     </p:extLst>
   </p:cSld>

--- a/presentation/final/Presentation.pptx
+++ b/presentation/final/Presentation.pptx
@@ -828,61 +828,74 @@
           <a:bodyPr/>
           <a:lstStyle/>
           <a:p>
-            <a:pPr marL="0" marR="0" indent="0" algn="l" defTabSz="914400" rtl="0" eaLnBrk="1" fontAlgn="auto" latinLnBrk="0" hangingPunct="1">
-              <a:lnSpc>
-                <a:spcPct val="100000"/>
-              </a:lnSpc>
-              <a:spcBef>
-                <a:spcPts val="0"/>
-              </a:spcBef>
-              <a:spcAft>
-                <a:spcPts val="0"/>
-              </a:spcAft>
-              <a:buClrTx/>
-              <a:buSzTx/>
-              <a:buFontTx/>
-              <a:buNone/>
-              <a:tabLst/>
-              <a:defRPr/>
-            </a:pPr>
             <a:r>
               <a:rPr lang="en-US" b="1" dirty="0" smtClean="0"/>
               <a:t>Laura</a:t>
             </a:r>
           </a:p>
           <a:p>
-            <a:endParaRPr lang="en-US" dirty="0" smtClean="0"/>
+            <a:endParaRPr lang="en-US" b="1" dirty="0" smtClean="0"/>
+          </a:p>
+          <a:p>
+            <a:r>
+              <a:rPr lang="en-US" b="0" dirty="0" smtClean="0"/>
+              <a:t>We model the force on a particle as follows</a:t>
+            </a:r>
+            <a:r>
+              <a:rPr lang="is-IS" b="0" dirty="0" smtClean="0"/>
+              <a:t>…</a:t>
+            </a:r>
+          </a:p>
+          <a:p>
+            <a:endParaRPr lang="is-IS" b="0" dirty="0" smtClean="0"/>
+          </a:p>
+          <a:p>
+            <a:r>
+              <a:rPr lang="is-IS" b="0" smtClean="0"/>
+              <a:t>Note</a:t>
+            </a:r>
+            <a:r>
+              <a:rPr lang="is-IS" b="0" baseline="0" smtClean="0"/>
+              <a:t> that the natural length is zero</a:t>
+            </a:r>
+            <a:endParaRPr lang="is-IS" b="0" dirty="0" smtClean="0"/>
+          </a:p>
+          <a:p>
+            <a:endParaRPr lang="en-US" b="0" dirty="0" smtClean="0"/>
           </a:p>
           <a:p>
             <a:r>
               <a:rPr lang="en-US" dirty="0" smtClean="0"/>
-              <a:t>K samples</a:t>
+              <a:t>Which </a:t>
             </a:r>
             <a:r>
-              <a:rPr lang="en-US" baseline="0" dirty="0" smtClean="0"/>
-              <a:t> from </a:t>
+              <a:rPr lang="en-US" dirty="0" smtClean="0"/>
+              <a:t>can be solved </a:t>
             </a:r>
             <a:r>
-              <a:rPr lang="en-US" baseline="0" dirty="0" err="1" smtClean="0"/>
-              <a:t>gaussian</a:t>
-            </a:r>
-            <a:r>
-              <a:rPr lang="en-US" baseline="0" dirty="0" smtClean="0"/>
-              <a:t> so </a:t>
-            </a:r>
-            <a:r>
-              <a:rPr lang="en-US" baseline="0" dirty="0" err="1" smtClean="0"/>
-              <a:t>heterogenous</a:t>
-            </a:r>
-            <a:r>
-              <a:rPr lang="en-US" baseline="0" dirty="0" smtClean="0"/>
-              <a:t> material </a:t>
-            </a:r>
-            <a:r>
-              <a:rPr lang="en-US" baseline="0" dirty="0" smtClean="0">
+              <a:rPr lang="en-US" dirty="0" smtClean="0">
                 <a:sym typeface="Wingdings"/>
               </a:rPr>
               <a:t></a:t>
+            </a:r>
+            <a:endParaRPr lang="en-US" dirty="0" smtClean="0"/>
+          </a:p>
+          <a:p>
+            <a:endParaRPr lang="en-US" dirty="0" smtClean="0"/>
+          </a:p>
+          <a:p>
+            <a:r>
+              <a:rPr lang="en-US" baseline="0" dirty="0" smtClean="0"/>
+              <a:t>Mass (Newton) and friction/drag/viscosity (Stokes)</a:t>
+            </a:r>
+          </a:p>
+          <a:p>
+            <a:endParaRPr lang="en-US" baseline="0" dirty="0" smtClean="0"/>
+          </a:p>
+          <a:p>
+            <a:r>
+              <a:rPr lang="en-US" dirty="0" smtClean="0"/>
+              <a:t>Discard because naturally slow process.</a:t>
             </a:r>
             <a:endParaRPr lang="en-US" dirty="0"/>
           </a:p>
@@ -905,7 +918,7 @@
           <a:p>
             <a:fld id="{21B091FB-64E1-6840-B0B9-8BA944C57D1B}" type="slidenum">
               <a:rPr lang="en-US" smtClean="0"/>
-              <a:t>11</a:t>
+              <a:t>10</a:t>
             </a:fld>
             <a:endParaRPr lang="en-US"/>
           </a:p>
@@ -914,7 +927,7 @@
     </p:spTree>
     <p:extLst>
       <p:ext uri="{BB962C8B-B14F-4D97-AF65-F5344CB8AC3E}">
-        <p14:creationId xmlns:p14="http://schemas.microsoft.com/office/powerpoint/2010/main" val="1368278207"/>
+        <p14:creationId xmlns:p14="http://schemas.microsoft.com/office/powerpoint/2010/main" val="2063761469"/>
       </p:ext>
     </p:extLst>
   </p:cSld>
@@ -996,7 +1009,33 @@
           <a:p>
             <a:r>
               <a:rPr lang="en-US" dirty="0" smtClean="0"/>
-              <a:t>Solve the system</a:t>
+              <a:t>K samples</a:t>
+            </a:r>
+            <a:r>
+              <a:rPr lang="en-US" baseline="0" dirty="0" smtClean="0"/>
+              <a:t> from </a:t>
+            </a:r>
+            <a:r>
+              <a:rPr lang="en-US" baseline="0" dirty="0" err="1" smtClean="0"/>
+              <a:t>gaussian</a:t>
+            </a:r>
+            <a:r>
+              <a:rPr lang="en-US" baseline="0" dirty="0" smtClean="0"/>
+              <a:t> so </a:t>
+            </a:r>
+            <a:r>
+              <a:rPr lang="en-US" baseline="0" dirty="0" err="1" smtClean="0"/>
+              <a:t>heterogenous</a:t>
+            </a:r>
+            <a:r>
+              <a:rPr lang="en-US" baseline="0" dirty="0" smtClean="0"/>
+              <a:t> material </a:t>
+            </a:r>
+            <a:r>
+              <a:rPr lang="en-US" baseline="0" dirty="0" smtClean="0">
+                <a:sym typeface="Wingdings"/>
+              </a:rPr>
+              <a:t></a:t>
             </a:r>
             <a:endParaRPr lang="en-US" dirty="0"/>
           </a:p>
@@ -1019,7 +1058,7 @@
           <a:p>
             <a:fld id="{21B091FB-64E1-6840-B0B9-8BA944C57D1B}" type="slidenum">
               <a:rPr lang="en-US" smtClean="0"/>
-              <a:t>12</a:t>
+              <a:t>11</a:t>
             </a:fld>
             <a:endParaRPr lang="en-US"/>
           </a:p>
@@ -1028,7 +1067,7 @@
     </p:spTree>
     <p:extLst>
       <p:ext uri="{BB962C8B-B14F-4D97-AF65-F5344CB8AC3E}">
-        <p14:creationId xmlns:p14="http://schemas.microsoft.com/office/powerpoint/2010/main" val="2080052582"/>
+        <p14:creationId xmlns:p14="http://schemas.microsoft.com/office/powerpoint/2010/main" val="1368278207"/>
       </p:ext>
     </p:extLst>
   </p:cSld>
@@ -1110,11 +1149,7 @@
           <a:p>
             <a:r>
               <a:rPr lang="en-US" dirty="0" smtClean="0"/>
-              <a:t>Cut</a:t>
-            </a:r>
-            <a:r>
-              <a:rPr lang="en-US" baseline="0" dirty="0" smtClean="0"/>
-              <a:t> the 4 (in this case) </a:t>
+              <a:t>Solve the system</a:t>
             </a:r>
             <a:endParaRPr lang="en-US" dirty="0"/>
           </a:p>
@@ -1137,7 +1172,7 @@
           <a:p>
             <a:fld id="{21B091FB-64E1-6840-B0B9-8BA944C57D1B}" type="slidenum">
               <a:rPr lang="en-US" smtClean="0"/>
-              <a:t>13</a:t>
+              <a:t>12</a:t>
             </a:fld>
             <a:endParaRPr lang="en-US"/>
           </a:p>
@@ -1146,7 +1181,7 @@
     </p:spTree>
     <p:extLst>
       <p:ext uri="{BB962C8B-B14F-4D97-AF65-F5344CB8AC3E}">
-        <p14:creationId xmlns:p14="http://schemas.microsoft.com/office/powerpoint/2010/main" val="557456161"/>
+        <p14:creationId xmlns:p14="http://schemas.microsoft.com/office/powerpoint/2010/main" val="2080052582"/>
       </p:ext>
     </p:extLst>
   </p:cSld>
@@ -1223,7 +1258,42 @@
             </a:r>
           </a:p>
           <a:p>
-            <a:endParaRPr lang="en-US" dirty="0"/>
+            <a:endParaRPr lang="en-US" dirty="0" smtClean="0"/>
+          </a:p>
+          <a:p>
+            <a:r>
+              <a:rPr lang="en-US" dirty="0" smtClean="0"/>
+              <a:t>Two</a:t>
+            </a:r>
+            <a:r>
+              <a:rPr lang="en-US" baseline="0" dirty="0" smtClean="0"/>
+              <a:t> methods:</a:t>
+            </a:r>
+          </a:p>
+          <a:p>
+            <a:pPr marL="171450" indent="-171450">
+              <a:buFontTx/>
+              <a:buChar char="-"/>
+            </a:pPr>
+            <a:r>
+              <a:rPr lang="en-US" baseline="0" dirty="0" smtClean="0"/>
+              <a:t>Cut the 4 springs with greatest strain</a:t>
+            </a:r>
+          </a:p>
+          <a:p>
+            <a:pPr marL="171450" indent="-171450">
+              <a:buFontTx/>
+              <a:buChar char="-"/>
+            </a:pPr>
+            <a:r>
+              <a:rPr lang="en-US" baseline="0" dirty="0" smtClean="0"/>
+              <a:t>Cut the springs with a strain greater than some </a:t>
+            </a:r>
+            <a:r>
+              <a:rPr lang="en-US" baseline="0" dirty="0" err="1" smtClean="0"/>
+              <a:t>paramter</a:t>
+            </a:r>
+            <a:endParaRPr lang="en-US" baseline="0" dirty="0" smtClean="0"/>
           </a:p>
         </p:txBody>
       </p:sp>
@@ -1244,7 +1314,7 @@
           <a:p>
             <a:fld id="{21B091FB-64E1-6840-B0B9-8BA944C57D1B}" type="slidenum">
               <a:rPr lang="en-US" smtClean="0"/>
-              <a:t>14</a:t>
+              <a:t>13</a:t>
             </a:fld>
             <a:endParaRPr lang="en-US"/>
           </a:p>
@@ -1253,7 +1323,7 @@
     </p:spTree>
     <p:extLst>
       <p:ext uri="{BB962C8B-B14F-4D97-AF65-F5344CB8AC3E}">
-        <p14:creationId xmlns:p14="http://schemas.microsoft.com/office/powerpoint/2010/main" val="450117367"/>
+        <p14:creationId xmlns:p14="http://schemas.microsoft.com/office/powerpoint/2010/main" val="557456161"/>
       </p:ext>
     </p:extLst>
   </p:cSld>
@@ -1307,23 +1377,29 @@
           <a:bodyPr/>
           <a:lstStyle/>
           <a:p>
+            <a:pPr marL="0" marR="0" indent="0" algn="l" defTabSz="914400" rtl="0" eaLnBrk="1" fontAlgn="auto" latinLnBrk="0" hangingPunct="1">
+              <a:lnSpc>
+                <a:spcPct val="100000"/>
+              </a:lnSpc>
+              <a:spcBef>
+                <a:spcPts val="0"/>
+              </a:spcBef>
+              <a:spcAft>
+                <a:spcPts val="0"/>
+              </a:spcAft>
+              <a:buClrTx/>
+              <a:buSzTx/>
+              <a:buFontTx/>
+              <a:buNone/>
+              <a:tabLst/>
+              <a:defRPr/>
+            </a:pPr>
             <a:r>
               <a:rPr lang="en-US" b="1" dirty="0" smtClean="0"/>
-              <a:t>Rick</a:t>
+              <a:t>Laura</a:t>
             </a:r>
           </a:p>
           <a:p>
-            <a:endParaRPr lang="en-US" dirty="0" smtClean="0"/>
-          </a:p>
-          <a:p>
-            <a:r>
-              <a:rPr lang="en-US" dirty="0" smtClean="0"/>
-              <a:t>Done for every component</a:t>
-            </a:r>
-            <a:r>
-              <a:rPr lang="en-US" baseline="0" dirty="0" smtClean="0"/>
-              <a:t> -&gt; 2D, thus x and y component.</a:t>
-            </a:r>
             <a:endParaRPr lang="en-US" dirty="0"/>
           </a:p>
         </p:txBody>
@@ -1345,7 +1421,7 @@
           <a:p>
             <a:fld id="{21B091FB-64E1-6840-B0B9-8BA944C57D1B}" type="slidenum">
               <a:rPr lang="en-US" smtClean="0"/>
-              <a:t>15</a:t>
+              <a:t>14</a:t>
             </a:fld>
             <a:endParaRPr lang="en-US"/>
           </a:p>
@@ -1354,7 +1430,7 @@
     </p:spTree>
     <p:extLst>
       <p:ext uri="{BB962C8B-B14F-4D97-AF65-F5344CB8AC3E}">
-        <p14:creationId xmlns:p14="http://schemas.microsoft.com/office/powerpoint/2010/main" val="269104685"/>
+        <p14:creationId xmlns:p14="http://schemas.microsoft.com/office/powerpoint/2010/main" val="450117367"/>
       </p:ext>
     </p:extLst>
   </p:cSld>
@@ -1408,28 +1484,10 @@
           <a:bodyPr/>
           <a:lstStyle/>
           <a:p>
-            <a:pPr marL="0" marR="0" indent="0" algn="l" defTabSz="914400" rtl="0" eaLnBrk="1" fontAlgn="auto" latinLnBrk="0" hangingPunct="1">
-              <a:lnSpc>
-                <a:spcPct val="100000"/>
-              </a:lnSpc>
-              <a:spcBef>
-                <a:spcPts val="0"/>
-              </a:spcBef>
-              <a:spcAft>
-                <a:spcPts val="0"/>
-              </a:spcAft>
-              <a:buClrTx/>
-              <a:buSzTx/>
-              <a:buFontTx/>
-              <a:buNone/>
-              <a:tabLst/>
-              <a:defRPr/>
-            </a:pPr>
             <a:r>
               <a:rPr lang="en-US" b="1" dirty="0" smtClean="0"/>
               <a:t>Rick</a:t>
             </a:r>
-            <a:endParaRPr lang="en-US" dirty="0" smtClean="0"/>
           </a:p>
           <a:p>
             <a:endParaRPr lang="en-US" dirty="0" smtClean="0"/>
@@ -1437,20 +1495,11 @@
           <a:p>
             <a:r>
               <a:rPr lang="en-US" dirty="0" smtClean="0"/>
-              <a:t>Problem</a:t>
+              <a:t>Done for every component</a:t>
             </a:r>
             <a:r>
               <a:rPr lang="en-US" baseline="0" dirty="0" smtClean="0"/>
-              <a:t> -&gt; How do we get the left hand side of the equation.</a:t>
-            </a:r>
-          </a:p>
-          <a:p>
-            <a:endParaRPr lang="en-US" baseline="0" dirty="0" smtClean="0"/>
-          </a:p>
-          <a:p>
-            <a:r>
-              <a:rPr lang="en-US" baseline="0" dirty="0" smtClean="0"/>
-              <a:t>1 up to  4 on whiteboard.</a:t>
+              <a:t> -&gt; 2D, thus x and y component.</a:t>
             </a:r>
             <a:endParaRPr lang="en-US" dirty="0"/>
           </a:p>
@@ -1473,7 +1522,7 @@
           <a:p>
             <a:fld id="{21B091FB-64E1-6840-B0B9-8BA944C57D1B}" type="slidenum">
               <a:rPr lang="en-US" smtClean="0"/>
-              <a:t>16</a:t>
+              <a:t>15</a:t>
             </a:fld>
             <a:endParaRPr lang="en-US"/>
           </a:p>
@@ -1482,7 +1531,7 @@
     </p:spTree>
     <p:extLst>
       <p:ext uri="{BB962C8B-B14F-4D97-AF65-F5344CB8AC3E}">
-        <p14:creationId xmlns:p14="http://schemas.microsoft.com/office/powerpoint/2010/main" val="1641830564"/>
+        <p14:creationId xmlns:p14="http://schemas.microsoft.com/office/powerpoint/2010/main" val="269104685"/>
       </p:ext>
     </p:extLst>
   </p:cSld>
@@ -1536,10 +1585,28 @@
           <a:bodyPr/>
           <a:lstStyle/>
           <a:p>
+            <a:pPr marL="0" marR="0" indent="0" algn="l" defTabSz="914400" rtl="0" eaLnBrk="1" fontAlgn="auto" latinLnBrk="0" hangingPunct="1">
+              <a:lnSpc>
+                <a:spcPct val="100000"/>
+              </a:lnSpc>
+              <a:spcBef>
+                <a:spcPts val="0"/>
+              </a:spcBef>
+              <a:spcAft>
+                <a:spcPts val="0"/>
+              </a:spcAft>
+              <a:buClrTx/>
+              <a:buSzTx/>
+              <a:buFontTx/>
+              <a:buNone/>
+              <a:tabLst/>
+              <a:defRPr/>
+            </a:pPr>
             <a:r>
               <a:rPr lang="en-US" b="1" dirty="0" smtClean="0"/>
               <a:t>Rick</a:t>
             </a:r>
+            <a:endParaRPr lang="en-US" dirty="0" smtClean="0"/>
           </a:p>
           <a:p>
             <a:endParaRPr lang="en-US" dirty="0" smtClean="0"/>
@@ -1547,16 +1614,20 @@
           <a:p>
             <a:r>
               <a:rPr lang="en-US" dirty="0" smtClean="0"/>
-              <a:t>5 on whiteboard</a:t>
+              <a:t>Problem</a:t>
             </a:r>
-          </a:p>
-          <a:p>
-            <a:endParaRPr lang="en-US" dirty="0" smtClean="0"/>
-          </a:p>
-          <a:p>
             <a:r>
-              <a:rPr lang="en-US" dirty="0" smtClean="0"/>
-              <a:t>Result 6 on whiteboard.</a:t>
+              <a:rPr lang="en-US" baseline="0" dirty="0" smtClean="0"/>
+              <a:t> -&gt; How do we get the left hand side of the equation.</a:t>
+            </a:r>
+          </a:p>
+          <a:p>
+            <a:endParaRPr lang="en-US" baseline="0" dirty="0" smtClean="0"/>
+          </a:p>
+          <a:p>
+            <a:r>
+              <a:rPr lang="en-US" baseline="0" dirty="0" smtClean="0"/>
+              <a:t>1 up to  4 on whiteboard.</a:t>
             </a:r>
             <a:endParaRPr lang="en-US" dirty="0"/>
           </a:p>
@@ -1579,7 +1650,7 @@
           <a:p>
             <a:fld id="{21B091FB-64E1-6840-B0B9-8BA944C57D1B}" type="slidenum">
               <a:rPr lang="en-US" smtClean="0"/>
-              <a:t>17</a:t>
+              <a:t>16</a:t>
             </a:fld>
             <a:endParaRPr lang="en-US"/>
           </a:p>
@@ -1588,7 +1659,7 @@
     </p:spTree>
     <p:extLst>
       <p:ext uri="{BB962C8B-B14F-4D97-AF65-F5344CB8AC3E}">
-        <p14:creationId xmlns:p14="http://schemas.microsoft.com/office/powerpoint/2010/main" val="2073672492"/>
+        <p14:creationId xmlns:p14="http://schemas.microsoft.com/office/powerpoint/2010/main" val="1641830564"/>
       </p:ext>
     </p:extLst>
   </p:cSld>
@@ -1644,9 +1715,27 @@
           <a:p>
             <a:r>
               <a:rPr lang="en-US" b="1" dirty="0" smtClean="0"/>
-              <a:t>Laura</a:t>
+              <a:t>Rick</a:t>
             </a:r>
-            <a:endParaRPr lang="en-US" b="1" dirty="0"/>
+          </a:p>
+          <a:p>
+            <a:endParaRPr lang="en-US" dirty="0" smtClean="0"/>
+          </a:p>
+          <a:p>
+            <a:r>
+              <a:rPr lang="en-US" dirty="0" smtClean="0"/>
+              <a:t>5 on whiteboard</a:t>
+            </a:r>
+          </a:p>
+          <a:p>
+            <a:endParaRPr lang="en-US" dirty="0" smtClean="0"/>
+          </a:p>
+          <a:p>
+            <a:r>
+              <a:rPr lang="en-US" dirty="0" smtClean="0"/>
+              <a:t>Result 6 on whiteboard.</a:t>
+            </a:r>
+            <a:endParaRPr lang="en-US" dirty="0"/>
           </a:p>
         </p:txBody>
       </p:sp>
@@ -1667,7 +1756,7 @@
           <a:p>
             <a:fld id="{21B091FB-64E1-6840-B0B9-8BA944C57D1B}" type="slidenum">
               <a:rPr lang="en-US" smtClean="0"/>
-              <a:t>18</a:t>
+              <a:t>17</a:t>
             </a:fld>
             <a:endParaRPr lang="en-US"/>
           </a:p>
@@ -1676,7 +1765,7 @@
     </p:spTree>
     <p:extLst>
       <p:ext uri="{BB962C8B-B14F-4D97-AF65-F5344CB8AC3E}">
-        <p14:creationId xmlns:p14="http://schemas.microsoft.com/office/powerpoint/2010/main" val="1270483770"/>
+        <p14:creationId xmlns:p14="http://schemas.microsoft.com/office/powerpoint/2010/main" val="2073672492"/>
       </p:ext>
     </p:extLst>
   </p:cSld>
@@ -1730,115 +1819,11 @@
           <a:bodyPr/>
           <a:lstStyle/>
           <a:p>
-            <a:pPr marL="0" marR="0" indent="0" algn="l" defTabSz="914400" rtl="0" eaLnBrk="1" fontAlgn="auto" latinLnBrk="0" hangingPunct="1">
-              <a:lnSpc>
-                <a:spcPct val="100000"/>
-              </a:lnSpc>
-              <a:spcBef>
-                <a:spcPts val="0"/>
-              </a:spcBef>
-              <a:spcAft>
-                <a:spcPts val="0"/>
-              </a:spcAft>
-              <a:buClrTx/>
-              <a:buSzTx/>
-              <a:buFontTx/>
-              <a:buNone/>
-              <a:tabLst/>
-              <a:defRPr/>
-            </a:pPr>
             <a:r>
               <a:rPr lang="en-US" b="1" dirty="0" smtClean="0"/>
               <a:t>Laura</a:t>
             </a:r>
-          </a:p>
-          <a:p>
-            <a:endParaRPr lang="en-US" b="1" dirty="0" smtClean="0"/>
-          </a:p>
-          <a:p>
-            <a:endParaRPr lang="en-US" dirty="0" smtClean="0"/>
-          </a:p>
-          <a:p>
-            <a:r>
-              <a:rPr lang="en-US" dirty="0" smtClean="0"/>
-              <a:t>Meaning</a:t>
-            </a:r>
-            <a:r>
-              <a:rPr lang="en-US" baseline="0" dirty="0" smtClean="0"/>
-              <a:t> of the colors.</a:t>
-            </a:r>
-            <a:endParaRPr lang="en-US" dirty="0" smtClean="0"/>
-          </a:p>
-          <a:p>
-            <a:endParaRPr lang="en-US" dirty="0" smtClean="0"/>
-          </a:p>
-          <a:p>
-            <a:endParaRPr lang="en-US" dirty="0" smtClean="0"/>
-          </a:p>
-          <a:p>
-            <a:r>
-              <a:rPr lang="en-US" dirty="0" smtClean="0"/>
-              <a:t>Problems when using large</a:t>
-            </a:r>
-            <a:r>
-              <a:rPr lang="en-US" baseline="0" dirty="0" smtClean="0"/>
-              <a:t> numbers of particles</a:t>
-            </a:r>
-            <a:r>
-              <a:rPr lang="is-IS" baseline="0" dirty="0" smtClean="0"/>
-              <a:t>…..</a:t>
-            </a:r>
-          </a:p>
-          <a:p>
-            <a:endParaRPr lang="is-IS" baseline="0" dirty="0" smtClean="0"/>
-          </a:p>
-          <a:p>
-            <a:r>
-              <a:rPr lang="is-IS" baseline="0" dirty="0" smtClean="0"/>
-              <a:t>Demo time. -&gt; </a:t>
-            </a:r>
-            <a:r>
-              <a:rPr lang="is-IS" b="1" baseline="0" dirty="0" smtClean="0"/>
-              <a:t>Rick</a:t>
-            </a:r>
-          </a:p>
-          <a:p>
-            <a:pPr marL="228600" indent="-228600">
-              <a:buAutoNum type="arabicPeriod"/>
-            </a:pPr>
-            <a:r>
-              <a:rPr lang="en-US" b="0" baseline="0" dirty="0" smtClean="0"/>
-              <a:t>S</a:t>
-            </a:r>
-            <a:r>
-              <a:rPr lang="is-IS" b="0" baseline="0" dirty="0" smtClean="0"/>
-              <a:t>mall grid (16)</a:t>
-            </a:r>
-          </a:p>
-          <a:p>
-            <a:pPr marL="228600" indent="-228600">
-              <a:buAutoNum type="arabicPeriod"/>
-            </a:pPr>
-            <a:r>
-              <a:rPr lang="is-IS" b="0" baseline="0" dirty="0" smtClean="0"/>
-              <a:t>Medium grid (working number)</a:t>
-            </a:r>
-          </a:p>
-          <a:p>
-            <a:pPr marL="228600" indent="-228600">
-              <a:buAutoNum type="arabicPeriod"/>
-            </a:pPr>
-            <a:r>
-              <a:rPr lang="is-IS" b="0" baseline="0" smtClean="0"/>
-              <a:t>Large grid (not working number -&gt; &gt;800) </a:t>
-            </a:r>
-            <a:endParaRPr lang="is-IS" b="0" baseline="0" dirty="0" smtClean="0"/>
-          </a:p>
-          <a:p>
-            <a:endParaRPr lang="is-IS" baseline="0" dirty="0" smtClean="0"/>
-          </a:p>
-          <a:p>
-            <a:endParaRPr lang="en-US" dirty="0"/>
+            <a:endParaRPr lang="en-US" b="1" dirty="0"/>
           </a:p>
         </p:txBody>
       </p:sp>
@@ -1859,7 +1844,7 @@
           <a:p>
             <a:fld id="{21B091FB-64E1-6840-B0B9-8BA944C57D1B}" type="slidenum">
               <a:rPr lang="en-US" smtClean="0"/>
-              <a:t>19</a:t>
+              <a:t>18</a:t>
             </a:fld>
             <a:endParaRPr lang="en-US"/>
           </a:p>
@@ -1868,7 +1853,7 @@
     </p:spTree>
     <p:extLst>
       <p:ext uri="{BB962C8B-B14F-4D97-AF65-F5344CB8AC3E}">
-        <p14:creationId xmlns:p14="http://schemas.microsoft.com/office/powerpoint/2010/main" val="1155394208"/>
+        <p14:creationId xmlns:p14="http://schemas.microsoft.com/office/powerpoint/2010/main" val="1270483770"/>
       </p:ext>
     </p:extLst>
   </p:cSld>
@@ -1922,71 +1907,114 @@
           <a:bodyPr/>
           <a:lstStyle/>
           <a:p>
+            <a:pPr marL="0" marR="0" indent="0" algn="l" defTabSz="914400" rtl="0" eaLnBrk="1" fontAlgn="auto" latinLnBrk="0" hangingPunct="1">
+              <a:lnSpc>
+                <a:spcPct val="100000"/>
+              </a:lnSpc>
+              <a:spcBef>
+                <a:spcPts val="0"/>
+              </a:spcBef>
+              <a:spcAft>
+                <a:spcPts val="0"/>
+              </a:spcAft>
+              <a:buClrTx/>
+              <a:buSzTx/>
+              <a:buFontTx/>
+              <a:buNone/>
+              <a:tabLst/>
+              <a:defRPr/>
+            </a:pPr>
             <a:r>
               <a:rPr lang="en-US" b="1" dirty="0" smtClean="0"/>
               <a:t>Laura</a:t>
             </a:r>
           </a:p>
           <a:p>
+            <a:endParaRPr lang="en-US" b="1" dirty="0" smtClean="0"/>
+          </a:p>
+          <a:p>
             <a:endParaRPr lang="en-US" dirty="0" smtClean="0"/>
           </a:p>
           <a:p>
             <a:r>
               <a:rPr lang="en-US" dirty="0" smtClean="0"/>
-              <a:t>Random</a:t>
+              <a:t>Meaning</a:t>
             </a:r>
             <a:r>
               <a:rPr lang="en-US" baseline="0" dirty="0" smtClean="0"/>
-              <a:t> </a:t>
+              <a:t> of the colors.</a:t>
             </a:r>
+            <a:endParaRPr lang="en-US" dirty="0" smtClean="0"/>
+          </a:p>
+          <a:p>
+            <a:endParaRPr lang="en-US" dirty="0" smtClean="0"/>
+          </a:p>
+          <a:p>
+            <a:endParaRPr lang="en-US" dirty="0" smtClean="0"/>
+          </a:p>
+          <a:p>
             <a:r>
-              <a:rPr lang="en-US" baseline="0" dirty="0" err="1" smtClean="0"/>
-              <a:t>init</a:t>
+              <a:rPr lang="en-US" dirty="0" smtClean="0"/>
+              <a:t>Problems when using large</a:t>
             </a:r>
             <a:r>
               <a:rPr lang="en-US" baseline="0" dirty="0" smtClean="0"/>
-              <a:t>: </a:t>
+              <a:t> numbers of particles</a:t>
             </a:r>
             <a:r>
-              <a:rPr lang="en-US" baseline="0" dirty="0" err="1" smtClean="0"/>
-              <a:t>verschillend</a:t>
+              <a:rPr lang="is-IS" baseline="0" dirty="0" smtClean="0"/>
+              <a:t>…..</a:t>
+            </a:r>
+          </a:p>
+          <a:p>
+            <a:endParaRPr lang="is-IS" baseline="0" dirty="0" smtClean="0"/>
+          </a:p>
+          <a:p>
+            <a:r>
+              <a:rPr lang="is-IS" baseline="0" dirty="0" smtClean="0"/>
+              <a:t>Demo time. -&gt; </a:t>
             </a:r>
             <a:r>
-              <a:rPr lang="en-US" baseline="0" dirty="0" smtClean="0"/>
-              <a:t> </a:t>
+              <a:rPr lang="is-IS" b="1" baseline="0" dirty="0" smtClean="0"/>
+              <a:t>Rick</a:t>
+            </a:r>
+          </a:p>
+          <a:p>
+            <a:pPr marL="228600" indent="-228600">
+              <a:buAutoNum type="arabicPeriod"/>
+            </a:pPr>
+            <a:r>
+              <a:rPr lang="en-US" b="0" baseline="0" dirty="0" smtClean="0"/>
+              <a:t>S</a:t>
             </a:r>
             <a:r>
-              <a:rPr lang="en-US" baseline="0" dirty="0" err="1" smtClean="0"/>
-              <a:t>aantal</a:t>
+              <a:rPr lang="is-IS" b="0" baseline="0" dirty="0" smtClean="0"/>
+              <a:t>mall grid (16)</a:t>
             </a:r>
+          </a:p>
+          <a:p>
+            <a:pPr marL="228600" indent="-228600">
+              <a:buAutoNum type="arabicPeriod"/>
+            </a:pPr>
             <a:r>
-              <a:rPr lang="en-US" baseline="0" dirty="0" smtClean="0"/>
-              <a:t> </a:t>
+              <a:rPr lang="is-IS" b="0" baseline="0" dirty="0" smtClean="0"/>
+              <a:t>Medium grid (working number)</a:t>
             </a:r>
+          </a:p>
+          <a:p>
+            <a:pPr marL="228600" indent="-228600">
+              <a:buAutoNum type="arabicPeriod"/>
+            </a:pPr>
             <a:r>
-              <a:rPr lang="en-US" baseline="0" dirty="0" err="1" smtClean="0"/>
-              <a:t>vern</a:t>
+              <a:rPr lang="is-IS" b="0" baseline="0" smtClean="0"/>
+              <a:t>Large grid (not working number -&gt; &gt;800) </a:t>
             </a:r>
-            <a:r>
-              <a:rPr lang="en-US" baseline="0" dirty="0" smtClean="0"/>
-              <a:t>, </a:t>
-            </a:r>
-            <a:r>
-              <a:rPr lang="en-US" baseline="0" dirty="0" err="1" smtClean="0"/>
-              <a:t>niet</a:t>
-            </a:r>
-            <a:r>
-              <a:rPr lang="en-US" baseline="0" dirty="0" smtClean="0"/>
-              <a:t> op </a:t>
-            </a:r>
-            <a:r>
-              <a:rPr lang="en-US" baseline="0" dirty="0" err="1" smtClean="0"/>
-              <a:t>een</a:t>
-            </a:r>
-            <a:r>
-              <a:rPr lang="en-US" baseline="0" dirty="0" smtClean="0"/>
-              <a:t> grid.</a:t>
-            </a:r>
+            <a:endParaRPr lang="is-IS" b="0" baseline="0" dirty="0" smtClean="0"/>
+          </a:p>
+          <a:p>
+            <a:endParaRPr lang="is-IS" baseline="0" dirty="0" smtClean="0"/>
+          </a:p>
+          <a:p>
             <a:endParaRPr lang="en-US" dirty="0"/>
           </a:p>
         </p:txBody>
@@ -2008,7 +2036,7 @@
           <a:p>
             <a:fld id="{21B091FB-64E1-6840-B0B9-8BA944C57D1B}" type="slidenum">
               <a:rPr lang="en-US" smtClean="0"/>
-              <a:t>20</a:t>
+              <a:t>19</a:t>
             </a:fld>
             <a:endParaRPr lang="en-US"/>
           </a:p>
@@ -2017,7 +2045,7 @@
     </p:spTree>
     <p:extLst>
       <p:ext uri="{BB962C8B-B14F-4D97-AF65-F5344CB8AC3E}">
-        <p14:creationId xmlns:p14="http://schemas.microsoft.com/office/powerpoint/2010/main" val="1154177914"/>
+        <p14:creationId xmlns:p14="http://schemas.microsoft.com/office/powerpoint/2010/main" val="1155394208"/>
       </p:ext>
     </p:extLst>
   </p:cSld>
@@ -2162,6 +2190,107 @@
 </p:notes>
 </file>
 
+<file path=ppt/notesSlides/notesSlide20.xml><?xml version="1.0" encoding="utf-8"?>
+<p:notes xmlns:a="http://schemas.openxmlformats.org/drawingml/2006/main" xmlns:r="http://schemas.openxmlformats.org/officeDocument/2006/relationships" xmlns:p="http://schemas.openxmlformats.org/presentationml/2006/main">
+  <p:cSld>
+    <p:spTree>
+      <p:nvGrpSpPr>
+        <p:cNvPr id="1" name=""/>
+        <p:cNvGrpSpPr/>
+        <p:nvPr/>
+      </p:nvGrpSpPr>
+      <p:grpSpPr>
+        <a:xfrm>
+          <a:off x="0" y="0"/>
+          <a:ext cx="0" cy="0"/>
+          <a:chOff x="0" y="0"/>
+          <a:chExt cx="0" cy="0"/>
+        </a:xfrm>
+      </p:grpSpPr>
+      <p:sp>
+        <p:nvSpPr>
+          <p:cNvPr id="2" name="Slide Image Placeholder 1"/>
+          <p:cNvSpPr>
+            <a:spLocks noGrp="1" noRot="1" noChangeAspect="1"/>
+          </p:cNvSpPr>
+          <p:nvPr>
+            <p:ph type="sldImg"/>
+          </p:nvPr>
+        </p:nvSpPr>
+        <p:spPr/>
+      </p:sp>
+      <p:sp>
+        <p:nvSpPr>
+          <p:cNvPr id="3" name="Notes Placeholder 2"/>
+          <p:cNvSpPr>
+            <a:spLocks noGrp="1"/>
+          </p:cNvSpPr>
+          <p:nvPr>
+            <p:ph type="body" idx="1"/>
+          </p:nvPr>
+        </p:nvSpPr>
+        <p:spPr/>
+        <p:txBody>
+          <a:bodyPr/>
+          <a:lstStyle/>
+          <a:p>
+            <a:r>
+              <a:rPr lang="en-US" b="1" dirty="0" smtClean="0"/>
+              <a:t>Laura</a:t>
+            </a:r>
+          </a:p>
+          <a:p>
+            <a:endParaRPr lang="en-US" dirty="0" smtClean="0"/>
+          </a:p>
+          <a:p>
+            <a:r>
+              <a:rPr lang="en-US" dirty="0" smtClean="0"/>
+              <a:t>We can currently look at two</a:t>
+            </a:r>
+            <a:r>
+              <a:rPr lang="en-US" baseline="0" dirty="0" smtClean="0"/>
+              <a:t> different cut techniques and different choices for K</a:t>
+            </a:r>
+            <a:endParaRPr lang="en-US" dirty="0"/>
+          </a:p>
+        </p:txBody>
+      </p:sp>
+      <p:sp>
+        <p:nvSpPr>
+          <p:cNvPr id="4" name="Slide Number Placeholder 3"/>
+          <p:cNvSpPr>
+            <a:spLocks noGrp="1"/>
+          </p:cNvSpPr>
+          <p:nvPr>
+            <p:ph type="sldNum" sz="quarter" idx="10"/>
+          </p:nvPr>
+        </p:nvSpPr>
+        <p:spPr/>
+        <p:txBody>
+          <a:bodyPr/>
+          <a:lstStyle/>
+          <a:p>
+            <a:fld id="{21B091FB-64E1-6840-B0B9-8BA944C57D1B}" type="slidenum">
+              <a:rPr lang="en-US" smtClean="0"/>
+              <a:t>20</a:t>
+            </a:fld>
+            <a:endParaRPr lang="en-US"/>
+          </a:p>
+        </p:txBody>
+      </p:sp>
+    </p:spTree>
+    <p:extLst>
+      <p:ext uri="{BB962C8B-B14F-4D97-AF65-F5344CB8AC3E}">
+        <p14:creationId xmlns:p14="http://schemas.microsoft.com/office/powerpoint/2010/main" val="1154177914"/>
+      </p:ext>
+    </p:extLst>
+  </p:cSld>
+  <p:clrMapOvr>
+    <a:masterClrMapping/>
+  </p:clrMapOvr>
+</p:notes>
+</file>
+
 <file path=ppt/notesSlides/notesSlide3.xml><?xml version="1.0" encoding="utf-8"?>
 <p:notes xmlns:a="http://schemas.openxmlformats.org/drawingml/2006/main" xmlns:r="http://schemas.openxmlformats.org/officeDocument/2006/relationships" xmlns:p="http://schemas.openxmlformats.org/presentationml/2006/main">
   <p:cSld>
@@ -2210,7 +2339,9 @@
               <a:rPr lang="en-US" b="1" dirty="0" smtClean="0"/>
               <a:t>Laura</a:t>
             </a:r>
-            <a:endParaRPr lang="en-US" b="1" dirty="0"/>
+          </a:p>
+          <a:p>
+            <a:endParaRPr lang="en-US" b="0" dirty="0"/>
           </a:p>
         </p:txBody>
       </p:sp>
@@ -2745,22 +2876,9 @@
           <a:p>
             <a:r>
               <a:rPr lang="en-US" b="1" dirty="0" smtClean="0"/>
-              <a:t>Laura</a:t>
+              <a:t>Rick</a:t>
             </a:r>
-          </a:p>
-          <a:p>
-            <a:endParaRPr lang="en-US" b="1" dirty="0" smtClean="0"/>
-          </a:p>
-          <a:p>
-            <a:r>
-              <a:rPr lang="en-US" b="0" dirty="0" smtClean="0"/>
-              <a:t>No</a:t>
-            </a:r>
-            <a:r>
-              <a:rPr lang="en-US" b="0" baseline="0" dirty="0" smtClean="0"/>
-              <a:t> time steps. </a:t>
-            </a:r>
-            <a:endParaRPr lang="en-US" b="0" dirty="0"/>
+            <a:endParaRPr lang="en-US" b="1" dirty="0"/>
           </a:p>
         </p:txBody>
       </p:sp>
@@ -2781,7 +2899,7 @@
           <a:p>
             <a:fld id="{21B091FB-64E1-6840-B0B9-8BA944C57D1B}" type="slidenum">
               <a:rPr lang="en-US" smtClean="0"/>
-              <a:t>9</a:t>
+              <a:t>8</a:t>
             </a:fld>
             <a:endParaRPr lang="en-US"/>
           </a:p>
@@ -2790,7 +2908,7 @@
     </p:spTree>
     <p:extLst>
       <p:ext uri="{BB962C8B-B14F-4D97-AF65-F5344CB8AC3E}">
-        <p14:creationId xmlns:p14="http://schemas.microsoft.com/office/powerpoint/2010/main" val="1173459890"/>
+        <p14:creationId xmlns:p14="http://schemas.microsoft.com/office/powerpoint/2010/main" val="421470532"/>
       </p:ext>
     </p:extLst>
   </p:cSld>
@@ -2854,35 +2972,14 @@
           </a:p>
           <a:p>
             <a:r>
-              <a:rPr lang="en-US" dirty="0" smtClean="0"/>
-              <a:t>Which can be solved </a:t>
+              <a:rPr lang="en-US" b="0" dirty="0" smtClean="0"/>
+              <a:t>No</a:t>
             </a:r>
             <a:r>
-              <a:rPr lang="en-US" dirty="0" smtClean="0">
-                <a:sym typeface="Wingdings"/>
-              </a:rPr>
-              <a:t></a:t>
+              <a:rPr lang="en-US" b="0" baseline="0" dirty="0" smtClean="0"/>
+              <a:t> time steps. </a:t>
             </a:r>
-            <a:endParaRPr lang="en-US" dirty="0" smtClean="0"/>
-          </a:p>
-          <a:p>
-            <a:endParaRPr lang="en-US" dirty="0" smtClean="0"/>
-          </a:p>
-          <a:p>
-            <a:r>
-              <a:rPr lang="en-US" baseline="0" dirty="0" smtClean="0"/>
-              <a:t>Mass (Newton) and friction/drag/viscosity (Stokes)</a:t>
-            </a:r>
-          </a:p>
-          <a:p>
-            <a:endParaRPr lang="en-US" baseline="0" dirty="0" smtClean="0"/>
-          </a:p>
-          <a:p>
-            <a:r>
-              <a:rPr lang="en-US" dirty="0" smtClean="0"/>
-              <a:t>Discard because naturally slow process.</a:t>
-            </a:r>
-            <a:endParaRPr lang="en-US" dirty="0"/>
+            <a:endParaRPr lang="en-US" b="0" dirty="0"/>
           </a:p>
         </p:txBody>
       </p:sp>
@@ -2903,7 +3000,7 @@
           <a:p>
             <a:fld id="{21B091FB-64E1-6840-B0B9-8BA944C57D1B}" type="slidenum">
               <a:rPr lang="en-US" smtClean="0"/>
-              <a:t>10</a:t>
+              <a:t>9</a:t>
             </a:fld>
             <a:endParaRPr lang="en-US"/>
           </a:p>
@@ -2912,7 +3009,7 @@
     </p:spTree>
     <p:extLst>
       <p:ext uri="{BB962C8B-B14F-4D97-AF65-F5344CB8AC3E}">
-        <p14:creationId xmlns:p14="http://schemas.microsoft.com/office/powerpoint/2010/main" val="2063761469"/>
+        <p14:creationId xmlns:p14="http://schemas.microsoft.com/office/powerpoint/2010/main" val="1173459890"/>
       </p:ext>
     </p:extLst>
   </p:cSld>
@@ -34859,7 +34956,7 @@
           </p:nvPr>
         </p:nvPicPr>
         <p:blipFill>
-          <a:blip r:embed="rId2">
+          <a:blip r:embed="rId3">
             <a:extLst>
               <a:ext uri="{28A0092B-C50C-407E-A947-70E740481C1C}">
                 <a14:useLocalDpi xmlns:a14="http://schemas.microsoft.com/office/drawing/2010/main" val="0"/>
@@ -34887,6 +34984,13 @@
   <p:clrMapOvr>
     <a:masterClrMapping/>
   </p:clrMapOvr>
+  <p:timing>
+    <p:tnLst>
+      <p:par>
+        <p:cTn id="1" dur="indefinite" restart="never" nodeType="tmRoot"/>
+      </p:par>
+    </p:tnLst>
+  </p:timing>
 </p:sld>
 </file>
 

--- a/presentation/final/Presentation.pptx
+++ b/presentation/final/Presentation.pptx
@@ -5,10 +5,10 @@
     <p:sldMasterId id="2147483760" r:id="rId1"/>
   </p:sldMasterIdLst>
   <p:notesMasterIdLst>
-    <p:notesMasterId r:id="rId22"/>
+    <p:notesMasterId r:id="rId23"/>
   </p:notesMasterIdLst>
   <p:handoutMasterIdLst>
-    <p:handoutMasterId r:id="rId23"/>
+    <p:handoutMasterId r:id="rId24"/>
   </p:handoutMasterIdLst>
   <p:sldIdLst>
     <p:sldId id="256" r:id="rId2"/>
@@ -30,7 +30,8 @@
     <p:sldId id="273" r:id="rId18"/>
     <p:sldId id="275" r:id="rId19"/>
     <p:sldId id="276" r:id="rId20"/>
-    <p:sldId id="266" r:id="rId21"/>
+    <p:sldId id="283" r:id="rId21"/>
+    <p:sldId id="266" r:id="rId22"/>
   </p:sldIdLst>
   <p:sldSz cx="12192000" cy="6858000"/>
   <p:notesSz cx="6858000" cy="9144000"/>
@@ -157,6 +158,7 @@
             <p14:sldId id="273"/>
             <p14:sldId id="275"/>
             <p14:sldId id="276"/>
+            <p14:sldId id="283"/>
             <p14:sldId id="266"/>
           </p14:sldIdLst>
         </p14:section>
@@ -866,11 +868,7 @@
           <a:p>
             <a:r>
               <a:rPr lang="en-US" dirty="0" smtClean="0"/>
-              <a:t>Which </a:t>
-            </a:r>
-            <a:r>
-              <a:rPr lang="en-US" dirty="0" smtClean="0"/>
-              <a:t>can be solved </a:t>
+              <a:t>Which can be solved </a:t>
             </a:r>
             <a:r>
               <a:rPr lang="en-US" dirty="0" smtClean="0">
@@ -2006,10 +2004,9 @@
               <a:buAutoNum type="arabicPeriod"/>
             </a:pPr>
             <a:r>
-              <a:rPr lang="is-IS" b="0" baseline="0" smtClean="0"/>
+              <a:rPr lang="is-IS" b="0" baseline="0" dirty="0" smtClean="0"/>
               <a:t>Large grid (not working number -&gt; &gt;800) </a:t>
             </a:r>
-            <a:endParaRPr lang="is-IS" b="0" baseline="0" dirty="0" smtClean="0"/>
           </a:p>
           <a:p>
             <a:endParaRPr lang="is-IS" baseline="0" dirty="0" smtClean="0"/>
@@ -2234,23 +2231,113 @@
           <a:bodyPr/>
           <a:lstStyle/>
           <a:p>
+            <a:pPr marL="0" marR="0" indent="0" algn="l" defTabSz="914400" rtl="0" eaLnBrk="1" fontAlgn="auto" latinLnBrk="0" hangingPunct="1">
+              <a:lnSpc>
+                <a:spcPct val="100000"/>
+              </a:lnSpc>
+              <a:spcBef>
+                <a:spcPts val="0"/>
+              </a:spcBef>
+              <a:spcAft>
+                <a:spcPts val="0"/>
+              </a:spcAft>
+              <a:buClrTx/>
+              <a:buSzTx/>
+              <a:buFontTx/>
+              <a:buNone/>
+              <a:tabLst/>
+              <a:defRPr/>
+            </a:pPr>
             <a:r>
               <a:rPr lang="en-US" b="1" dirty="0" smtClean="0"/>
               <a:t>Laura</a:t>
             </a:r>
           </a:p>
           <a:p>
+            <a:endParaRPr lang="en-US" b="1" dirty="0" smtClean="0"/>
+          </a:p>
+          <a:p>
             <a:endParaRPr lang="en-US" dirty="0" smtClean="0"/>
           </a:p>
           <a:p>
             <a:r>
               <a:rPr lang="en-US" dirty="0" smtClean="0"/>
-              <a:t>We can currently look at two</a:t>
+              <a:t>Meaning</a:t>
             </a:r>
             <a:r>
               <a:rPr lang="en-US" baseline="0" dirty="0" smtClean="0"/>
-              <a:t> different cut techniques and different choices for K</a:t>
+              <a:t> of the colors.</a:t>
             </a:r>
+            <a:endParaRPr lang="en-US" dirty="0" smtClean="0"/>
+          </a:p>
+          <a:p>
+            <a:endParaRPr lang="en-US" dirty="0" smtClean="0"/>
+          </a:p>
+          <a:p>
+            <a:endParaRPr lang="en-US" dirty="0" smtClean="0"/>
+          </a:p>
+          <a:p>
+            <a:r>
+              <a:rPr lang="en-US" dirty="0" smtClean="0"/>
+              <a:t>Problems when using large</a:t>
+            </a:r>
+            <a:r>
+              <a:rPr lang="en-US" baseline="0" dirty="0" smtClean="0"/>
+              <a:t> numbers of particles</a:t>
+            </a:r>
+            <a:r>
+              <a:rPr lang="is-IS" baseline="0" dirty="0" smtClean="0"/>
+              <a:t>…..</a:t>
+            </a:r>
+          </a:p>
+          <a:p>
+            <a:endParaRPr lang="is-IS" baseline="0" dirty="0" smtClean="0"/>
+          </a:p>
+          <a:p>
+            <a:r>
+              <a:rPr lang="is-IS" baseline="0" dirty="0" smtClean="0"/>
+              <a:t>Demo time. -&gt; </a:t>
+            </a:r>
+            <a:r>
+              <a:rPr lang="is-IS" b="1" baseline="0" dirty="0" smtClean="0"/>
+              <a:t>Rick</a:t>
+            </a:r>
+          </a:p>
+          <a:p>
+            <a:pPr marL="228600" indent="-228600">
+              <a:buAutoNum type="arabicPeriod"/>
+            </a:pPr>
+            <a:r>
+              <a:rPr lang="en-US" b="0" baseline="0" dirty="0" smtClean="0"/>
+              <a:t>S</a:t>
+            </a:r>
+            <a:r>
+              <a:rPr lang="is-IS" b="0" baseline="0" dirty="0" smtClean="0"/>
+              <a:t>mall grid (16)</a:t>
+            </a:r>
+          </a:p>
+          <a:p>
+            <a:pPr marL="228600" indent="-228600">
+              <a:buAutoNum type="arabicPeriod"/>
+            </a:pPr>
+            <a:r>
+              <a:rPr lang="is-IS" b="0" baseline="0" dirty="0" smtClean="0"/>
+              <a:t>Medium grid (working number)</a:t>
+            </a:r>
+          </a:p>
+          <a:p>
+            <a:pPr marL="228600" indent="-228600">
+              <a:buAutoNum type="arabicPeriod"/>
+            </a:pPr>
+            <a:r>
+              <a:rPr lang="is-IS" b="0" baseline="0" dirty="0" smtClean="0"/>
+              <a:t>Large grid (not working number -&gt; &gt;800) </a:t>
+            </a:r>
+          </a:p>
+          <a:p>
+            <a:endParaRPr lang="is-IS" baseline="0" dirty="0" smtClean="0"/>
+          </a:p>
+          <a:p>
             <a:endParaRPr lang="en-US" dirty="0"/>
           </a:p>
         </p:txBody>
@@ -2273,6 +2360,107 @@
             <a:fld id="{21B091FB-64E1-6840-B0B9-8BA944C57D1B}" type="slidenum">
               <a:rPr lang="en-US" smtClean="0"/>
               <a:t>20</a:t>
+            </a:fld>
+            <a:endParaRPr lang="en-US"/>
+          </a:p>
+        </p:txBody>
+      </p:sp>
+    </p:spTree>
+    <p:extLst>
+      <p:ext uri="{BB962C8B-B14F-4D97-AF65-F5344CB8AC3E}">
+        <p14:creationId xmlns:p14="http://schemas.microsoft.com/office/powerpoint/2010/main" val="1605347970"/>
+      </p:ext>
+    </p:extLst>
+  </p:cSld>
+  <p:clrMapOvr>
+    <a:masterClrMapping/>
+  </p:clrMapOvr>
+</p:notes>
+</file>
+
+<file path=ppt/notesSlides/notesSlide21.xml><?xml version="1.0" encoding="utf-8"?>
+<p:notes xmlns:a="http://schemas.openxmlformats.org/drawingml/2006/main" xmlns:r="http://schemas.openxmlformats.org/officeDocument/2006/relationships" xmlns:p="http://schemas.openxmlformats.org/presentationml/2006/main">
+  <p:cSld>
+    <p:spTree>
+      <p:nvGrpSpPr>
+        <p:cNvPr id="1" name=""/>
+        <p:cNvGrpSpPr/>
+        <p:nvPr/>
+      </p:nvGrpSpPr>
+      <p:grpSpPr>
+        <a:xfrm>
+          <a:off x="0" y="0"/>
+          <a:ext cx="0" cy="0"/>
+          <a:chOff x="0" y="0"/>
+          <a:chExt cx="0" cy="0"/>
+        </a:xfrm>
+      </p:grpSpPr>
+      <p:sp>
+        <p:nvSpPr>
+          <p:cNvPr id="2" name="Slide Image Placeholder 1"/>
+          <p:cNvSpPr>
+            <a:spLocks noGrp="1" noRot="1" noChangeAspect="1"/>
+          </p:cNvSpPr>
+          <p:nvPr>
+            <p:ph type="sldImg"/>
+          </p:nvPr>
+        </p:nvSpPr>
+        <p:spPr/>
+      </p:sp>
+      <p:sp>
+        <p:nvSpPr>
+          <p:cNvPr id="3" name="Notes Placeholder 2"/>
+          <p:cNvSpPr>
+            <a:spLocks noGrp="1"/>
+          </p:cNvSpPr>
+          <p:nvPr>
+            <p:ph type="body" idx="1"/>
+          </p:nvPr>
+        </p:nvSpPr>
+        <p:spPr/>
+        <p:txBody>
+          <a:bodyPr/>
+          <a:lstStyle/>
+          <a:p>
+            <a:r>
+              <a:rPr lang="en-US" b="1" dirty="0" smtClean="0"/>
+              <a:t>Laura</a:t>
+            </a:r>
+          </a:p>
+          <a:p>
+            <a:endParaRPr lang="en-US" dirty="0" smtClean="0"/>
+          </a:p>
+          <a:p>
+            <a:r>
+              <a:rPr lang="en-US" dirty="0" smtClean="0"/>
+              <a:t>We can currently look at two</a:t>
+            </a:r>
+            <a:r>
+              <a:rPr lang="en-US" baseline="0" dirty="0" smtClean="0"/>
+              <a:t> different cut techniques and different choices for K</a:t>
+            </a:r>
+            <a:endParaRPr lang="en-US" dirty="0"/>
+          </a:p>
+        </p:txBody>
+      </p:sp>
+      <p:sp>
+        <p:nvSpPr>
+          <p:cNvPr id="4" name="Slide Number Placeholder 3"/>
+          <p:cNvSpPr>
+            <a:spLocks noGrp="1"/>
+          </p:cNvSpPr>
+          <p:nvPr>
+            <p:ph type="sldNum" sz="quarter" idx="10"/>
+          </p:nvPr>
+        </p:nvSpPr>
+        <p:spPr/>
+        <p:txBody>
+          <a:bodyPr/>
+          <a:lstStyle/>
+          <a:p>
+            <a:fld id="{21B091FB-64E1-6840-B0B9-8BA944C57D1B}" type="slidenum">
+              <a:rPr lang="en-US" smtClean="0"/>
+              <a:t>21</a:t>
             </a:fld>
             <a:endParaRPr lang="en-US"/>
           </a:p>
@@ -24359,7 +24547,7 @@
 </file>
 
 <file path=ppt/slides/slide19.xml><?xml version="1.0" encoding="utf-8"?>
-<p:sld xmlns:a="http://schemas.openxmlformats.org/drawingml/2006/main" xmlns:r="http://schemas.openxmlformats.org/officeDocument/2006/relationships" xmlns:p="http://schemas.openxmlformats.org/presentationml/2006/main">
+<p:sld xmlns:a="http://schemas.openxmlformats.org/drawingml/2006/main" xmlns:r="http://schemas.openxmlformats.org/officeDocument/2006/relationships" xmlns:p="http://schemas.openxmlformats.org/presentationml/2006/main" show="0">
   <p:cSld>
     <p:spTree>
       <p:nvGrpSpPr>
@@ -24439,6 +24627,14 @@
   <p:clrMapOvr>
     <a:masterClrMapping/>
   </p:clrMapOvr>
+  <mc:AlternateContent xmlns:mc="http://schemas.openxmlformats.org/markup-compatibility/2006">
+    <mc:Choice xmlns:p14="http://schemas.microsoft.com/office/powerpoint/2010/main" Requires="p14">
+      <p:transition spd="slow" p14:dur="2000"/>
+    </mc:Choice>
+    <mc:Fallback>
+      <p:transition spd="slow"/>
+    </mc:Fallback>
+  </mc:AlternateContent>
   <p:timing>
     <p:tnLst>
       <p:par>
@@ -24517,6 +24713,109 @@
 </file>
 
 <file path=ppt/slides/slide20.xml><?xml version="1.0" encoding="utf-8"?>
+<p:sld xmlns:a="http://schemas.openxmlformats.org/drawingml/2006/main" xmlns:r="http://schemas.openxmlformats.org/officeDocument/2006/relationships" xmlns:p="http://schemas.openxmlformats.org/presentationml/2006/main">
+  <p:cSld>
+    <p:spTree>
+      <p:nvGrpSpPr>
+        <p:cNvPr id="1" name=""/>
+        <p:cNvGrpSpPr/>
+        <p:nvPr/>
+      </p:nvGrpSpPr>
+      <p:grpSpPr>
+        <a:xfrm>
+          <a:off x="0" y="0"/>
+          <a:ext cx="0" cy="0"/>
+          <a:chOff x="0" y="0"/>
+          <a:chExt cx="0" cy="0"/>
+        </a:xfrm>
+      </p:grpSpPr>
+      <p:sp>
+        <p:nvSpPr>
+          <p:cNvPr id="4" name="Rectangle 3"/>
+          <p:cNvSpPr/>
+          <p:nvPr/>
+        </p:nvSpPr>
+        <p:spPr>
+          <a:xfrm>
+            <a:off x="-346364" y="-249382"/>
+            <a:ext cx="12912437" cy="7426037"/>
+          </a:xfrm>
+          <a:prstGeom prst="rect">
+            <a:avLst/>
+          </a:prstGeom>
+          <a:solidFill>
+            <a:schemeClr val="bg1"/>
+          </a:solidFill>
+        </p:spPr>
+        <p:style>
+          <a:lnRef idx="2">
+            <a:schemeClr val="accent1">
+              <a:shade val="50000"/>
+            </a:schemeClr>
+          </a:lnRef>
+          <a:fillRef idx="1">
+            <a:schemeClr val="accent1"/>
+          </a:fillRef>
+          <a:effectRef idx="0">
+            <a:schemeClr val="accent1"/>
+          </a:effectRef>
+          <a:fontRef idx="minor">
+            <a:schemeClr val="lt1"/>
+          </a:fontRef>
+        </p:style>
+        <p:txBody>
+          <a:bodyPr rtlCol="0" anchor="ctr"/>
+          <a:lstStyle/>
+          <a:p>
+            <a:pPr algn="ctr"/>
+            <a:endParaRPr lang="en-US"/>
+          </a:p>
+        </p:txBody>
+      </p:sp>
+      <p:pic>
+        <p:nvPicPr>
+          <p:cNvPr id="3" name="Content Placeholder 7"/>
+          <p:cNvPicPr>
+            <a:picLocks noChangeAspect="1"/>
+          </p:cNvPicPr>
+          <p:nvPr/>
+        </p:nvPicPr>
+        <p:blipFill>
+          <a:blip r:embed="rId3">
+            <a:extLst>
+              <a:ext uri="{28A0092B-C50C-407E-A947-70E740481C1C}">
+                <a14:useLocalDpi xmlns:a14="http://schemas.microsoft.com/office/drawing/2010/main" val="0"/>
+              </a:ext>
+            </a:extLst>
+          </a:blip>
+          <a:stretch>
+            <a:fillRect/>
+          </a:stretch>
+        </p:blipFill>
+        <p:spPr>
+          <a:xfrm>
+            <a:off x="2653146" y="-13854"/>
+            <a:ext cx="6885709" cy="6885709"/>
+          </a:xfrm>
+          <a:prstGeom prst="rect">
+            <a:avLst/>
+          </a:prstGeom>
+        </p:spPr>
+      </p:pic>
+    </p:spTree>
+    <p:extLst>
+      <p:ext uri="{BB962C8B-B14F-4D97-AF65-F5344CB8AC3E}">
+        <p14:creationId xmlns:p14="http://schemas.microsoft.com/office/powerpoint/2010/main" val="1472022562"/>
+      </p:ext>
+    </p:extLst>
+  </p:cSld>
+  <p:clrMapOvr>
+    <a:masterClrMapping/>
+  </p:clrMapOvr>
+</p:sld>
+</file>
+
+<file path=ppt/slides/slide21.xml><?xml version="1.0" encoding="utf-8"?>
 <p:sld xmlns:a="http://schemas.openxmlformats.org/drawingml/2006/main" xmlns:r="http://schemas.openxmlformats.org/officeDocument/2006/relationships" xmlns:p="http://schemas.openxmlformats.org/presentationml/2006/main">
   <p:cSld>
     <p:spTree>
